--- a/ppe-presentation.pptx
+++ b/ppe-presentation.pptx
@@ -5,7 +5,7 @@
     <p:sldMasterId id="2147483648" r:id="rId1"/>
   </p:sldMasterIdLst>
   <p:notesMasterIdLst>
-    <p:notesMasterId r:id="rId40"/>
+    <p:notesMasterId r:id="rId38"/>
   </p:notesMasterIdLst>
   <p:sldIdLst>
     <p:sldId id="256" r:id="rId2"/>
@@ -25,27 +25,25 @@
     <p:sldId id="270" r:id="rId16"/>
     <p:sldId id="271" r:id="rId17"/>
     <p:sldId id="272" r:id="rId18"/>
-    <p:sldId id="273" r:id="rId19"/>
+    <p:sldId id="276" r:id="rId19"/>
     <p:sldId id="274" r:id="rId20"/>
     <p:sldId id="275" r:id="rId21"/>
-    <p:sldId id="276" r:id="rId22"/>
-    <p:sldId id="277" r:id="rId23"/>
-    <p:sldId id="279" r:id="rId24"/>
-    <p:sldId id="280" r:id="rId25"/>
-    <p:sldId id="281" r:id="rId26"/>
-    <p:sldId id="282" r:id="rId27"/>
-    <p:sldId id="283" r:id="rId28"/>
-    <p:sldId id="284" r:id="rId29"/>
-    <p:sldId id="285" r:id="rId30"/>
-    <p:sldId id="286" r:id="rId31"/>
-    <p:sldId id="287" r:id="rId32"/>
-    <p:sldId id="288" r:id="rId33"/>
-    <p:sldId id="289" r:id="rId34"/>
-    <p:sldId id="290" r:id="rId35"/>
-    <p:sldId id="291" r:id="rId36"/>
-    <p:sldId id="278" r:id="rId37"/>
-    <p:sldId id="293" r:id="rId38"/>
-    <p:sldId id="292" r:id="rId39"/>
+    <p:sldId id="279" r:id="rId22"/>
+    <p:sldId id="280" r:id="rId23"/>
+    <p:sldId id="281" r:id="rId24"/>
+    <p:sldId id="282" r:id="rId25"/>
+    <p:sldId id="283" r:id="rId26"/>
+    <p:sldId id="284" r:id="rId27"/>
+    <p:sldId id="285" r:id="rId28"/>
+    <p:sldId id="286" r:id="rId29"/>
+    <p:sldId id="287" r:id="rId30"/>
+    <p:sldId id="288" r:id="rId31"/>
+    <p:sldId id="289" r:id="rId32"/>
+    <p:sldId id="290" r:id="rId33"/>
+    <p:sldId id="291" r:id="rId34"/>
+    <p:sldId id="278" r:id="rId35"/>
+    <p:sldId id="293" r:id="rId36"/>
+    <p:sldId id="292" r:id="rId37"/>
   </p:sldIdLst>
   <p:sldSz cx="12192000" cy="6858000"/>
   <p:notesSz cx="6858000" cy="9144000"/>
@@ -5651,31 +5649,31 @@
     </dgm:pt>
   </dgm:ptLst>
   <dgm:cxnLst>
+    <dgm:cxn modelId="{4ACDCA98-3E0B-4B64-AE1B-A6107223C0A4}" type="presOf" srcId="{3C330A5A-554A-48B4-AF10-75BE2AB9B943}" destId="{5D754808-5795-4A41-B5DF-A37691767FCC}" srcOrd="0" destOrd="0" presId="urn:microsoft.com/office/officeart/2005/8/layout/cycle2"/>
+    <dgm:cxn modelId="{06D1BB65-448B-4114-B09D-E3D46BDFB84C}" type="presOf" srcId="{8FB30078-CCB5-48A1-B82B-FFEA05074D0B}" destId="{74AACC6F-BACB-46E4-96DD-602B2CFEBC7B}" srcOrd="0" destOrd="0" presId="urn:microsoft.com/office/officeart/2005/8/layout/cycle2"/>
+    <dgm:cxn modelId="{8628FE3F-6105-419F-9711-049FDC0325DF}" type="presOf" srcId="{D3428157-C1E8-4FAF-BB69-8DB61EC3CF84}" destId="{D4FF153E-5DE1-4DF9-9400-A4ABD0848ED1}" srcOrd="0" destOrd="0" presId="urn:microsoft.com/office/officeart/2005/8/layout/cycle2"/>
+    <dgm:cxn modelId="{AF6D0305-4769-48F0-8E4E-F7503B67FDFF}" type="presOf" srcId="{255F5A42-9FFE-4BF6-AFC8-BEA817047AA6}" destId="{6D24681E-5A6B-493A-9A18-852444F5B4D2}" srcOrd="0" destOrd="0" presId="urn:microsoft.com/office/officeart/2005/8/layout/cycle2"/>
+    <dgm:cxn modelId="{41F12B09-FB50-4A26-A97F-45F48507EB5A}" type="presOf" srcId="{A227D690-3B8B-47E0-A4EB-EB3FF46BF0F4}" destId="{C3F1D7A7-0849-4697-A73B-A90EE665427C}" srcOrd="1" destOrd="0" presId="urn:microsoft.com/office/officeart/2005/8/layout/cycle2"/>
+    <dgm:cxn modelId="{C2301316-639D-45F8-8DCF-D4AFF6831623}" type="presOf" srcId="{58F5257C-0F92-44D7-BD77-67E95F0A03AE}" destId="{6EA9BA27-9AAD-44A0-A567-F064A5426C12}" srcOrd="1" destOrd="0" presId="urn:microsoft.com/office/officeart/2005/8/layout/cycle2"/>
+    <dgm:cxn modelId="{2E61549D-AAFC-4F39-8737-4B158D713F5D}" type="presOf" srcId="{CDCF88D5-F4AE-44CE-BB2D-CC6B70178C07}" destId="{71E4E755-1758-42C8-94AD-06C6DDA6E523}" srcOrd="0" destOrd="0" presId="urn:microsoft.com/office/officeart/2005/8/layout/cycle2"/>
+    <dgm:cxn modelId="{A4C770CF-8426-488F-BD42-4246BEFC8C62}" type="presOf" srcId="{93EFDF45-7F26-433B-86BB-C6796E12F9F2}" destId="{7B0422D2-CE29-4E5D-8C32-42669D9805AA}" srcOrd="0" destOrd="0" presId="urn:microsoft.com/office/officeart/2005/8/layout/cycle2"/>
+    <dgm:cxn modelId="{8B6202FB-8972-4F2A-BD48-15EB1998726A}" type="presOf" srcId="{32CC6392-8EE6-4DF4-B8BD-12A1F83269F9}" destId="{E3E21F92-87C2-4626-9001-0446B233AC81}" srcOrd="1" destOrd="0" presId="urn:microsoft.com/office/officeart/2005/8/layout/cycle2"/>
+    <dgm:cxn modelId="{987941A5-705E-47E5-87B7-E410BEF01BA0}" type="presOf" srcId="{255F5A42-9FFE-4BF6-AFC8-BEA817047AA6}" destId="{FE487D83-8628-465C-88DD-B978893F0CCC}" srcOrd="1" destOrd="0" presId="urn:microsoft.com/office/officeart/2005/8/layout/cycle2"/>
+    <dgm:cxn modelId="{444E3F70-B403-4C42-9498-EC84BF3FDD4A}" srcId="{DCDF1032-6A5F-4D68-84A6-2B9EBDA1EDDE}" destId="{E7169D49-A5F5-4F86-A0F1-5226C9331955}" srcOrd="1" destOrd="0" parTransId="{65C0E757-2F70-41D3-A34E-DE5801D49B93}" sibTransId="{93EFDF45-7F26-433B-86BB-C6796E12F9F2}"/>
+    <dgm:cxn modelId="{BE6B3B0A-8C25-43C6-9000-4AA1B0A269C8}" srcId="{DCDF1032-6A5F-4D68-84A6-2B9EBDA1EDDE}" destId="{3C330A5A-554A-48B4-AF10-75BE2AB9B943}" srcOrd="4" destOrd="0" parTransId="{4B287BC0-79C9-4059-B5B0-5D384C46CF8E}" sibTransId="{58F5257C-0F92-44D7-BD77-67E95F0A03AE}"/>
+    <dgm:cxn modelId="{F12CED79-3F32-48AC-B34E-1E935BCC991D}" type="presOf" srcId="{D3428157-C1E8-4FAF-BB69-8DB61EC3CF84}" destId="{DBF7F58E-1A96-4DF1-8B6B-69238D94A8D0}" srcOrd="1" destOrd="0" presId="urn:microsoft.com/office/officeart/2005/8/layout/cycle2"/>
     <dgm:cxn modelId="{709F3533-5F05-426A-B92D-11D7F598A344}" type="presOf" srcId="{E7169D49-A5F5-4F86-A0F1-5226C9331955}" destId="{E99ABE09-CFE3-4595-80DF-31A32E038C04}" srcOrd="0" destOrd="0" presId="urn:microsoft.com/office/officeart/2005/8/layout/cycle2"/>
+    <dgm:cxn modelId="{217E154B-6573-4B0D-8ABB-08AC115D8D14}" type="presOf" srcId="{D4DBF440-C283-4F2D-BB49-6B8D9B93B529}" destId="{DF02928E-BD1B-4C7C-B93E-35330A2CE52B}" srcOrd="0" destOrd="0" presId="urn:microsoft.com/office/officeart/2005/8/layout/cycle2"/>
     <dgm:cxn modelId="{784A4F4A-335D-4D41-9FF0-9B67BC76C00D}" type="presOf" srcId="{A227D690-3B8B-47E0-A4EB-EB3FF46BF0F4}" destId="{379281F5-5BEC-4572-A6D0-21F2A0C0AB03}" srcOrd="0" destOrd="0" presId="urn:microsoft.com/office/officeart/2005/8/layout/cycle2"/>
-    <dgm:cxn modelId="{217E154B-6573-4B0D-8ABB-08AC115D8D14}" type="presOf" srcId="{D4DBF440-C283-4F2D-BB49-6B8D9B93B529}" destId="{DF02928E-BD1B-4C7C-B93E-35330A2CE52B}" srcOrd="0" destOrd="0" presId="urn:microsoft.com/office/officeart/2005/8/layout/cycle2"/>
+    <dgm:cxn modelId="{385864B5-23C7-4EA0-B99D-848068A6F679}" srcId="{DCDF1032-6A5F-4D68-84A6-2B9EBDA1EDDE}" destId="{E3873C09-1928-4C37-8E1A-5A04BCA869E9}" srcOrd="0" destOrd="0" parTransId="{27AE0F7D-BDD1-4947-90B1-30EF5E0E488F}" sibTransId="{255F5A42-9FFE-4BF6-AFC8-BEA817047AA6}"/>
+    <dgm:cxn modelId="{C20D9D67-1698-47E2-A587-52643803930A}" type="presOf" srcId="{E3873C09-1928-4C37-8E1A-5A04BCA869E9}" destId="{74CC9A6F-DC5B-4678-8744-589E608DAD4C}" srcOrd="0" destOrd="0" presId="urn:microsoft.com/office/officeart/2005/8/layout/cycle2"/>
+    <dgm:cxn modelId="{E7A40722-EA65-42AA-A24D-2B24A54E41D7}" srcId="{DCDF1032-6A5F-4D68-84A6-2B9EBDA1EDDE}" destId="{8FB30078-CCB5-48A1-B82B-FFEA05074D0B}" srcOrd="5" destOrd="0" parTransId="{E5F2A607-7E63-4DAE-82C1-0A9A96AE44D7}" sibTransId="{D3428157-C1E8-4FAF-BB69-8DB61EC3CF84}"/>
+    <dgm:cxn modelId="{B69A3B60-8FB1-4510-B25F-D77C5E374ABF}" type="presOf" srcId="{93EFDF45-7F26-433B-86BB-C6796E12F9F2}" destId="{47993EEA-A7EE-4FD5-8825-D588323F7EC8}" srcOrd="1" destOrd="0" presId="urn:microsoft.com/office/officeart/2005/8/layout/cycle2"/>
     <dgm:cxn modelId="{68EEA6FB-0B79-440F-B7E2-D7C76FF61B1E}" srcId="{DCDF1032-6A5F-4D68-84A6-2B9EBDA1EDDE}" destId="{D4DBF440-C283-4F2D-BB49-6B8D9B93B529}" srcOrd="2" destOrd="0" parTransId="{5558BC3B-4992-4C41-96D6-D5953E211673}" sibTransId="{A227D690-3B8B-47E0-A4EB-EB3FF46BF0F4}"/>
-    <dgm:cxn modelId="{A4C770CF-8426-488F-BD42-4246BEFC8C62}" type="presOf" srcId="{93EFDF45-7F26-433B-86BB-C6796E12F9F2}" destId="{7B0422D2-CE29-4E5D-8C32-42669D9805AA}" srcOrd="0" destOrd="0" presId="urn:microsoft.com/office/officeart/2005/8/layout/cycle2"/>
-    <dgm:cxn modelId="{B69A3B60-8FB1-4510-B25F-D77C5E374ABF}" type="presOf" srcId="{93EFDF45-7F26-433B-86BB-C6796E12F9F2}" destId="{47993EEA-A7EE-4FD5-8825-D588323F7EC8}" srcOrd="1" destOrd="0" presId="urn:microsoft.com/office/officeart/2005/8/layout/cycle2"/>
-    <dgm:cxn modelId="{C2301316-639D-45F8-8DCF-D4AFF6831623}" type="presOf" srcId="{58F5257C-0F92-44D7-BD77-67E95F0A03AE}" destId="{6EA9BA27-9AAD-44A0-A567-F064A5426C12}" srcOrd="1" destOrd="0" presId="urn:microsoft.com/office/officeart/2005/8/layout/cycle2"/>
-    <dgm:cxn modelId="{E7A40722-EA65-42AA-A24D-2B24A54E41D7}" srcId="{DCDF1032-6A5F-4D68-84A6-2B9EBDA1EDDE}" destId="{8FB30078-CCB5-48A1-B82B-FFEA05074D0B}" srcOrd="5" destOrd="0" parTransId="{E5F2A607-7E63-4DAE-82C1-0A9A96AE44D7}" sibTransId="{D3428157-C1E8-4FAF-BB69-8DB61EC3CF84}"/>
+    <dgm:cxn modelId="{0C49CEE3-B0DC-4430-8734-D8352E0D7704}" type="presOf" srcId="{58F5257C-0F92-44D7-BD77-67E95F0A03AE}" destId="{FB3B65CD-0D2D-40E5-A7CA-63C42B1505C6}" srcOrd="0" destOrd="0" presId="urn:microsoft.com/office/officeart/2005/8/layout/cycle2"/>
     <dgm:cxn modelId="{317E3542-0FE6-453B-B40D-039D76DE7E58}" type="presOf" srcId="{DCDF1032-6A5F-4D68-84A6-2B9EBDA1EDDE}" destId="{4100E6FC-EFA8-4548-930A-344AB5EF5EFD}" srcOrd="0" destOrd="0" presId="urn:microsoft.com/office/officeart/2005/8/layout/cycle2"/>
-    <dgm:cxn modelId="{06D1BB65-448B-4114-B09D-E3D46BDFB84C}" type="presOf" srcId="{8FB30078-CCB5-48A1-B82B-FFEA05074D0B}" destId="{74AACC6F-BACB-46E4-96DD-602B2CFEBC7B}" srcOrd="0" destOrd="0" presId="urn:microsoft.com/office/officeart/2005/8/layout/cycle2"/>
-    <dgm:cxn modelId="{8B6202FB-8972-4F2A-BD48-15EB1998726A}" type="presOf" srcId="{32CC6392-8EE6-4DF4-B8BD-12A1F83269F9}" destId="{E3E21F92-87C2-4626-9001-0446B233AC81}" srcOrd="1" destOrd="0" presId="urn:microsoft.com/office/officeart/2005/8/layout/cycle2"/>
-    <dgm:cxn modelId="{41F12B09-FB50-4A26-A97F-45F48507EB5A}" type="presOf" srcId="{A227D690-3B8B-47E0-A4EB-EB3FF46BF0F4}" destId="{C3F1D7A7-0849-4697-A73B-A90EE665427C}" srcOrd="1" destOrd="0" presId="urn:microsoft.com/office/officeart/2005/8/layout/cycle2"/>
-    <dgm:cxn modelId="{AF6D0305-4769-48F0-8E4E-F7503B67FDFF}" type="presOf" srcId="{255F5A42-9FFE-4BF6-AFC8-BEA817047AA6}" destId="{6D24681E-5A6B-493A-9A18-852444F5B4D2}" srcOrd="0" destOrd="0" presId="urn:microsoft.com/office/officeart/2005/8/layout/cycle2"/>
-    <dgm:cxn modelId="{C20D9D67-1698-47E2-A587-52643803930A}" type="presOf" srcId="{E3873C09-1928-4C37-8E1A-5A04BCA869E9}" destId="{74CC9A6F-DC5B-4678-8744-589E608DAD4C}" srcOrd="0" destOrd="0" presId="urn:microsoft.com/office/officeart/2005/8/layout/cycle2"/>
-    <dgm:cxn modelId="{444E3F70-B403-4C42-9498-EC84BF3FDD4A}" srcId="{DCDF1032-6A5F-4D68-84A6-2B9EBDA1EDDE}" destId="{E7169D49-A5F5-4F86-A0F1-5226C9331955}" srcOrd="1" destOrd="0" parTransId="{65C0E757-2F70-41D3-A34E-DE5801D49B93}" sibTransId="{93EFDF45-7F26-433B-86BB-C6796E12F9F2}"/>
-    <dgm:cxn modelId="{385864B5-23C7-4EA0-B99D-848068A6F679}" srcId="{DCDF1032-6A5F-4D68-84A6-2B9EBDA1EDDE}" destId="{E3873C09-1928-4C37-8E1A-5A04BCA869E9}" srcOrd="0" destOrd="0" parTransId="{27AE0F7D-BDD1-4947-90B1-30EF5E0E488F}" sibTransId="{255F5A42-9FFE-4BF6-AFC8-BEA817047AA6}"/>
-    <dgm:cxn modelId="{4ACDCA98-3E0B-4B64-AE1B-A6107223C0A4}" type="presOf" srcId="{3C330A5A-554A-48B4-AF10-75BE2AB9B943}" destId="{5D754808-5795-4A41-B5DF-A37691767FCC}" srcOrd="0" destOrd="0" presId="urn:microsoft.com/office/officeart/2005/8/layout/cycle2"/>
-    <dgm:cxn modelId="{BE6B3B0A-8C25-43C6-9000-4AA1B0A269C8}" srcId="{DCDF1032-6A5F-4D68-84A6-2B9EBDA1EDDE}" destId="{3C330A5A-554A-48B4-AF10-75BE2AB9B943}" srcOrd="4" destOrd="0" parTransId="{4B287BC0-79C9-4059-B5B0-5D384C46CF8E}" sibTransId="{58F5257C-0F92-44D7-BD77-67E95F0A03AE}"/>
     <dgm:cxn modelId="{86CFA7A2-5A6A-4313-8113-849A4AD3C7D6}" type="presOf" srcId="{32CC6392-8EE6-4DF4-B8BD-12A1F83269F9}" destId="{BC66F32C-D101-4B7A-8EB5-831EAF1D9773}" srcOrd="0" destOrd="0" presId="urn:microsoft.com/office/officeart/2005/8/layout/cycle2"/>
-    <dgm:cxn modelId="{2E61549D-AAFC-4F39-8737-4B158D713F5D}" type="presOf" srcId="{CDCF88D5-F4AE-44CE-BB2D-CC6B70178C07}" destId="{71E4E755-1758-42C8-94AD-06C6DDA6E523}" srcOrd="0" destOrd="0" presId="urn:microsoft.com/office/officeart/2005/8/layout/cycle2"/>
-    <dgm:cxn modelId="{0C49CEE3-B0DC-4430-8734-D8352E0D7704}" type="presOf" srcId="{58F5257C-0F92-44D7-BD77-67E95F0A03AE}" destId="{FB3B65CD-0D2D-40E5-A7CA-63C42B1505C6}" srcOrd="0" destOrd="0" presId="urn:microsoft.com/office/officeart/2005/8/layout/cycle2"/>
     <dgm:cxn modelId="{4EB9763C-80CB-462D-B404-82CD1A7E4728}" srcId="{DCDF1032-6A5F-4D68-84A6-2B9EBDA1EDDE}" destId="{CDCF88D5-F4AE-44CE-BB2D-CC6B70178C07}" srcOrd="3" destOrd="0" parTransId="{FF45C6CD-A002-454B-8570-C9FF6D70DEDA}" sibTransId="{32CC6392-8EE6-4DF4-B8BD-12A1F83269F9}"/>
-    <dgm:cxn modelId="{8628FE3F-6105-419F-9711-049FDC0325DF}" type="presOf" srcId="{D3428157-C1E8-4FAF-BB69-8DB61EC3CF84}" destId="{D4FF153E-5DE1-4DF9-9400-A4ABD0848ED1}" srcOrd="0" destOrd="0" presId="urn:microsoft.com/office/officeart/2005/8/layout/cycle2"/>
-    <dgm:cxn modelId="{F12CED79-3F32-48AC-B34E-1E935BCC991D}" type="presOf" srcId="{D3428157-C1E8-4FAF-BB69-8DB61EC3CF84}" destId="{DBF7F58E-1A96-4DF1-8B6B-69238D94A8D0}" srcOrd="1" destOrd="0" presId="urn:microsoft.com/office/officeart/2005/8/layout/cycle2"/>
-    <dgm:cxn modelId="{987941A5-705E-47E5-87B7-E410BEF01BA0}" type="presOf" srcId="{255F5A42-9FFE-4BF6-AFC8-BEA817047AA6}" destId="{FE487D83-8628-465C-88DD-B978893F0CCC}" srcOrd="1" destOrd="0" presId="urn:microsoft.com/office/officeart/2005/8/layout/cycle2"/>
     <dgm:cxn modelId="{4513D99C-2187-4D27-8FBB-76A3290CA0DC}" type="presParOf" srcId="{4100E6FC-EFA8-4548-930A-344AB5EF5EFD}" destId="{74CC9A6F-DC5B-4678-8744-589E608DAD4C}" srcOrd="0" destOrd="0" presId="urn:microsoft.com/office/officeart/2005/8/layout/cycle2"/>
     <dgm:cxn modelId="{5064F94C-C0EA-4831-B264-83AABB35BF79}" type="presParOf" srcId="{4100E6FC-EFA8-4548-930A-344AB5EF5EFD}" destId="{6D24681E-5A6B-493A-9A18-852444F5B4D2}" srcOrd="1" destOrd="0" presId="urn:microsoft.com/office/officeart/2005/8/layout/cycle2"/>
     <dgm:cxn modelId="{1F257088-1F57-4007-B2C8-9649C68FA32B}" type="presParOf" srcId="{6D24681E-5A6B-493A-9A18-852444F5B4D2}" destId="{FE487D83-8628-465C-88DD-B978893F0CCC}" srcOrd="0" destOrd="0" presId="urn:microsoft.com/office/officeart/2005/8/layout/cycle2"/>
@@ -16939,7 +16937,7 @@
           <a:p>
             <a:fld id="{8D7B35F9-32BA-4A10-872C-08DC68536B75}" type="datetimeFigureOut">
               <a:rPr lang="fr-FR" smtClean="0"/>
-              <a:t>22/05/2019</a:t>
+              <a:t>23/05/2019</a:t>
             </a:fld>
             <a:endParaRPr lang="fr-FR"/>
           </a:p>
@@ -17380,7 +17378,7 @@
           <a:p>
             <a:fld id="{3E67D9C3-DAB8-4A63-8895-53533470EAA1}" type="slidenum">
               <a:rPr lang="fr-FR" smtClean="0"/>
-              <a:t>31</a:t>
+              <a:t>29</a:t>
             </a:fld>
             <a:endParaRPr lang="fr-FR"/>
           </a:p>
@@ -17390,6 +17388,90 @@
     <p:extLst>
       <p:ext uri="{BB962C8B-B14F-4D97-AF65-F5344CB8AC3E}">
         <p14:creationId xmlns:p14="http://schemas.microsoft.com/office/powerpoint/2010/main" val="2260634667"/>
+      </p:ext>
+    </p:extLst>
+  </p:cSld>
+  <p:clrMapOvr>
+    <a:masterClrMapping/>
+  </p:clrMapOvr>
+</p:notes>
+</file>
+
+<file path=ppt/notesSlides/notesSlide3.xml><?xml version="1.0" encoding="utf-8"?>
+<p:notes xmlns:a="http://schemas.openxmlformats.org/drawingml/2006/main" xmlns:r="http://schemas.openxmlformats.org/officeDocument/2006/relationships" xmlns:p="http://schemas.openxmlformats.org/presentationml/2006/main">
+  <p:cSld>
+    <p:spTree>
+      <p:nvGrpSpPr>
+        <p:cNvPr id="1" name=""/>
+        <p:cNvGrpSpPr/>
+        <p:nvPr/>
+      </p:nvGrpSpPr>
+      <p:grpSpPr>
+        <a:xfrm>
+          <a:off x="0" y="0"/>
+          <a:ext cx="0" cy="0"/>
+          <a:chOff x="0" y="0"/>
+          <a:chExt cx="0" cy="0"/>
+        </a:xfrm>
+      </p:grpSpPr>
+      <p:sp>
+        <p:nvSpPr>
+          <p:cNvPr id="2" name="Espace réservé de l'image des diapositives 1"/>
+          <p:cNvSpPr>
+            <a:spLocks noGrp="1" noRot="1" noChangeAspect="1"/>
+          </p:cNvSpPr>
+          <p:nvPr>
+            <p:ph type="sldImg"/>
+          </p:nvPr>
+        </p:nvSpPr>
+        <p:spPr/>
+      </p:sp>
+      <p:sp>
+        <p:nvSpPr>
+          <p:cNvPr id="3" name="Espace réservé des notes 2"/>
+          <p:cNvSpPr>
+            <a:spLocks noGrp="1"/>
+          </p:cNvSpPr>
+          <p:nvPr>
+            <p:ph type="body" idx="1"/>
+          </p:nvPr>
+        </p:nvSpPr>
+        <p:spPr/>
+        <p:txBody>
+          <a:bodyPr/>
+          <a:lstStyle/>
+          <a:p>
+            <a:endParaRPr lang="fr-FR" dirty="0"/>
+          </a:p>
+        </p:txBody>
+      </p:sp>
+      <p:sp>
+        <p:nvSpPr>
+          <p:cNvPr id="4" name="Espace réservé du numéro de diapositive 3"/>
+          <p:cNvSpPr>
+            <a:spLocks noGrp="1"/>
+          </p:cNvSpPr>
+          <p:nvPr>
+            <p:ph type="sldNum" sz="quarter" idx="10"/>
+          </p:nvPr>
+        </p:nvSpPr>
+        <p:spPr/>
+        <p:txBody>
+          <a:bodyPr/>
+          <a:lstStyle/>
+          <a:p>
+            <a:fld id="{3E67D9C3-DAB8-4A63-8895-53533470EAA1}" type="slidenum">
+              <a:rPr lang="fr-FR" smtClean="0"/>
+              <a:t>36</a:t>
+            </a:fld>
+            <a:endParaRPr lang="fr-FR"/>
+          </a:p>
+        </p:txBody>
+      </p:sp>
+    </p:spTree>
+    <p:extLst>
+      <p:ext uri="{BB962C8B-B14F-4D97-AF65-F5344CB8AC3E}">
+        <p14:creationId xmlns:p14="http://schemas.microsoft.com/office/powerpoint/2010/main" val="2853063113"/>
       </p:ext>
     </p:extLst>
   </p:cSld>
@@ -17546,7 +17628,7 @@
           <a:p>
             <a:fld id="{279CA367-D099-4423-A3C9-7254ACED0FD5}" type="datetimeFigureOut">
               <a:rPr lang="fr-FR" smtClean="0"/>
-              <a:t>22/05/2019</a:t>
+              <a:t>23/05/2019</a:t>
             </a:fld>
             <a:endParaRPr lang="fr-FR" dirty="0"/>
           </a:p>
@@ -17744,7 +17826,7 @@
           <a:p>
             <a:fld id="{279CA367-D099-4423-A3C9-7254ACED0FD5}" type="datetimeFigureOut">
               <a:rPr lang="fr-FR" smtClean="0"/>
-              <a:t>22/05/2019</a:t>
+              <a:t>23/05/2019</a:t>
             </a:fld>
             <a:endParaRPr lang="fr-FR" dirty="0"/>
           </a:p>
@@ -17952,7 +18034,7 @@
           <a:p>
             <a:fld id="{279CA367-D099-4423-A3C9-7254ACED0FD5}" type="datetimeFigureOut">
               <a:rPr lang="fr-FR" smtClean="0"/>
-              <a:t>22/05/2019</a:t>
+              <a:t>23/05/2019</a:t>
             </a:fld>
             <a:endParaRPr lang="fr-FR" dirty="0"/>
           </a:p>
@@ -18150,7 +18232,7 @@
           <a:p>
             <a:fld id="{279CA367-D099-4423-A3C9-7254ACED0FD5}" type="datetimeFigureOut">
               <a:rPr lang="fr-FR" smtClean="0"/>
-              <a:t>22/05/2019</a:t>
+              <a:t>23/05/2019</a:t>
             </a:fld>
             <a:endParaRPr lang="fr-FR" dirty="0"/>
           </a:p>
@@ -18425,7 +18507,7 @@
           <a:p>
             <a:fld id="{279CA367-D099-4423-A3C9-7254ACED0FD5}" type="datetimeFigureOut">
               <a:rPr lang="fr-FR" smtClean="0"/>
-              <a:t>22/05/2019</a:t>
+              <a:t>23/05/2019</a:t>
             </a:fld>
             <a:endParaRPr lang="fr-FR" dirty="0"/>
           </a:p>
@@ -18690,7 +18772,7 @@
           <a:p>
             <a:fld id="{279CA367-D099-4423-A3C9-7254ACED0FD5}" type="datetimeFigureOut">
               <a:rPr lang="fr-FR" smtClean="0"/>
-              <a:t>22/05/2019</a:t>
+              <a:t>23/05/2019</a:t>
             </a:fld>
             <a:endParaRPr lang="fr-FR" dirty="0"/>
           </a:p>
@@ -19102,7 +19184,7 @@
           <a:p>
             <a:fld id="{279CA367-D099-4423-A3C9-7254ACED0FD5}" type="datetimeFigureOut">
               <a:rPr lang="fr-FR" smtClean="0"/>
-              <a:t>22/05/2019</a:t>
+              <a:t>23/05/2019</a:t>
             </a:fld>
             <a:endParaRPr lang="fr-FR" dirty="0"/>
           </a:p>
@@ -19243,7 +19325,7 @@
           <a:p>
             <a:fld id="{279CA367-D099-4423-A3C9-7254ACED0FD5}" type="datetimeFigureOut">
               <a:rPr lang="fr-FR" smtClean="0"/>
-              <a:t>22/05/2019</a:t>
+              <a:t>23/05/2019</a:t>
             </a:fld>
             <a:endParaRPr lang="fr-FR" dirty="0"/>
           </a:p>
@@ -19356,7 +19438,7 @@
           <a:p>
             <a:fld id="{279CA367-D099-4423-A3C9-7254ACED0FD5}" type="datetimeFigureOut">
               <a:rPr lang="fr-FR" smtClean="0"/>
-              <a:t>22/05/2019</a:t>
+              <a:t>23/05/2019</a:t>
             </a:fld>
             <a:endParaRPr lang="fr-FR" dirty="0"/>
           </a:p>
@@ -19667,7 +19749,7 @@
           <a:p>
             <a:fld id="{279CA367-D099-4423-A3C9-7254ACED0FD5}" type="datetimeFigureOut">
               <a:rPr lang="fr-FR" smtClean="0"/>
-              <a:t>22/05/2019</a:t>
+              <a:t>23/05/2019</a:t>
             </a:fld>
             <a:endParaRPr lang="fr-FR" dirty="0"/>
           </a:p>
@@ -19955,7 +20037,7 @@
           <a:p>
             <a:fld id="{279CA367-D099-4423-A3C9-7254ACED0FD5}" type="datetimeFigureOut">
               <a:rPr lang="fr-FR" smtClean="0"/>
-              <a:t>22/05/2019</a:t>
+              <a:t>23/05/2019</a:t>
             </a:fld>
             <a:endParaRPr lang="fr-FR" dirty="0"/>
           </a:p>
@@ -20196,7 +20278,7 @@
           <a:p>
             <a:fld id="{279CA367-D099-4423-A3C9-7254ACED0FD5}" type="datetimeFigureOut">
               <a:rPr lang="fr-FR" smtClean="0"/>
-              <a:t>22/05/2019</a:t>
+              <a:t>23/05/2019</a:t>
             </a:fld>
             <a:endParaRPr lang="fr-FR" dirty="0"/>
           </a:p>
@@ -20629,12 +20711,101 @@
             <p:ph type="ctrTitle"/>
           </p:nvPr>
         </p:nvSpPr>
-        <p:spPr/>
+        <p:spPr>
+          <a:xfrm>
+            <a:off x="-2384426" y="2933700"/>
+            <a:ext cx="17212235" cy="3505200"/>
+          </a:xfrm>
+        </p:spPr>
         <p:txBody>
-          <a:bodyPr/>
+          <a:bodyPr>
+            <a:noAutofit/>
+          </a:bodyPr>
           <a:lstStyle/>
           <a:p>
-            <a:endParaRPr lang="fr-FR" dirty="0"/>
+            <a:r>
+              <a:rPr lang="fr-FR" sz="3500" b="1" dirty="0" smtClean="0"/>
+              <a:t>Réalisé par :</a:t>
+            </a:r>
+            <a:r>
+              <a:rPr lang="fr-FR" sz="3500" dirty="0" smtClean="0"/>
+              <a:t/>
+            </a:r>
+            <a:br>
+              <a:rPr lang="fr-FR" sz="3500" dirty="0" smtClean="0"/>
+            </a:br>
+            <a:r>
+              <a:rPr lang="fr-FR" sz="3500" dirty="0" err="1" smtClean="0"/>
+              <a:t>Najjar</a:t>
+            </a:r>
+            <a:r>
+              <a:rPr lang="fr-FR" sz="3500" dirty="0" smtClean="0"/>
+              <a:t> Anas</a:t>
+            </a:r>
+            <a:br>
+              <a:rPr lang="fr-FR" sz="3500" dirty="0" smtClean="0"/>
+            </a:br>
+            <a:r>
+              <a:rPr lang="fr-FR" sz="3500" dirty="0" err="1" smtClean="0"/>
+              <a:t>Aroua</a:t>
+            </a:r>
+            <a:r>
+              <a:rPr lang="fr-FR" sz="3500" dirty="0" smtClean="0"/>
+              <a:t> Habib</a:t>
+            </a:r>
+            <a:br>
+              <a:rPr lang="fr-FR" sz="3500" dirty="0" smtClean="0"/>
+            </a:br>
+            <a:r>
+              <a:rPr lang="fr-FR" sz="3500" dirty="0" err="1" smtClean="0"/>
+              <a:t>Trabelsi</a:t>
+            </a:r>
+            <a:r>
+              <a:rPr lang="fr-FR" sz="3500" dirty="0" smtClean="0"/>
+              <a:t> </a:t>
+            </a:r>
+            <a:r>
+              <a:rPr lang="fr-FR" sz="3500" dirty="0" err="1" smtClean="0"/>
+              <a:t>Imen</a:t>
+            </a:r>
+            <a:r>
+              <a:rPr lang="fr-FR" sz="3500" dirty="0" smtClean="0"/>
+              <a:t/>
+            </a:r>
+            <a:br>
+              <a:rPr lang="fr-FR" sz="3500" dirty="0" smtClean="0"/>
+            </a:br>
+            <a:r>
+              <a:rPr lang="fr-FR" sz="3500" dirty="0" smtClean="0"/>
+              <a:t/>
+            </a:r>
+            <a:br>
+              <a:rPr lang="fr-FR" sz="3500" dirty="0" smtClean="0"/>
+            </a:br>
+            <a:r>
+              <a:rPr lang="fr-FR" sz="3500" b="1" dirty="0" smtClean="0"/>
+              <a:t>Encadré par :</a:t>
+            </a:r>
+            <a:r>
+              <a:rPr lang="fr-FR" sz="3500" dirty="0" smtClean="0"/>
+              <a:t/>
+            </a:r>
+            <a:br>
+              <a:rPr lang="fr-FR" sz="3500" dirty="0" smtClean="0"/>
+            </a:br>
+            <a:r>
+              <a:rPr lang="fr-FR" sz="3500" dirty="0" smtClean="0"/>
+              <a:t>Dr </a:t>
+            </a:r>
+            <a:r>
+              <a:rPr lang="fr-FR" sz="3500" dirty="0" err="1" smtClean="0"/>
+              <a:t>Somaa</a:t>
+            </a:r>
+            <a:r>
+              <a:rPr lang="fr-FR" sz="3500" dirty="0" smtClean="0"/>
+              <a:t> Fatma</a:t>
+            </a:r>
+            <a:endParaRPr lang="fr-FR" sz="3500" dirty="0"/>
           </a:p>
         </p:txBody>
       </p:sp>
@@ -20654,15 +20825,88 @@
             <p:ph type="subTitle" idx="1"/>
           </p:nvPr>
         </p:nvSpPr>
-        <p:spPr/>
+        <p:spPr>
+          <a:xfrm>
+            <a:off x="3105150" y="505619"/>
+            <a:ext cx="9144000" cy="1655762"/>
+          </a:xfrm>
+        </p:spPr>
         <p:txBody>
           <a:bodyPr/>
           <a:lstStyle/>
+          <a:p>
+            <a:r>
+              <a:rPr lang="fr-FR" b="1" dirty="0" smtClean="0">
+                <a:hlinkClick r:id="rId2"/>
+              </a:rPr>
+              <a:t>Conception, la-mise en place et </a:t>
+            </a:r>
+            <a:r>
+              <a:rPr lang="fr-FR" b="1" dirty="0" err="1" smtClean="0">
+                <a:hlinkClick r:id="rId2"/>
+              </a:rPr>
+              <a:t>test-d’une</a:t>
+            </a:r>
+            <a:r>
+              <a:rPr lang="fr-FR" b="1" dirty="0" smtClean="0">
+                <a:hlinkClick r:id="rId2"/>
+              </a:rPr>
+              <a:t> application d’Internet of Mobile </a:t>
+            </a:r>
+            <a:r>
+              <a:rPr lang="fr-FR" b="1" dirty="0" err="1" smtClean="0">
+                <a:hlinkClick r:id="rId2"/>
+              </a:rPr>
+              <a:t>Things</a:t>
+            </a:r>
+            <a:endParaRPr lang="fr-FR" dirty="0"/>
+          </a:p>
           <a:p>
             <a:endParaRPr lang="fr-FR" dirty="0"/>
           </a:p>
         </p:txBody>
       </p:sp>
+      <p:pic>
+        <p:nvPicPr>
+          <p:cNvPr id="1026" name="Picture 2" descr="Image associÃ©e"/>
+          <p:cNvPicPr>
+            <a:picLocks noChangeAspect="1" noChangeArrowheads="1"/>
+          </p:cNvPicPr>
+          <p:nvPr/>
+        </p:nvPicPr>
+        <p:blipFill>
+          <a:blip r:embed="rId3">
+            <a:extLst>
+              <a:ext uri="{28A0092B-C50C-407E-A947-70E740481C1C}">
+                <a14:useLocalDpi xmlns:a14="http://schemas.microsoft.com/office/drawing/2010/main" val="0"/>
+              </a:ext>
+            </a:extLst>
+          </a:blip>
+          <a:srcRect/>
+          <a:stretch>
+            <a:fillRect/>
+          </a:stretch>
+        </p:blipFill>
+        <p:spPr bwMode="auto">
+          <a:xfrm>
+            <a:off x="0" y="0"/>
+            <a:ext cx="3105150" cy="2161381"/>
+          </a:xfrm>
+          <a:prstGeom prst="rect">
+            <a:avLst/>
+          </a:prstGeom>
+          <a:noFill/>
+          <a:extLst>
+            <a:ext uri="{909E8E84-426E-40DD-AFC4-6F175D3DCCD1}">
+              <a14:hiddenFill xmlns:a14="http://schemas.microsoft.com/office/drawing/2010/main">
+                <a:solidFill>
+                  <a:srgbClr val="FFFFFF"/>
+                </a:solidFill>
+              </a14:hiddenFill>
+            </a:ext>
+          </a:extLst>
+        </p:spPr>
+      </p:pic>
     </p:spTree>
     <p:extLst>
       <p:ext uri="{BB962C8B-B14F-4D97-AF65-F5344CB8AC3E}">
@@ -20673,6 +20917,13 @@
   <p:clrMapOvr>
     <a:masterClrMapping/>
   </p:clrMapOvr>
+  <p:timing>
+    <p:tnLst>
+      <p:par>
+        <p:cTn id="1" dur="indefinite" restart="never" nodeType="tmRoot"/>
+      </p:par>
+    </p:tnLst>
+  </p:timing>
 </p:sld>
 </file>
 
@@ -20758,8 +21009,8 @@
         </p:nvSpPr>
         <p:spPr>
           <a:xfrm>
-            <a:off x="838200" y="1180730"/>
-            <a:ext cx="10515600" cy="4996233"/>
+            <a:off x="323850" y="1180730"/>
+            <a:ext cx="11868150" cy="4996233"/>
           </a:xfrm>
         </p:spPr>
         <p:txBody>
@@ -20771,6 +21022,59 @@
             <a:r>
               <a:rPr lang="fr-FR" sz="2000" dirty="0"/>
               <a:t>L’environnement de développement est un terme qui désigne l’ensemble d’outils et de langage utilisé pour l’implémentation d’une solution informatique</a:t>
+            </a:r>
+          </a:p>
+          <a:p>
+            <a:pPr marL="0" indent="0">
+              <a:buNone/>
+            </a:pPr>
+            <a:endParaRPr lang="fr-FR" sz="2000" dirty="0" smtClean="0"/>
+          </a:p>
+          <a:p>
+            <a:pPr marL="0" indent="0">
+              <a:buNone/>
+            </a:pPr>
+            <a:endParaRPr lang="fr-FR" sz="2000" dirty="0"/>
+          </a:p>
+          <a:p>
+            <a:pPr marL="0" indent="0">
+              <a:buNone/>
+            </a:pPr>
+            <a:endParaRPr lang="fr-FR" sz="2000" dirty="0" smtClean="0"/>
+          </a:p>
+          <a:p>
+            <a:pPr marL="0" indent="0">
+              <a:buNone/>
+            </a:pPr>
+            <a:endParaRPr lang="fr-FR" sz="2000" dirty="0"/>
+          </a:p>
+          <a:p>
+            <a:pPr marL="0" indent="0">
+              <a:buNone/>
+            </a:pPr>
+            <a:endParaRPr lang="fr-FR" sz="2000" dirty="0" smtClean="0"/>
+          </a:p>
+          <a:p>
+            <a:pPr marL="0" indent="0">
+              <a:buNone/>
+            </a:pPr>
+            <a:endParaRPr lang="fr-FR" sz="2000" dirty="0"/>
+          </a:p>
+          <a:p>
+            <a:pPr marL="0" indent="0">
+              <a:buNone/>
+            </a:pPr>
+            <a:r>
+              <a:rPr lang="fr-FR" sz="2000" dirty="0" smtClean="0"/>
+              <a:t>Langage de programmation et </a:t>
+            </a:r>
+            <a:r>
+              <a:rPr lang="fr-FR" sz="2000" dirty="0" err="1" smtClean="0"/>
+              <a:t>framework</a:t>
+            </a:r>
+            <a:r>
+              <a:rPr lang="fr-FR" sz="2000" dirty="0" smtClean="0"/>
+              <a:t> :</a:t>
             </a:r>
           </a:p>
           <a:p>
@@ -20803,43 +21107,8 @@
         </p:blipFill>
         <p:spPr>
           <a:xfrm>
-            <a:off x="663421" y="2750296"/>
+            <a:off x="1511143" y="2093045"/>
             <a:ext cx="2443763" cy="1661789"/>
-          </a:xfrm>
-          <a:prstGeom prst="rect">
-            <a:avLst/>
-          </a:prstGeom>
-          <a:ln>
-            <a:solidFill>
-              <a:schemeClr val="tx1"/>
-            </a:solidFill>
-          </a:ln>
-        </p:spPr>
-      </p:pic>
-      <p:pic>
-        <p:nvPicPr>
-          <p:cNvPr id="5" name="Image 4">
-            <a:extLst>
-              <a:ext uri="{FF2B5EF4-FFF2-40B4-BE49-F238E27FC236}">
-                <a16:creationId xmlns:a16="http://schemas.microsoft.com/office/drawing/2014/main" id="{2F4A6938-5640-4319-9AAC-D5A786DEF0BD}"/>
-              </a:ext>
-            </a:extLst>
-          </p:cNvPr>
-          <p:cNvPicPr>
-            <a:picLocks noChangeAspect="1"/>
-          </p:cNvPicPr>
-          <p:nvPr/>
-        </p:nvPicPr>
-        <p:blipFill>
-          <a:blip r:embed="rId3"/>
-          <a:stretch>
-            <a:fillRect/>
-          </a:stretch>
-        </p:blipFill>
-        <p:spPr>
-          <a:xfrm>
-            <a:off x="8271352" y="2594452"/>
-            <a:ext cx="2733675" cy="1438275"/>
           </a:xfrm>
           <a:prstGeom prst="rect">
             <a:avLst/>
@@ -20866,15 +21135,172 @@
           <p:nvPr/>
         </p:nvPicPr>
         <p:blipFill>
-          <a:blip r:embed="rId4"/>
+          <a:blip r:embed="rId3"/>
           <a:stretch>
             <a:fillRect/>
           </a:stretch>
         </p:blipFill>
         <p:spPr>
           <a:xfrm>
-            <a:off x="4403785" y="4155074"/>
-            <a:ext cx="2390775" cy="1438275"/>
+            <a:off x="4849241" y="2093046"/>
+            <a:ext cx="2390775" cy="1661789"/>
+          </a:xfrm>
+          <a:prstGeom prst="rect">
+            <a:avLst/>
+          </a:prstGeom>
+          <a:ln>
+            <a:solidFill>
+              <a:schemeClr val="tx1"/>
+            </a:solidFill>
+          </a:ln>
+        </p:spPr>
+      </p:pic>
+      <p:pic>
+        <p:nvPicPr>
+          <p:cNvPr id="2050" name="Picture 2" descr="RÃ©sultat de recherche d'images pour &quot;powerdesigner&quot;"/>
+          <p:cNvPicPr>
+            <a:picLocks noChangeAspect="1" noChangeArrowheads="1"/>
+          </p:cNvPicPr>
+          <p:nvPr/>
+        </p:nvPicPr>
+        <p:blipFill>
+          <a:blip r:embed="rId4">
+            <a:extLst>
+              <a:ext uri="{28A0092B-C50C-407E-A947-70E740481C1C}">
+                <a14:useLocalDpi xmlns:a14="http://schemas.microsoft.com/office/drawing/2010/main" val="0"/>
+              </a:ext>
+            </a:extLst>
+          </a:blip>
+          <a:srcRect/>
+          <a:stretch>
+            <a:fillRect/>
+          </a:stretch>
+        </p:blipFill>
+        <p:spPr bwMode="auto">
+          <a:xfrm>
+            <a:off x="8134351" y="2093047"/>
+            <a:ext cx="2460624" cy="1661789"/>
+          </a:xfrm>
+          <a:prstGeom prst="rect">
+            <a:avLst/>
+          </a:prstGeom>
+          <a:noFill/>
+          <a:ln>
+            <a:solidFill>
+              <a:schemeClr val="tx1"/>
+            </a:solidFill>
+          </a:ln>
+          <a:extLst>
+            <a:ext uri="{909E8E84-426E-40DD-AFC4-6F175D3DCCD1}">
+              <a14:hiddenFill xmlns:a14="http://schemas.microsoft.com/office/drawing/2010/main">
+                <a:solidFill>
+                  <a:srgbClr val="FFFFFF"/>
+                </a:solidFill>
+              </a14:hiddenFill>
+            </a:ext>
+          </a:extLst>
+        </p:spPr>
+      </p:pic>
+      <p:pic>
+        <p:nvPicPr>
+          <p:cNvPr id="7" name="Image 6"/>
+          <p:cNvPicPr>
+            <a:picLocks noChangeAspect="1"/>
+          </p:cNvPicPr>
+          <p:nvPr/>
+        </p:nvPicPr>
+        <p:blipFill>
+          <a:blip r:embed="rId5"/>
+          <a:stretch>
+            <a:fillRect/>
+          </a:stretch>
+        </p:blipFill>
+        <p:spPr>
+          <a:xfrm>
+            <a:off x="648717" y="4786313"/>
+            <a:ext cx="2475483" cy="1214437"/>
+          </a:xfrm>
+          <a:prstGeom prst="rect">
+            <a:avLst/>
+          </a:prstGeom>
+        </p:spPr>
+      </p:pic>
+      <p:pic>
+        <p:nvPicPr>
+          <p:cNvPr id="8" name="Image 7"/>
+          <p:cNvPicPr>
+            <a:picLocks noChangeAspect="1"/>
+          </p:cNvPicPr>
+          <p:nvPr/>
+        </p:nvPicPr>
+        <p:blipFill>
+          <a:blip r:embed="rId6"/>
+          <a:stretch>
+            <a:fillRect/>
+          </a:stretch>
+        </p:blipFill>
+        <p:spPr>
+          <a:xfrm>
+            <a:off x="3500946" y="4786313"/>
+            <a:ext cx="2696589" cy="1214437"/>
+          </a:xfrm>
+          <a:prstGeom prst="rect">
+            <a:avLst/>
+          </a:prstGeom>
+          <a:ln>
+            <a:solidFill>
+              <a:schemeClr val="tx1"/>
+            </a:solidFill>
+          </a:ln>
+        </p:spPr>
+      </p:pic>
+      <p:pic>
+        <p:nvPicPr>
+          <p:cNvPr id="9" name="Image 8"/>
+          <p:cNvPicPr>
+            <a:picLocks noChangeAspect="1"/>
+          </p:cNvPicPr>
+          <p:nvPr/>
+        </p:nvPicPr>
+        <p:blipFill>
+          <a:blip r:embed="rId7"/>
+          <a:stretch>
+            <a:fillRect/>
+          </a:stretch>
+        </p:blipFill>
+        <p:spPr>
+          <a:xfrm>
+            <a:off x="6574281" y="4786313"/>
+            <a:ext cx="2505075" cy="1214437"/>
+          </a:xfrm>
+          <a:prstGeom prst="rect">
+            <a:avLst/>
+          </a:prstGeom>
+          <a:ln>
+            <a:solidFill>
+              <a:schemeClr val="tx1"/>
+            </a:solidFill>
+          </a:ln>
+        </p:spPr>
+      </p:pic>
+      <p:pic>
+        <p:nvPicPr>
+          <p:cNvPr id="10" name="Image 9"/>
+          <p:cNvPicPr>
+            <a:picLocks noChangeAspect="1"/>
+          </p:cNvPicPr>
+          <p:nvPr/>
+        </p:nvPicPr>
+        <p:blipFill>
+          <a:blip r:embed="rId8"/>
+          <a:stretch>
+            <a:fillRect/>
+          </a:stretch>
+        </p:blipFill>
+        <p:spPr>
+          <a:xfrm>
+            <a:off x="9351899" y="4786313"/>
+            <a:ext cx="2592452" cy="1214437"/>
           </a:xfrm>
           <a:prstGeom prst="rect">
             <a:avLst/>
@@ -20896,6 +21322,13 @@
   <p:clrMapOvr>
     <a:masterClrMapping/>
   </p:clrMapOvr>
+  <p:timing>
+    <p:tnLst>
+      <p:par>
+        <p:cTn id="1" dur="indefinite" restart="never" nodeType="tmRoot"/>
+      </p:par>
+    </p:tnLst>
+  </p:timing>
 </p:sld>
 </file>
 
@@ -21066,6 +21499,88 @@
             <a:pPr marL="0" indent="0">
               <a:buNone/>
             </a:pPr>
+            <a:endParaRPr lang="fr-FR" sz="1800" dirty="0" smtClean="0">
+              <a:solidFill>
+                <a:schemeClr val="accent3">
+                  <a:lumMod val="50000"/>
+                </a:schemeClr>
+              </a:solidFill>
+            </a:endParaRPr>
+          </a:p>
+          <a:p>
+            <a:pPr marL="0" indent="0">
+              <a:buNone/>
+            </a:pPr>
+            <a:endParaRPr lang="fr-FR" sz="1800" dirty="0">
+              <a:solidFill>
+                <a:schemeClr val="accent3">
+                  <a:lumMod val="50000"/>
+                </a:schemeClr>
+              </a:solidFill>
+            </a:endParaRPr>
+          </a:p>
+          <a:p>
+            <a:pPr marL="0" indent="0">
+              <a:buNone/>
+            </a:pPr>
+            <a:endParaRPr lang="fr-FR" sz="1800" dirty="0" smtClean="0">
+              <a:solidFill>
+                <a:schemeClr val="accent3">
+                  <a:lumMod val="50000"/>
+                </a:schemeClr>
+              </a:solidFill>
+            </a:endParaRPr>
+          </a:p>
+          <a:p>
+            <a:pPr marL="0" indent="0">
+              <a:buNone/>
+            </a:pPr>
+            <a:endParaRPr lang="fr-FR" sz="1800" dirty="0">
+              <a:solidFill>
+                <a:schemeClr val="accent3">
+                  <a:lumMod val="50000"/>
+                </a:schemeClr>
+              </a:solidFill>
+            </a:endParaRPr>
+          </a:p>
+          <a:p>
+            <a:pPr marL="0" indent="0">
+              <a:buNone/>
+            </a:pPr>
+            <a:endParaRPr lang="fr-FR" sz="1800" dirty="0" smtClean="0">
+              <a:solidFill>
+                <a:schemeClr val="accent3">
+                  <a:lumMod val="50000"/>
+                </a:schemeClr>
+              </a:solidFill>
+            </a:endParaRPr>
+          </a:p>
+          <a:p>
+            <a:pPr marL="0" indent="0">
+              <a:buNone/>
+            </a:pPr>
+            <a:endParaRPr lang="fr-FR" sz="1800" dirty="0">
+              <a:solidFill>
+                <a:schemeClr val="accent3">
+                  <a:lumMod val="50000"/>
+                </a:schemeClr>
+              </a:solidFill>
+            </a:endParaRPr>
+          </a:p>
+          <a:p>
+            <a:pPr marL="0" indent="0">
+              <a:buNone/>
+            </a:pPr>
+            <a:r>
+              <a:rPr lang="fr-FR" sz="1800" dirty="0" smtClean="0">
+                <a:solidFill>
+                  <a:schemeClr val="accent3">
+                    <a:lumMod val="50000"/>
+                  </a:schemeClr>
+                </a:solidFill>
+              </a:rPr>
+              <a:t>                Utilisateur                                                                                                      Admin</a:t>
+            </a:r>
             <a:endParaRPr lang="fr-FR" sz="1800" dirty="0">
               <a:solidFill>
                 <a:schemeClr val="accent3">
@@ -21099,7 +21614,7 @@
         <p:spPr>
           <a:xfrm>
             <a:off x="7610581" y="3429000"/>
-            <a:ext cx="1806300" cy="1697300"/>
+            <a:ext cx="1806300" cy="1981200"/>
           </a:xfrm>
           <a:prstGeom prst="rect">
             <a:avLst/>
@@ -21134,7 +21649,7 @@
         <p:spPr>
           <a:xfrm>
             <a:off x="1403272" y="3429000"/>
-            <a:ext cx="1987997" cy="1697300"/>
+            <a:ext cx="1987997" cy="1981200"/>
           </a:xfrm>
           <a:prstGeom prst="rect">
             <a:avLst/>
@@ -21156,6 +21671,13 @@
   <p:clrMapOvr>
     <a:masterClrMapping/>
   </p:clrMapOvr>
+  <p:timing>
+    <p:tnLst>
+      <p:par>
+        <p:cTn id="1" dur="indefinite" restart="never" nodeType="tmRoot"/>
+      </p:par>
+    </p:tnLst>
+  </p:timing>
 </p:sld>
 </file>
 
@@ -21251,6 +21773,13 @@
   <p:clrMapOvr>
     <a:masterClrMapping/>
   </p:clrMapOvr>
+  <p:timing>
+    <p:tnLst>
+      <p:par>
+        <p:cTn id="1" dur="indefinite" restart="never" nodeType="tmRoot"/>
+      </p:par>
+    </p:tnLst>
+  </p:timing>
 </p:sld>
 </file>
 
@@ -21351,6 +21880,13 @@
   <p:clrMapOvr>
     <a:masterClrMapping/>
   </p:clrMapOvr>
+  <p:timing>
+    <p:tnLst>
+      <p:par>
+        <p:cTn id="1" dur="indefinite" restart="never" nodeType="tmRoot"/>
+      </p:par>
+    </p:tnLst>
+  </p:timing>
 </p:sld>
 </file>
 
@@ -21497,6 +22033,13 @@
   <p:clrMapOvr>
     <a:masterClrMapping/>
   </p:clrMapOvr>
+  <p:timing>
+    <p:tnLst>
+      <p:par>
+        <p:cTn id="1" dur="indefinite" restart="never" nodeType="tmRoot"/>
+      </p:par>
+    </p:tnLst>
+  </p:timing>
 </p:sld>
 </file>
 
@@ -23218,6 +23761,13 @@
   <p:clrMapOvr>
     <a:masterClrMapping/>
   </p:clrMapOvr>
+  <p:timing>
+    <p:tnLst>
+      <p:par>
+        <p:cTn id="1" dur="indefinite" restart="never" nodeType="tmRoot"/>
+      </p:par>
+    </p:tnLst>
+  </p:timing>
 </p:sld>
 </file>
 
@@ -24185,6 +24735,13 @@
   <p:clrMapOvr>
     <a:masterClrMapping/>
   </p:clrMapOvr>
+  <p:timing>
+    <p:tnLst>
+      <p:par>
+        <p:cTn id="1" dur="indefinite" restart="never" nodeType="tmRoot"/>
+      </p:par>
+    </p:tnLst>
+  </p:timing>
 </p:sld>
 </file>
 
@@ -24299,6 +24856,13 @@
   <p:clrMapOvr>
     <a:masterClrMapping/>
   </p:clrMapOvr>
+  <p:timing>
+    <p:tnLst>
+      <p:par>
+        <p:cTn id="1" dur="indefinite" restart="never" nodeType="tmRoot"/>
+      </p:par>
+    </p:tnLst>
+  </p:timing>
 </p:sld>
 </file>
 
@@ -24324,7 +24888,7 @@
           <p:cNvPr id="2" name="Titre 1">
             <a:extLst>
               <a:ext uri="{FF2B5EF4-FFF2-40B4-BE49-F238E27FC236}">
-                <a16:creationId xmlns:a16="http://schemas.microsoft.com/office/drawing/2014/main" id="{47242BC4-5F6D-469D-BF14-8F08A8525609}"/>
+                <a16:creationId xmlns:a16="http://schemas.microsoft.com/office/drawing/2014/main" id="{413BF470-5552-4DB3-9BA6-BEFC7E7E0A50}"/>
               </a:ext>
             </a:extLst>
           </p:cNvPr>
@@ -24338,7 +24902,7 @@
         <p:spPr>
           <a:xfrm>
             <a:off x="838200" y="365125"/>
-            <a:ext cx="10515600" cy="771217"/>
+            <a:ext cx="10515600" cy="859993"/>
           </a:xfrm>
         </p:spPr>
         <p:txBody>
@@ -24348,22 +24912,22 @@
           <a:lstStyle/>
           <a:p>
             <a:r>
-              <a:rPr lang="fr-FR" sz="1800" b="1" dirty="0">
+              <a:rPr lang="fr-FR" sz="2000" b="1" dirty="0">
                 <a:solidFill>
                   <a:srgbClr val="7030A0"/>
                 </a:solidFill>
               </a:rPr>
-              <a:t>Le diagramme de déploiement</a:t>
+              <a:t>L’Architecture du système</a:t>
             </a:r>
           </a:p>
         </p:txBody>
       </p:sp>
       <p:pic>
         <p:nvPicPr>
-          <p:cNvPr id="6" name="Espace réservé du contenu 5">
+          <p:cNvPr id="4" name="Espace réservé du contenu 3">
             <a:extLst>
               <a:ext uri="{FF2B5EF4-FFF2-40B4-BE49-F238E27FC236}">
-                <a16:creationId xmlns:a16="http://schemas.microsoft.com/office/drawing/2014/main" id="{A1082C79-B525-4111-BE02-58A200C69181}"/>
+                <a16:creationId xmlns:a16="http://schemas.microsoft.com/office/drawing/2014/main" id="{7C1072CE-EB34-4A38-8B10-ED6C8B78BABD}"/>
               </a:ext>
             </a:extLst>
           </p:cNvPr>
@@ -24382,8 +24946,8 @@
         </p:blipFill>
         <p:spPr>
           <a:xfrm>
-            <a:off x="1669003" y="1722268"/>
-            <a:ext cx="7249690" cy="3797061"/>
+            <a:off x="2130641" y="1748631"/>
+            <a:ext cx="6784759" cy="3905250"/>
           </a:xfrm>
           <a:prstGeom prst="rect">
             <a:avLst/>
@@ -24393,13 +24957,20 @@
     </p:spTree>
     <p:extLst>
       <p:ext uri="{BB962C8B-B14F-4D97-AF65-F5344CB8AC3E}">
-        <p14:creationId xmlns:p14="http://schemas.microsoft.com/office/powerpoint/2010/main" val="2582912344"/>
+        <p14:creationId xmlns:p14="http://schemas.microsoft.com/office/powerpoint/2010/main" val="1948910404"/>
       </p:ext>
     </p:extLst>
   </p:cSld>
   <p:clrMapOvr>
     <a:masterClrMapping/>
   </p:clrMapOvr>
+  <p:timing>
+    <p:tnLst>
+      <p:par>
+        <p:cTn id="1" dur="indefinite" restart="never" nodeType="tmRoot"/>
+      </p:par>
+    </p:tnLst>
+  </p:timing>
 </p:sld>
 </file>
 
@@ -24599,6 +25170,13 @@
   <p:clrMapOvr>
     <a:masterClrMapping/>
   </p:clrMapOvr>
+  <p:timing>
+    <p:tnLst>
+      <p:par>
+        <p:cTn id="1" dur="indefinite" restart="never" nodeType="tmRoot"/>
+      </p:par>
+    </p:tnLst>
+  </p:timing>
 </p:sld>
 </file>
 
@@ -24701,6 +25279,13 @@
   <p:clrMapOvr>
     <a:masterClrMapping/>
   </p:clrMapOvr>
+  <p:timing>
+    <p:tnLst>
+      <p:par>
+        <p:cTn id="1" dur="indefinite" restart="never" nodeType="tmRoot"/>
+      </p:par>
+    </p:tnLst>
+  </p:timing>
 </p:sld>
 </file>
 
@@ -24798,252 +25383,17 @@
   <p:clrMapOvr>
     <a:masterClrMapping/>
   </p:clrMapOvr>
+  <p:timing>
+    <p:tnLst>
+      <p:par>
+        <p:cTn id="1" dur="indefinite" restart="never" nodeType="tmRoot"/>
+      </p:par>
+    </p:tnLst>
+  </p:timing>
 </p:sld>
 </file>
 
 <file path=ppt/slides/slide21.xml><?xml version="1.0" encoding="utf-8"?>
-<p:sld xmlns:a="http://schemas.openxmlformats.org/drawingml/2006/main" xmlns:r="http://schemas.openxmlformats.org/officeDocument/2006/relationships" xmlns:p="http://schemas.openxmlformats.org/presentationml/2006/main">
-  <p:cSld>
-    <p:spTree>
-      <p:nvGrpSpPr>
-        <p:cNvPr id="1" name=""/>
-        <p:cNvGrpSpPr/>
-        <p:nvPr/>
-      </p:nvGrpSpPr>
-      <p:grpSpPr>
-        <a:xfrm>
-          <a:off x="0" y="0"/>
-          <a:ext cx="0" cy="0"/>
-          <a:chOff x="0" y="0"/>
-          <a:chExt cx="0" cy="0"/>
-        </a:xfrm>
-      </p:grpSpPr>
-      <p:sp>
-        <p:nvSpPr>
-          <p:cNvPr id="2" name="Titre 1">
-            <a:extLst>
-              <a:ext uri="{FF2B5EF4-FFF2-40B4-BE49-F238E27FC236}">
-                <a16:creationId xmlns:a16="http://schemas.microsoft.com/office/drawing/2014/main" id="{413BF470-5552-4DB3-9BA6-BEFC7E7E0A50}"/>
-              </a:ext>
-            </a:extLst>
-          </p:cNvPr>
-          <p:cNvSpPr>
-            <a:spLocks noGrp="1"/>
-          </p:cNvSpPr>
-          <p:nvPr>
-            <p:ph type="title"/>
-          </p:nvPr>
-        </p:nvSpPr>
-        <p:spPr>
-          <a:xfrm>
-            <a:off x="838200" y="365125"/>
-            <a:ext cx="10515600" cy="859993"/>
-          </a:xfrm>
-        </p:spPr>
-        <p:txBody>
-          <a:bodyPr>
-            <a:normAutofit/>
-          </a:bodyPr>
-          <a:lstStyle/>
-          <a:p>
-            <a:r>
-              <a:rPr lang="fr-FR" sz="2000" b="1" dirty="0">
-                <a:solidFill>
-                  <a:srgbClr val="7030A0"/>
-                </a:solidFill>
-              </a:rPr>
-              <a:t>L’Architecture du système</a:t>
-            </a:r>
-          </a:p>
-        </p:txBody>
-      </p:sp>
-      <p:pic>
-        <p:nvPicPr>
-          <p:cNvPr id="4" name="Espace réservé du contenu 3">
-            <a:extLst>
-              <a:ext uri="{FF2B5EF4-FFF2-40B4-BE49-F238E27FC236}">
-                <a16:creationId xmlns:a16="http://schemas.microsoft.com/office/drawing/2014/main" id="{7C1072CE-EB34-4A38-8B10-ED6C8B78BABD}"/>
-              </a:ext>
-            </a:extLst>
-          </p:cNvPr>
-          <p:cNvPicPr>
-            <a:picLocks noGrp="1" noChangeAspect="1"/>
-          </p:cNvPicPr>
-          <p:nvPr>
-            <p:ph idx="1"/>
-          </p:nvPr>
-        </p:nvPicPr>
-        <p:blipFill>
-          <a:blip r:embed="rId2"/>
-          <a:stretch>
-            <a:fillRect/>
-          </a:stretch>
-        </p:blipFill>
-        <p:spPr>
-          <a:xfrm>
-            <a:off x="2130641" y="1748631"/>
-            <a:ext cx="6784759" cy="3905250"/>
-          </a:xfrm>
-          <a:prstGeom prst="rect">
-            <a:avLst/>
-          </a:prstGeom>
-        </p:spPr>
-      </p:pic>
-    </p:spTree>
-    <p:extLst>
-      <p:ext uri="{BB962C8B-B14F-4D97-AF65-F5344CB8AC3E}">
-        <p14:creationId xmlns:p14="http://schemas.microsoft.com/office/powerpoint/2010/main" val="1948910404"/>
-      </p:ext>
-    </p:extLst>
-  </p:cSld>
-  <p:clrMapOvr>
-    <a:masterClrMapping/>
-  </p:clrMapOvr>
-</p:sld>
-</file>
-
-<file path=ppt/slides/slide22.xml><?xml version="1.0" encoding="utf-8"?>
-<p:sld xmlns:a="http://schemas.openxmlformats.org/drawingml/2006/main" xmlns:r="http://schemas.openxmlformats.org/officeDocument/2006/relationships" xmlns:p="http://schemas.openxmlformats.org/presentationml/2006/main">
-  <p:cSld>
-    <p:spTree>
-      <p:nvGrpSpPr>
-        <p:cNvPr id="1" name=""/>
-        <p:cNvGrpSpPr/>
-        <p:nvPr/>
-      </p:nvGrpSpPr>
-      <p:grpSpPr>
-        <a:xfrm>
-          <a:off x="0" y="0"/>
-          <a:ext cx="0" cy="0"/>
-          <a:chOff x="0" y="0"/>
-          <a:chExt cx="0" cy="0"/>
-        </a:xfrm>
-      </p:grpSpPr>
-      <p:sp>
-        <p:nvSpPr>
-          <p:cNvPr id="2" name="Titre 1">
-            <a:extLst>
-              <a:ext uri="{FF2B5EF4-FFF2-40B4-BE49-F238E27FC236}">
-                <a16:creationId xmlns:a16="http://schemas.microsoft.com/office/drawing/2014/main" id="{B2A0321C-0733-4660-8B56-7AC4CB9589A4}"/>
-              </a:ext>
-            </a:extLst>
-          </p:cNvPr>
-          <p:cNvSpPr>
-            <a:spLocks noGrp="1"/>
-          </p:cNvSpPr>
-          <p:nvPr>
-            <p:ph type="title"/>
-          </p:nvPr>
-        </p:nvSpPr>
-        <p:spPr>
-          <a:xfrm>
-            <a:off x="838200" y="365125"/>
-            <a:ext cx="10515600" cy="806727"/>
-          </a:xfrm>
-        </p:spPr>
-        <p:txBody>
-          <a:bodyPr>
-            <a:normAutofit/>
-          </a:bodyPr>
-          <a:lstStyle/>
-          <a:p>
-            <a:pPr algn="ctr"/>
-            <a:r>
-              <a:rPr lang="fr-FR" sz="2800" dirty="0">
-                <a:solidFill>
-                  <a:schemeClr val="accent1">
-                    <a:lumMod val="75000"/>
-                  </a:schemeClr>
-                </a:solidFill>
-              </a:rPr>
-              <a:t>Sprint 2</a:t>
-            </a:r>
-          </a:p>
-        </p:txBody>
-      </p:sp>
-      <p:sp>
-        <p:nvSpPr>
-          <p:cNvPr id="3" name="Espace réservé du contenu 2">
-            <a:extLst>
-              <a:ext uri="{FF2B5EF4-FFF2-40B4-BE49-F238E27FC236}">
-                <a16:creationId xmlns:a16="http://schemas.microsoft.com/office/drawing/2014/main" id="{E83FB180-CC42-4B6A-8857-A53A1FEC7569}"/>
-              </a:ext>
-            </a:extLst>
-          </p:cNvPr>
-          <p:cNvSpPr>
-            <a:spLocks noGrp="1"/>
-          </p:cNvSpPr>
-          <p:nvPr>
-            <p:ph idx="1"/>
-          </p:nvPr>
-        </p:nvSpPr>
-        <p:spPr>
-          <a:xfrm>
-            <a:off x="838200" y="1171852"/>
-            <a:ext cx="10515600" cy="5005111"/>
-          </a:xfrm>
-        </p:spPr>
-        <p:txBody>
-          <a:bodyPr>
-            <a:normAutofit/>
-          </a:bodyPr>
-          <a:lstStyle/>
-          <a:p>
-            <a:r>
-              <a:rPr lang="fr-FR" sz="2000" b="1" dirty="0">
-                <a:solidFill>
-                  <a:srgbClr val="7030A0"/>
-                </a:solidFill>
-              </a:rPr>
-              <a:t>Diagramme de cas d’utilisation gérer les utilisateurs </a:t>
-            </a:r>
-          </a:p>
-        </p:txBody>
-      </p:sp>
-      <p:pic>
-        <p:nvPicPr>
-          <p:cNvPr id="4" name="Image 3">
-            <a:extLst>
-              <a:ext uri="{FF2B5EF4-FFF2-40B4-BE49-F238E27FC236}">
-                <a16:creationId xmlns:a16="http://schemas.microsoft.com/office/drawing/2014/main" id="{97C8EE62-3238-417C-A9EF-348CB0E2BB6F}"/>
-              </a:ext>
-            </a:extLst>
-          </p:cNvPr>
-          <p:cNvPicPr>
-            <a:picLocks noChangeAspect="1"/>
-          </p:cNvPicPr>
-          <p:nvPr/>
-        </p:nvPicPr>
-        <p:blipFill>
-          <a:blip r:embed="rId2"/>
-          <a:stretch>
-            <a:fillRect/>
-          </a:stretch>
-        </p:blipFill>
-        <p:spPr>
-          <a:xfrm>
-            <a:off x="1864311" y="2183907"/>
-            <a:ext cx="7998780" cy="3502241"/>
-          </a:xfrm>
-          <a:prstGeom prst="rect">
-            <a:avLst/>
-          </a:prstGeom>
-        </p:spPr>
-      </p:pic>
-    </p:spTree>
-    <p:extLst>
-      <p:ext uri="{BB962C8B-B14F-4D97-AF65-F5344CB8AC3E}">
-        <p14:creationId xmlns:p14="http://schemas.microsoft.com/office/powerpoint/2010/main" val="1387650332"/>
-      </p:ext>
-    </p:extLst>
-  </p:cSld>
-  <p:clrMapOvr>
-    <a:masterClrMapping/>
-  </p:clrMapOvr>
-</p:sld>
-</file>
-
-<file path=ppt/slides/slide23.xml><?xml version="1.0" encoding="utf-8"?>
 <p:sld xmlns:a="http://schemas.openxmlformats.org/drawingml/2006/main" xmlns:r="http://schemas.openxmlformats.org/officeDocument/2006/relationships" xmlns:p="http://schemas.openxmlformats.org/presentationml/2006/main">
   <p:cSld>
     <p:spTree>
@@ -25212,10 +25562,17 @@
   <p:clrMapOvr>
     <a:masterClrMapping/>
   </p:clrMapOvr>
+  <p:timing>
+    <p:tnLst>
+      <p:par>
+        <p:cTn id="1" dur="indefinite" restart="never" nodeType="tmRoot"/>
+      </p:par>
+    </p:tnLst>
+  </p:timing>
 </p:sld>
 </file>
 
-<file path=ppt/slides/slide24.xml><?xml version="1.0" encoding="utf-8"?>
+<file path=ppt/slides/slide22.xml><?xml version="1.0" encoding="utf-8"?>
 <p:sld xmlns:a="http://schemas.openxmlformats.org/drawingml/2006/main" xmlns:r="http://schemas.openxmlformats.org/officeDocument/2006/relationships" xmlns:p="http://schemas.openxmlformats.org/presentationml/2006/main">
   <p:cSld>
     <p:spTree>
@@ -25387,7 +25744,7 @@
 </p:sld>
 </file>
 
-<file path=ppt/slides/slide25.xml><?xml version="1.0" encoding="utf-8"?>
+<file path=ppt/slides/slide23.xml><?xml version="1.0" encoding="utf-8"?>
 <p:sld xmlns:a="http://schemas.openxmlformats.org/drawingml/2006/main" xmlns:r="http://schemas.openxmlformats.org/officeDocument/2006/relationships" xmlns:p="http://schemas.openxmlformats.org/presentationml/2006/main">
   <p:cSld>
     <p:spTree>
@@ -25509,7 +25866,7 @@
 </p:sld>
 </file>
 
-<file path=ppt/slides/slide26.xml><?xml version="1.0" encoding="utf-8"?>
+<file path=ppt/slides/slide24.xml><?xml version="1.0" encoding="utf-8"?>
 <p:sld xmlns:a="http://schemas.openxmlformats.org/drawingml/2006/main" xmlns:r="http://schemas.openxmlformats.org/officeDocument/2006/relationships" xmlns:p="http://schemas.openxmlformats.org/presentationml/2006/main">
   <p:cSld>
     <p:spTree>
@@ -25606,7 +25963,7 @@
 </p:sld>
 </file>
 
-<file path=ppt/slides/slide27.xml><?xml version="1.0" encoding="utf-8"?>
+<file path=ppt/slides/slide25.xml><?xml version="1.0" encoding="utf-8"?>
 <p:sld xmlns:a="http://schemas.openxmlformats.org/drawingml/2006/main" xmlns:r="http://schemas.openxmlformats.org/officeDocument/2006/relationships" xmlns:p="http://schemas.openxmlformats.org/presentationml/2006/main">
   <p:cSld>
     <p:spTree>
@@ -25698,7 +26055,7 @@
 </p:sld>
 </file>
 
-<file path=ppt/slides/slide28.xml><?xml version="1.0" encoding="utf-8"?>
+<file path=ppt/slides/slide26.xml><?xml version="1.0" encoding="utf-8"?>
 <p:sld xmlns:a="http://schemas.openxmlformats.org/drawingml/2006/main" xmlns:r="http://schemas.openxmlformats.org/officeDocument/2006/relationships" xmlns:p="http://schemas.openxmlformats.org/presentationml/2006/main">
   <p:cSld>
     <p:spTree>
@@ -25839,7 +26196,7 @@
 </p:sld>
 </file>
 
-<file path=ppt/slides/slide29.xml><?xml version="1.0" encoding="utf-8"?>
+<file path=ppt/slides/slide27.xml><?xml version="1.0" encoding="utf-8"?>
 <p:sld xmlns:a="http://schemas.openxmlformats.org/drawingml/2006/main" xmlns:r="http://schemas.openxmlformats.org/officeDocument/2006/relationships" xmlns:p="http://schemas.openxmlformats.org/presentationml/2006/main">
   <p:cSld>
     <p:spTree>
@@ -25961,6 +26318,217 @@
     <p:extLst>
       <p:ext uri="{BB962C8B-B14F-4D97-AF65-F5344CB8AC3E}">
         <p14:creationId xmlns:p14="http://schemas.microsoft.com/office/powerpoint/2010/main" val="519290907"/>
+      </p:ext>
+    </p:extLst>
+  </p:cSld>
+  <p:clrMapOvr>
+    <a:masterClrMapping/>
+  </p:clrMapOvr>
+  <p:timing>
+    <p:tnLst>
+      <p:par>
+        <p:cTn id="1" dur="indefinite" restart="never" nodeType="tmRoot"/>
+      </p:par>
+    </p:tnLst>
+  </p:timing>
+</p:sld>
+</file>
+
+<file path=ppt/slides/slide28.xml><?xml version="1.0" encoding="utf-8"?>
+<p:sld xmlns:a="http://schemas.openxmlformats.org/drawingml/2006/main" xmlns:r="http://schemas.openxmlformats.org/officeDocument/2006/relationships" xmlns:p="http://schemas.openxmlformats.org/presentationml/2006/main">
+  <p:cSld>
+    <p:spTree>
+      <p:nvGrpSpPr>
+        <p:cNvPr id="1" name=""/>
+        <p:cNvGrpSpPr/>
+        <p:nvPr/>
+      </p:nvGrpSpPr>
+      <p:grpSpPr>
+        <a:xfrm>
+          <a:off x="0" y="0"/>
+          <a:ext cx="0" cy="0"/>
+          <a:chOff x="0" y="0"/>
+          <a:chExt cx="0" cy="0"/>
+        </a:xfrm>
+      </p:grpSpPr>
+      <p:sp>
+        <p:nvSpPr>
+          <p:cNvPr id="2" name="Titre 1">
+            <a:extLst>
+              <a:ext uri="{FF2B5EF4-FFF2-40B4-BE49-F238E27FC236}">
+                <a16:creationId xmlns:a16="http://schemas.microsoft.com/office/drawing/2014/main" id="{B03E69CF-5760-4BFC-810B-01387C8B3F4F}"/>
+              </a:ext>
+            </a:extLst>
+          </p:cNvPr>
+          <p:cNvSpPr>
+            <a:spLocks noGrp="1"/>
+          </p:cNvSpPr>
+          <p:nvPr>
+            <p:ph type="title"/>
+          </p:nvPr>
+        </p:nvSpPr>
+        <p:spPr/>
+        <p:txBody>
+          <a:bodyPr>
+            <a:normAutofit/>
+          </a:bodyPr>
+          <a:lstStyle/>
+          <a:p>
+            <a:r>
+              <a:rPr lang="fr-FR" sz="2800" b="1" dirty="0">
+                <a:solidFill>
+                  <a:srgbClr val="7030A0"/>
+                </a:solidFill>
+              </a:rPr>
+              <a:t>Diagramme cas d'utilisation consulter des statistiques</a:t>
+            </a:r>
+          </a:p>
+        </p:txBody>
+      </p:sp>
+      <p:pic>
+        <p:nvPicPr>
+          <p:cNvPr id="4" name="Espace réservé du contenu 3">
+            <a:extLst>
+              <a:ext uri="{FF2B5EF4-FFF2-40B4-BE49-F238E27FC236}">
+                <a16:creationId xmlns:a16="http://schemas.microsoft.com/office/drawing/2014/main" id="{98A895CB-E75D-4BCB-BAC6-0566BB65A7C5}"/>
+              </a:ext>
+            </a:extLst>
+          </p:cNvPr>
+          <p:cNvPicPr>
+            <a:picLocks noGrp="1" noChangeAspect="1"/>
+          </p:cNvPicPr>
+          <p:nvPr>
+            <p:ph idx="1"/>
+          </p:nvPr>
+        </p:nvPicPr>
+        <p:blipFill>
+          <a:blip r:embed="rId2"/>
+          <a:stretch>
+            <a:fillRect/>
+          </a:stretch>
+        </p:blipFill>
+        <p:spPr>
+          <a:xfrm>
+            <a:off x="1560945" y="2050906"/>
+            <a:ext cx="7174053" cy="4109748"/>
+          </a:xfrm>
+          <a:prstGeom prst="rect">
+            <a:avLst/>
+          </a:prstGeom>
+        </p:spPr>
+      </p:pic>
+    </p:spTree>
+    <p:extLst>
+      <p:ext uri="{BB962C8B-B14F-4D97-AF65-F5344CB8AC3E}">
+        <p14:creationId xmlns:p14="http://schemas.microsoft.com/office/powerpoint/2010/main" val="1051896913"/>
+      </p:ext>
+    </p:extLst>
+  </p:cSld>
+  <p:clrMapOvr>
+    <a:masterClrMapping/>
+  </p:clrMapOvr>
+  <p:timing>
+    <p:tnLst>
+      <p:par>
+        <p:cTn id="1" dur="indefinite" restart="never" nodeType="tmRoot"/>
+      </p:par>
+    </p:tnLst>
+  </p:timing>
+</p:sld>
+</file>
+
+<file path=ppt/slides/slide29.xml><?xml version="1.0" encoding="utf-8"?>
+<p:sld xmlns:a="http://schemas.openxmlformats.org/drawingml/2006/main" xmlns:r="http://schemas.openxmlformats.org/officeDocument/2006/relationships" xmlns:p="http://schemas.openxmlformats.org/presentationml/2006/main">
+  <p:cSld>
+    <p:spTree>
+      <p:nvGrpSpPr>
+        <p:cNvPr id="1" name=""/>
+        <p:cNvGrpSpPr/>
+        <p:nvPr/>
+      </p:nvGrpSpPr>
+      <p:grpSpPr>
+        <a:xfrm>
+          <a:off x="0" y="0"/>
+          <a:ext cx="0" cy="0"/>
+          <a:chOff x="0" y="0"/>
+          <a:chExt cx="0" cy="0"/>
+        </a:xfrm>
+      </p:grpSpPr>
+      <p:sp>
+        <p:nvSpPr>
+          <p:cNvPr id="2" name="Titre 1">
+            <a:extLst>
+              <a:ext uri="{FF2B5EF4-FFF2-40B4-BE49-F238E27FC236}">
+                <a16:creationId xmlns:a16="http://schemas.microsoft.com/office/drawing/2014/main" id="{A67AE2EE-893E-4F3F-8D7D-D5CAF1BF40FD}"/>
+              </a:ext>
+            </a:extLst>
+          </p:cNvPr>
+          <p:cNvSpPr>
+            <a:spLocks noGrp="1"/>
+          </p:cNvSpPr>
+          <p:nvPr>
+            <p:ph type="title"/>
+          </p:nvPr>
+        </p:nvSpPr>
+        <p:spPr>
+          <a:xfrm>
+            <a:off x="838200" y="365125"/>
+            <a:ext cx="10515600" cy="854075"/>
+          </a:xfrm>
+        </p:spPr>
+        <p:txBody>
+          <a:bodyPr>
+            <a:normAutofit/>
+          </a:bodyPr>
+          <a:lstStyle/>
+          <a:p>
+            <a:r>
+              <a:rPr lang="fr-FR" sz="2000" b="1" dirty="0">
+                <a:solidFill>
+                  <a:srgbClr val="7030A0"/>
+                </a:solidFill>
+              </a:rPr>
+              <a:t>Diagramme cas d'utilisation gérer les notifications</a:t>
+            </a:r>
+          </a:p>
+        </p:txBody>
+      </p:sp>
+      <p:pic>
+        <p:nvPicPr>
+          <p:cNvPr id="4" name="Espace réservé du contenu 3">
+            <a:extLst>
+              <a:ext uri="{FF2B5EF4-FFF2-40B4-BE49-F238E27FC236}">
+                <a16:creationId xmlns:a16="http://schemas.microsoft.com/office/drawing/2014/main" id="{9B3AB400-4455-4049-9934-A21D3BA74B57}"/>
+              </a:ext>
+            </a:extLst>
+          </p:cNvPr>
+          <p:cNvPicPr>
+            <a:picLocks noGrp="1" noChangeAspect="1"/>
+          </p:cNvPicPr>
+          <p:nvPr>
+            <p:ph idx="1"/>
+          </p:nvPr>
+        </p:nvPicPr>
+        <p:blipFill>
+          <a:blip r:embed="rId3"/>
+          <a:stretch>
+            <a:fillRect/>
+          </a:stretch>
+        </p:blipFill>
+        <p:spPr>
+          <a:xfrm>
+            <a:off x="1293091" y="1563462"/>
+            <a:ext cx="7647709" cy="3731075"/>
+          </a:xfrm>
+          <a:prstGeom prst="rect">
+            <a:avLst/>
+          </a:prstGeom>
+        </p:spPr>
+      </p:pic>
+    </p:spTree>
+    <p:extLst>
+      <p:ext uri="{BB962C8B-B14F-4D97-AF65-F5344CB8AC3E}">
+        <p14:creationId xmlns:p14="http://schemas.microsoft.com/office/powerpoint/2010/main" val="2193097767"/>
       </p:ext>
     </p:extLst>
   </p:cSld>
@@ -26287,102 +26855,6 @@
   <p:clrMapOvr>
     <a:masterClrMapping/>
   </p:clrMapOvr>
-</p:sld>
-</file>
-
-<file path=ppt/slides/slide30.xml><?xml version="1.0" encoding="utf-8"?>
-<p:sld xmlns:a="http://schemas.openxmlformats.org/drawingml/2006/main" xmlns:r="http://schemas.openxmlformats.org/officeDocument/2006/relationships" xmlns:p="http://schemas.openxmlformats.org/presentationml/2006/main">
-  <p:cSld>
-    <p:spTree>
-      <p:nvGrpSpPr>
-        <p:cNvPr id="1" name=""/>
-        <p:cNvGrpSpPr/>
-        <p:nvPr/>
-      </p:nvGrpSpPr>
-      <p:grpSpPr>
-        <a:xfrm>
-          <a:off x="0" y="0"/>
-          <a:ext cx="0" cy="0"/>
-          <a:chOff x="0" y="0"/>
-          <a:chExt cx="0" cy="0"/>
-        </a:xfrm>
-      </p:grpSpPr>
-      <p:sp>
-        <p:nvSpPr>
-          <p:cNvPr id="2" name="Titre 1">
-            <a:extLst>
-              <a:ext uri="{FF2B5EF4-FFF2-40B4-BE49-F238E27FC236}">
-                <a16:creationId xmlns:a16="http://schemas.microsoft.com/office/drawing/2014/main" id="{B03E69CF-5760-4BFC-810B-01387C8B3F4F}"/>
-              </a:ext>
-            </a:extLst>
-          </p:cNvPr>
-          <p:cNvSpPr>
-            <a:spLocks noGrp="1"/>
-          </p:cNvSpPr>
-          <p:nvPr>
-            <p:ph type="title"/>
-          </p:nvPr>
-        </p:nvSpPr>
-        <p:spPr/>
-        <p:txBody>
-          <a:bodyPr>
-            <a:normAutofit/>
-          </a:bodyPr>
-          <a:lstStyle/>
-          <a:p>
-            <a:r>
-              <a:rPr lang="fr-FR" sz="2800" b="1" dirty="0">
-                <a:solidFill>
-                  <a:srgbClr val="7030A0"/>
-                </a:solidFill>
-              </a:rPr>
-              <a:t>Diagramme cas d'utilisation consulter des statistiques</a:t>
-            </a:r>
-          </a:p>
-        </p:txBody>
-      </p:sp>
-      <p:pic>
-        <p:nvPicPr>
-          <p:cNvPr id="4" name="Espace réservé du contenu 3">
-            <a:extLst>
-              <a:ext uri="{FF2B5EF4-FFF2-40B4-BE49-F238E27FC236}">
-                <a16:creationId xmlns:a16="http://schemas.microsoft.com/office/drawing/2014/main" id="{98A895CB-E75D-4BCB-BAC6-0566BB65A7C5}"/>
-              </a:ext>
-            </a:extLst>
-          </p:cNvPr>
-          <p:cNvPicPr>
-            <a:picLocks noGrp="1" noChangeAspect="1"/>
-          </p:cNvPicPr>
-          <p:nvPr>
-            <p:ph idx="1"/>
-          </p:nvPr>
-        </p:nvPicPr>
-        <p:blipFill>
-          <a:blip r:embed="rId2"/>
-          <a:stretch>
-            <a:fillRect/>
-          </a:stretch>
-        </p:blipFill>
-        <p:spPr>
-          <a:xfrm>
-            <a:off x="1560945" y="2050906"/>
-            <a:ext cx="7174053" cy="4109748"/>
-          </a:xfrm>
-          <a:prstGeom prst="rect">
-            <a:avLst/>
-          </a:prstGeom>
-        </p:spPr>
-      </p:pic>
-    </p:spTree>
-    <p:extLst>
-      <p:ext uri="{BB962C8B-B14F-4D97-AF65-F5344CB8AC3E}">
-        <p14:creationId xmlns:p14="http://schemas.microsoft.com/office/powerpoint/2010/main" val="1051896913"/>
-      </p:ext>
-    </p:extLst>
-  </p:cSld>
-  <p:clrMapOvr>
-    <a:masterClrMapping/>
-  </p:clrMapOvr>
   <p:timing>
     <p:tnLst>
       <p:par>
@@ -26393,115 +26865,7 @@
 </p:sld>
 </file>
 
-<file path=ppt/slides/slide31.xml><?xml version="1.0" encoding="utf-8"?>
-<p:sld xmlns:a="http://schemas.openxmlformats.org/drawingml/2006/main" xmlns:r="http://schemas.openxmlformats.org/officeDocument/2006/relationships" xmlns:p="http://schemas.openxmlformats.org/presentationml/2006/main">
-  <p:cSld>
-    <p:spTree>
-      <p:nvGrpSpPr>
-        <p:cNvPr id="1" name=""/>
-        <p:cNvGrpSpPr/>
-        <p:nvPr/>
-      </p:nvGrpSpPr>
-      <p:grpSpPr>
-        <a:xfrm>
-          <a:off x="0" y="0"/>
-          <a:ext cx="0" cy="0"/>
-          <a:chOff x="0" y="0"/>
-          <a:chExt cx="0" cy="0"/>
-        </a:xfrm>
-      </p:grpSpPr>
-      <p:sp>
-        <p:nvSpPr>
-          <p:cNvPr id="2" name="Titre 1">
-            <a:extLst>
-              <a:ext uri="{FF2B5EF4-FFF2-40B4-BE49-F238E27FC236}">
-                <a16:creationId xmlns:a16="http://schemas.microsoft.com/office/drawing/2014/main" id="{A67AE2EE-893E-4F3F-8D7D-D5CAF1BF40FD}"/>
-              </a:ext>
-            </a:extLst>
-          </p:cNvPr>
-          <p:cNvSpPr>
-            <a:spLocks noGrp="1"/>
-          </p:cNvSpPr>
-          <p:nvPr>
-            <p:ph type="title"/>
-          </p:nvPr>
-        </p:nvSpPr>
-        <p:spPr>
-          <a:xfrm>
-            <a:off x="838200" y="365125"/>
-            <a:ext cx="10515600" cy="854075"/>
-          </a:xfrm>
-        </p:spPr>
-        <p:txBody>
-          <a:bodyPr>
-            <a:normAutofit/>
-          </a:bodyPr>
-          <a:lstStyle/>
-          <a:p>
-            <a:r>
-              <a:rPr lang="fr-FR" sz="2000" b="1" dirty="0">
-                <a:solidFill>
-                  <a:srgbClr val="7030A0"/>
-                </a:solidFill>
-              </a:rPr>
-              <a:t>Diagramme cas d'utilisation gérer les notifications</a:t>
-            </a:r>
-          </a:p>
-        </p:txBody>
-      </p:sp>
-      <p:pic>
-        <p:nvPicPr>
-          <p:cNvPr id="4" name="Espace réservé du contenu 3">
-            <a:extLst>
-              <a:ext uri="{FF2B5EF4-FFF2-40B4-BE49-F238E27FC236}">
-                <a16:creationId xmlns:a16="http://schemas.microsoft.com/office/drawing/2014/main" id="{9B3AB400-4455-4049-9934-A21D3BA74B57}"/>
-              </a:ext>
-            </a:extLst>
-          </p:cNvPr>
-          <p:cNvPicPr>
-            <a:picLocks noGrp="1" noChangeAspect="1"/>
-          </p:cNvPicPr>
-          <p:nvPr>
-            <p:ph idx="1"/>
-          </p:nvPr>
-        </p:nvPicPr>
-        <p:blipFill>
-          <a:blip r:embed="rId3"/>
-          <a:stretch>
-            <a:fillRect/>
-          </a:stretch>
-        </p:blipFill>
-        <p:spPr>
-          <a:xfrm>
-            <a:off x="1293091" y="1563462"/>
-            <a:ext cx="7647709" cy="3731075"/>
-          </a:xfrm>
-          <a:prstGeom prst="rect">
-            <a:avLst/>
-          </a:prstGeom>
-        </p:spPr>
-      </p:pic>
-    </p:spTree>
-    <p:extLst>
-      <p:ext uri="{BB962C8B-B14F-4D97-AF65-F5344CB8AC3E}">
-        <p14:creationId xmlns:p14="http://schemas.microsoft.com/office/powerpoint/2010/main" val="2193097767"/>
-      </p:ext>
-    </p:extLst>
-  </p:cSld>
-  <p:clrMapOvr>
-    <a:masterClrMapping/>
-  </p:clrMapOvr>
-  <p:timing>
-    <p:tnLst>
-      <p:par>
-        <p:cTn id="1" dur="indefinite" restart="never" nodeType="tmRoot"/>
-      </p:par>
-    </p:tnLst>
-  </p:timing>
-</p:sld>
-</file>
-
-<file path=ppt/slides/slide32.xml><?xml version="1.0" encoding="utf-8"?>
+<file path=ppt/slides/slide30.xml><?xml version="1.0" encoding="utf-8"?>
 <p:sld xmlns:a="http://schemas.openxmlformats.org/drawingml/2006/main" xmlns:r="http://schemas.openxmlformats.org/officeDocument/2006/relationships" xmlns:p="http://schemas.openxmlformats.org/presentationml/2006/main">
   <p:cSld>
     <p:spTree>
@@ -26638,7 +27002,7 @@
 </p:sld>
 </file>
 
-<file path=ppt/slides/slide33.xml><?xml version="1.0" encoding="utf-8"?>
+<file path=ppt/slides/slide31.xml><?xml version="1.0" encoding="utf-8"?>
 <p:sld xmlns:a="http://schemas.openxmlformats.org/drawingml/2006/main" xmlns:r="http://schemas.openxmlformats.org/officeDocument/2006/relationships" xmlns:p="http://schemas.openxmlformats.org/presentationml/2006/main">
   <p:cSld>
     <p:spTree>
@@ -26802,7 +27166,7 @@
 </p:sld>
 </file>
 
-<file path=ppt/slides/slide34.xml><?xml version="1.0" encoding="utf-8"?>
+<file path=ppt/slides/slide32.xml><?xml version="1.0" encoding="utf-8"?>
 <p:sld xmlns:a="http://schemas.openxmlformats.org/drawingml/2006/main" xmlns:r="http://schemas.openxmlformats.org/officeDocument/2006/relationships" xmlns:p="http://schemas.openxmlformats.org/presentationml/2006/main">
   <p:cSld>
     <p:spTree>
@@ -26959,7 +27323,7 @@
 </p:sld>
 </file>
 
-<file path=ppt/slides/slide35.xml><?xml version="1.0" encoding="utf-8"?>
+<file path=ppt/slides/slide33.xml><?xml version="1.0" encoding="utf-8"?>
 <p:sld xmlns:a="http://schemas.openxmlformats.org/drawingml/2006/main" xmlns:r="http://schemas.openxmlformats.org/officeDocument/2006/relationships" xmlns:p="http://schemas.openxmlformats.org/presentationml/2006/main">
   <p:cSld>
     <p:spTree>
@@ -27055,107 +27419,7 @@
 </p:sld>
 </file>
 
-<file path=ppt/slides/slide36.xml><?xml version="1.0" encoding="utf-8"?>
-<p:sld xmlns:a="http://schemas.openxmlformats.org/drawingml/2006/main" xmlns:r="http://schemas.openxmlformats.org/officeDocument/2006/relationships" xmlns:p="http://schemas.openxmlformats.org/presentationml/2006/main">
-  <p:cSld>
-    <p:spTree>
-      <p:nvGrpSpPr>
-        <p:cNvPr id="1" name=""/>
-        <p:cNvGrpSpPr/>
-        <p:nvPr/>
-      </p:nvGrpSpPr>
-      <p:grpSpPr>
-        <a:xfrm>
-          <a:off x="0" y="0"/>
-          <a:ext cx="0" cy="0"/>
-          <a:chOff x="0" y="0"/>
-          <a:chExt cx="0" cy="0"/>
-        </a:xfrm>
-      </p:grpSpPr>
-      <p:sp>
-        <p:nvSpPr>
-          <p:cNvPr id="2" name="Titre 1">
-            <a:extLst>
-              <a:ext uri="{FF2B5EF4-FFF2-40B4-BE49-F238E27FC236}">
-                <a16:creationId xmlns:a16="http://schemas.microsoft.com/office/drawing/2014/main" id="{2F189A36-AA81-42E1-A4C8-E3C91E18AE58}"/>
-              </a:ext>
-            </a:extLst>
-          </p:cNvPr>
-          <p:cNvSpPr>
-            <a:spLocks noGrp="1"/>
-          </p:cNvSpPr>
-          <p:nvPr>
-            <p:ph type="title"/>
-          </p:nvPr>
-        </p:nvSpPr>
-        <p:spPr/>
-        <p:txBody>
-          <a:bodyPr/>
-          <a:lstStyle/>
-          <a:p>
-            <a:pPr algn="ctr"/>
-            <a:r>
-              <a:rPr lang="fr-FR" sz="2800" b="1" dirty="0">
-                <a:solidFill>
-                  <a:srgbClr val="7030A0"/>
-                </a:solidFill>
-              </a:rPr>
-              <a:t>conclusion</a:t>
-            </a:r>
-            <a:r>
-              <a:rPr lang="fr-FR" dirty="0"/>
-              <a:t/>
-            </a:r>
-            <a:br>
-              <a:rPr lang="fr-FR" dirty="0"/>
-            </a:br>
-            <a:endParaRPr lang="fr-FR" dirty="0"/>
-          </a:p>
-        </p:txBody>
-      </p:sp>
-      <p:sp>
-        <p:nvSpPr>
-          <p:cNvPr id="3" name="Espace réservé du contenu 2"/>
-          <p:cNvSpPr>
-            <a:spLocks noGrp="1"/>
-          </p:cNvSpPr>
-          <p:nvPr>
-            <p:ph idx="1"/>
-          </p:nvPr>
-        </p:nvSpPr>
-        <p:spPr/>
-        <p:txBody>
-          <a:bodyPr/>
-          <a:lstStyle/>
-          <a:p>
-            <a:r>
-              <a:rPr lang="fr-FR" dirty="0" smtClean="0"/>
-              <a:t>On a développé une application de supervision des objets mobiles.</a:t>
-            </a:r>
-          </a:p>
-          <a:p>
-            <a:r>
-              <a:rPr lang="fr-FR" dirty="0" smtClean="0"/>
-              <a:t>Les localiser , recevoir </a:t>
-            </a:r>
-            <a:endParaRPr lang="fr-FR" dirty="0"/>
-          </a:p>
-        </p:txBody>
-      </p:sp>
-    </p:spTree>
-    <p:extLst>
-      <p:ext uri="{BB962C8B-B14F-4D97-AF65-F5344CB8AC3E}">
-        <p14:creationId xmlns:p14="http://schemas.microsoft.com/office/powerpoint/2010/main" val="4202595445"/>
-      </p:ext>
-    </p:extLst>
-  </p:cSld>
-  <p:clrMapOvr>
-    <a:masterClrMapping/>
-  </p:clrMapOvr>
-</p:sld>
-</file>
-
-<file path=ppt/slides/slide37.xml><?xml version="1.0" encoding="utf-8"?>
+<file path=ppt/slides/slide34.xml><?xml version="1.0" encoding="utf-8"?>
 <p:sld xmlns:a="http://schemas.openxmlformats.org/drawingml/2006/main" xmlns:r="http://schemas.openxmlformats.org/officeDocument/2006/relationships" xmlns:p="http://schemas.openxmlformats.org/presentationml/2006/main">
   <p:cSld>
     <p:spTree>
@@ -27221,21 +27485,51 @@
           </a:p>
         </p:txBody>
       </p:sp>
-      <p:pic>
-        <p:nvPicPr>
-          <p:cNvPr id="4" name="Espace réservé du contenu 3">
-            <a:extLst>
-              <a:ext uri="{FF2B5EF4-FFF2-40B4-BE49-F238E27FC236}">
-                <a16:creationId xmlns:a16="http://schemas.microsoft.com/office/drawing/2014/main" id="{60CB58B7-FD92-4045-B3BC-746AD47125F0}"/>
-              </a:ext>
-            </a:extLst>
-          </p:cNvPr>
-          <p:cNvPicPr>
-            <a:picLocks noGrp="1" noChangeAspect="1"/>
-          </p:cNvPicPr>
+      <p:sp>
+        <p:nvSpPr>
+          <p:cNvPr id="3" name="Espace réservé du contenu 2"/>
+          <p:cNvSpPr>
+            <a:spLocks noGrp="1"/>
+          </p:cNvSpPr>
           <p:nvPr>
             <p:ph idx="1"/>
           </p:nvPr>
+        </p:nvSpPr>
+        <p:spPr/>
+        <p:txBody>
+          <a:bodyPr/>
+          <a:lstStyle/>
+          <a:p>
+            <a:r>
+              <a:rPr lang="fr-FR" dirty="0" smtClean="0"/>
+              <a:t>On a développé une application de supervision des objets mobiles.</a:t>
+            </a:r>
+          </a:p>
+          <a:p>
+            <a:r>
+              <a:rPr lang="fr-FR" dirty="0" smtClean="0"/>
+              <a:t>Les localiser , recevoir </a:t>
+            </a:r>
+            <a:r>
+              <a:rPr lang="fr-FR" dirty="0" smtClean="0"/>
+              <a:t>leur notification et générer des statistiques et des alertes pour les utilisations connecté </a:t>
+            </a:r>
+          </a:p>
+          <a:p>
+            <a:endParaRPr lang="fr-FR" dirty="0" smtClean="0"/>
+          </a:p>
+          <a:p>
+            <a:endParaRPr lang="fr-FR" dirty="0"/>
+          </a:p>
+        </p:txBody>
+      </p:sp>
+      <p:pic>
+        <p:nvPicPr>
+          <p:cNvPr id="4" name="Image 3"/>
+          <p:cNvPicPr>
+            <a:picLocks noChangeAspect="1"/>
+          </p:cNvPicPr>
+          <p:nvPr/>
         </p:nvPicPr>
         <p:blipFill>
           <a:blip r:embed="rId2"/>
@@ -27245,14 +27539,134 @@
         </p:blipFill>
         <p:spPr>
           <a:xfrm>
-            <a:off x="1455939" y="1394994"/>
-            <a:ext cx="9286042" cy="4523624"/>
+            <a:off x="1409700" y="3862387"/>
+            <a:ext cx="8629650" cy="2449513"/>
           </a:xfrm>
           <a:prstGeom prst="rect">
             <a:avLst/>
           </a:prstGeom>
         </p:spPr>
       </p:pic>
+    </p:spTree>
+    <p:extLst>
+      <p:ext uri="{BB962C8B-B14F-4D97-AF65-F5344CB8AC3E}">
+        <p14:creationId xmlns:p14="http://schemas.microsoft.com/office/powerpoint/2010/main" val="4202595445"/>
+      </p:ext>
+    </p:extLst>
+  </p:cSld>
+  <p:clrMapOvr>
+    <a:masterClrMapping/>
+  </p:clrMapOvr>
+</p:sld>
+</file>
+
+<file path=ppt/slides/slide35.xml><?xml version="1.0" encoding="utf-8"?>
+<p:sld xmlns:a="http://schemas.openxmlformats.org/drawingml/2006/main" xmlns:r="http://schemas.openxmlformats.org/officeDocument/2006/relationships" xmlns:p="http://schemas.openxmlformats.org/presentationml/2006/main">
+  <p:cSld>
+    <p:spTree>
+      <p:nvGrpSpPr>
+        <p:cNvPr id="1" name=""/>
+        <p:cNvGrpSpPr/>
+        <p:nvPr/>
+      </p:nvGrpSpPr>
+      <p:grpSpPr>
+        <a:xfrm>
+          <a:off x="0" y="0"/>
+          <a:ext cx="0" cy="0"/>
+          <a:chOff x="0" y="0"/>
+          <a:chExt cx="0" cy="0"/>
+        </a:xfrm>
+      </p:grpSpPr>
+      <p:sp>
+        <p:nvSpPr>
+          <p:cNvPr id="2" name="Titre 1">
+            <a:extLst>
+              <a:ext uri="{FF2B5EF4-FFF2-40B4-BE49-F238E27FC236}">
+                <a16:creationId xmlns:a16="http://schemas.microsoft.com/office/drawing/2014/main" id="{2F189A36-AA81-42E1-A4C8-E3C91E18AE58}"/>
+              </a:ext>
+            </a:extLst>
+          </p:cNvPr>
+          <p:cNvSpPr>
+            <a:spLocks noGrp="1"/>
+          </p:cNvSpPr>
+          <p:nvPr>
+            <p:ph type="title"/>
+          </p:nvPr>
+        </p:nvSpPr>
+        <p:spPr/>
+        <p:txBody>
+          <a:bodyPr/>
+          <a:lstStyle/>
+          <a:p>
+            <a:pPr algn="ctr"/>
+            <a:r>
+              <a:rPr lang="fr-FR" sz="3500" dirty="0" smtClean="0">
+                <a:solidFill>
+                  <a:srgbClr val="7030A0"/>
+                </a:solidFill>
+              </a:rPr>
+              <a:t>Perspective</a:t>
+            </a:r>
+            <a:r>
+              <a:rPr lang="fr-FR" dirty="0"/>
+              <a:t/>
+            </a:r>
+            <a:br>
+              <a:rPr lang="fr-FR" dirty="0"/>
+            </a:br>
+            <a:endParaRPr lang="fr-FR" dirty="0"/>
+          </a:p>
+        </p:txBody>
+      </p:sp>
+      <p:sp>
+        <p:nvSpPr>
+          <p:cNvPr id="3" name="Espace réservé du contenu 2"/>
+          <p:cNvSpPr>
+            <a:spLocks noGrp="1"/>
+          </p:cNvSpPr>
+          <p:nvPr>
+            <p:ph idx="1"/>
+          </p:nvPr>
+        </p:nvSpPr>
+        <p:spPr/>
+        <p:txBody>
+          <a:bodyPr/>
+          <a:lstStyle/>
+          <a:p>
+            <a:r>
+              <a:rPr lang="fr-FR" dirty="0" smtClean="0"/>
+              <a:t>Générer des ordres en fonction des notifications et alerte reçu</a:t>
+            </a:r>
+          </a:p>
+          <a:p>
+            <a:pPr lvl="1">
+              <a:buFont typeface="Wingdings" panose="05000000000000000000" pitchFamily="2" charset="2"/>
+              <a:buChar char="Ø"/>
+            </a:pPr>
+            <a:r>
+              <a:rPr lang="fr-FR" dirty="0" smtClean="0"/>
+              <a:t>Vocal</a:t>
+            </a:r>
+          </a:p>
+          <a:p>
+            <a:pPr lvl="1">
+              <a:buFont typeface="Wingdings" panose="05000000000000000000" pitchFamily="2" charset="2"/>
+              <a:buChar char="Ø"/>
+            </a:pPr>
+            <a:r>
+              <a:rPr lang="fr-FR" dirty="0" smtClean="0"/>
+              <a:t>Textuel</a:t>
+            </a:r>
+          </a:p>
+          <a:p>
+            <a:r>
+              <a:rPr lang="fr-FR" dirty="0" smtClean="0"/>
+              <a:t>Développer une application mobile (Android ou IOS)</a:t>
+            </a:r>
+            <a:endParaRPr lang="fr-FR" dirty="0"/>
+          </a:p>
+        </p:txBody>
+      </p:sp>
     </p:spTree>
     <p:extLst>
       <p:ext uri="{BB962C8B-B14F-4D97-AF65-F5344CB8AC3E}">
@@ -27263,10 +27677,17 @@
   <p:clrMapOvr>
     <a:masterClrMapping/>
   </p:clrMapOvr>
+  <p:timing>
+    <p:tnLst>
+      <p:par>
+        <p:cTn id="1" dur="indefinite" restart="never" nodeType="tmRoot"/>
+      </p:par>
+    </p:tnLst>
+  </p:timing>
 </p:sld>
 </file>
 
-<file path=ppt/slides/slide38.xml><?xml version="1.0" encoding="utf-8"?>
+<file path=ppt/slides/slide36.xml><?xml version="1.0" encoding="utf-8"?>
 <p:sld xmlns:a="http://schemas.openxmlformats.org/drawingml/2006/main" xmlns:r="http://schemas.openxmlformats.org/officeDocument/2006/relationships" xmlns:p="http://schemas.openxmlformats.org/presentationml/2006/main">
   <p:cSld>
     <p:spTree>
@@ -27310,13 +27731,7 @@
       </p:sp>
       <p:pic>
         <p:nvPicPr>
-          <p:cNvPr id="4" name="Espace réservé du contenu 3">
-            <a:extLst>
-              <a:ext uri="{FF2B5EF4-FFF2-40B4-BE49-F238E27FC236}">
-                <a16:creationId xmlns:a16="http://schemas.microsoft.com/office/drawing/2014/main" id="{916A6C4B-CB2C-4193-AE7C-85EC1CF5A44C}"/>
-              </a:ext>
-            </a:extLst>
-          </p:cNvPr>
+          <p:cNvPr id="5" name="Espace réservé du contenu 4"/>
           <p:cNvPicPr>
             <a:picLocks noGrp="1" noChangeAspect="1"/>
           </p:cNvPicPr>
@@ -27325,15 +27740,15 @@
           </p:nvPr>
         </p:nvPicPr>
         <p:blipFill>
-          <a:blip r:embed="rId2"/>
+          <a:blip r:embed="rId3"/>
           <a:stretch>
             <a:fillRect/>
           </a:stretch>
         </p:blipFill>
         <p:spPr>
           <a:xfrm>
-            <a:off x="4573587" y="2638425"/>
-            <a:ext cx="2638425" cy="1581150"/>
+            <a:off x="0" y="0"/>
+            <a:ext cx="12192000" cy="6858000"/>
           </a:xfrm>
           <a:prstGeom prst="rect">
             <a:avLst/>
@@ -27350,6 +27765,13 @@
   <p:clrMapOvr>
     <a:masterClrMapping/>
   </p:clrMapOvr>
+  <p:timing>
+    <p:tnLst>
+      <p:par>
+        <p:cTn id="1" dur="indefinite" restart="never" nodeType="tmRoot"/>
+      </p:par>
+    </p:tnLst>
+  </p:timing>
 </p:sld>
 </file>
 
@@ -27568,6 +27990,13 @@
   <p:clrMapOvr>
     <a:masterClrMapping/>
   </p:clrMapOvr>
+  <p:timing>
+    <p:tnLst>
+      <p:par>
+        <p:cTn id="1" dur="indefinite" restart="never" nodeType="tmRoot"/>
+      </p:par>
+    </p:tnLst>
+  </p:timing>
 </p:sld>
 </file>
 
@@ -27727,6 +28156,13 @@
   <p:clrMapOvr>
     <a:masterClrMapping/>
   </p:clrMapOvr>
+  <p:timing>
+    <p:tnLst>
+      <p:par>
+        <p:cTn id="1" dur="indefinite" restart="never" nodeType="tmRoot"/>
+      </p:par>
+    </p:tnLst>
+  </p:timing>
 </p:sld>
 </file>
 
@@ -27827,6 +28263,13 @@
   <p:clrMapOvr>
     <a:masterClrMapping/>
   </p:clrMapOvr>
+  <p:timing>
+    <p:tnLst>
+      <p:par>
+        <p:cTn id="1" dur="indefinite" restart="never" nodeType="tmRoot"/>
+      </p:par>
+    </p:tnLst>
+  </p:timing>
 </p:sld>
 </file>
 
@@ -27870,28 +28313,6 @@
           </a:bodyPr>
           <a:lstStyle/>
           <a:p>
-            <a:r>
-              <a:rPr lang="fr-FR" sz="2200" b="1" dirty="0"/>
-              <a:t>Choix méthodologique et technologique</a:t>
-            </a:r>
-            <a:r>
-              <a:rPr lang="fr-FR" sz="2200" dirty="0"/>
-              <a:t/>
-            </a:r>
-            <a:br>
-              <a:rPr lang="fr-FR" sz="2200" dirty="0"/>
-            </a:br>
-            <a:r>
-              <a:rPr lang="fr-FR" sz="2200" b="1" dirty="0"/>
-              <a:t> </a:t>
-            </a:r>
-            <a:r>
-              <a:rPr lang="fr-FR" dirty="0"/>
-              <a:t/>
-            </a:r>
-            <a:br>
-              <a:rPr lang="fr-FR" dirty="0"/>
-            </a:br>
             <a:endParaRPr lang="fr-FR" dirty="0"/>
           </a:p>
         </p:txBody>
@@ -27920,7 +28341,7 @@
         </p:spPr>
         <p:txBody>
           <a:bodyPr>
-            <a:normAutofit fontScale="92500" lnSpcReduction="20000"/>
+            <a:normAutofit fontScale="85000" lnSpcReduction="20000"/>
           </a:bodyPr>
           <a:lstStyle/>
           <a:p>
@@ -27990,24 +28411,36 @@
             </a:r>
           </a:p>
           <a:p>
-            <a:pPr lvl="1">
-              <a:buFont typeface="Wingdings" panose="05000000000000000000" pitchFamily="2" charset="2"/>
-              <a:buChar char="q"/>
-            </a:pPr>
+            <a:pPr lvl="1"/>
             <a:r>
               <a:rPr lang="fr-FR" sz="2000" dirty="0"/>
-              <a:t>Plus de souplesse et de réactivité.</a:t>
+              <a:t>Plus de souplesse et de réactivité</a:t>
+            </a:r>
+            <a:r>
+              <a:rPr lang="fr-FR" sz="2000" dirty="0" smtClean="0"/>
+              <a:t>.</a:t>
             </a:r>
           </a:p>
           <a:p>
-            <a:pPr lvl="1">
-              <a:buFont typeface="Wingdings" panose="05000000000000000000" pitchFamily="2" charset="2"/>
-              <a:buChar char="q"/>
+            <a:pPr marL="457200" lvl="1" indent="0">
+              <a:buNone/>
             </a:pPr>
+            <a:endParaRPr lang="fr-FR" sz="2000" dirty="0"/>
+          </a:p>
+          <a:p>
+            <a:pPr lvl="1"/>
             <a:r>
               <a:rPr lang="fr-FR" sz="2000" dirty="0"/>
-              <a:t>La grande capacité d’adaptation au changement grâce à des itérations courtes.</a:t>
+              <a:t>La grande capacité d’adaptation au changement grâce à des itérations courtes</a:t>
             </a:r>
+            <a:r>
+              <a:rPr lang="fr-FR" sz="2000" dirty="0" smtClean="0"/>
+              <a:t>.</a:t>
+            </a:r>
+          </a:p>
+          <a:p>
+            <a:pPr lvl="1"/>
+            <a:endParaRPr lang="fr-FR" sz="2000" dirty="0"/>
           </a:p>
           <a:p>
             <a:pPr marL="457200" lvl="1" indent="0">
@@ -28170,6 +28603,13 @@
   <p:clrMapOvr>
     <a:masterClrMapping/>
   </p:clrMapOvr>
+  <p:timing>
+    <p:tnLst>
+      <p:par>
+        <p:cTn id="1" dur="indefinite" restart="never" nodeType="tmRoot"/>
+      </p:par>
+    </p:tnLst>
+  </p:timing>
 </p:sld>
 </file>
 
@@ -28366,7 +28806,7 @@
         </p:nvGraphicFramePr>
         <p:xfrm>
           <a:off x="3124644" y="3957796"/>
-          <a:ext cx="5448935" cy="765556"/>
+          <a:ext cx="5448935" cy="782828"/>
         </p:xfrm>
         <a:graphic>
           <a:graphicData uri="http://schemas.openxmlformats.org/drawingml/2006/table">
@@ -28673,6 +29113,13 @@
   <p:clrMapOvr>
     <a:masterClrMapping/>
   </p:clrMapOvr>
+  <p:timing>
+    <p:tnLst>
+      <p:par>
+        <p:cTn id="1" dur="indefinite" restart="never" nodeType="tmRoot"/>
+      </p:par>
+    </p:tnLst>
+  </p:timing>
 </p:sld>
 </file>
 
@@ -28903,6 +29350,13 @@
   <p:clrMapOvr>
     <a:masterClrMapping/>
   </p:clrMapOvr>
+  <p:timing>
+    <p:tnLst>
+      <p:par>
+        <p:cTn id="1" dur="indefinite" restart="never" nodeType="tmRoot"/>
+      </p:par>
+    </p:tnLst>
+  </p:timing>
 </p:sld>
 </file>
 

--- a/ppe-presentation.pptx
+++ b/ppe-presentation.pptx
@@ -4079,7 +4079,11 @@
         <a:p>
           <a:r>
             <a:rPr lang="fr-FR" b="1" dirty="0"/>
-            <a:t>Choix méthodologique et technologique</a:t>
+            <a:t>Choix méthodologique et </a:t>
+          </a:r>
+          <a:r>
+            <a:rPr lang="fr-FR" b="1" dirty="0" smtClean="0"/>
+            <a:t>technologiques</a:t>
           </a:r>
           <a:endParaRPr lang="fr-FR" dirty="0"/>
         </a:p>
@@ -4542,8 +4546,13 @@
         <a:p>
           <a:r>
             <a:rPr lang="fr-FR" sz="1800" dirty="0"/>
-            <a:t>Business intelligence:  Analyse et utilisation de la donnée</a:t>
+            <a:t>Business intelligence:  Analyse et utilisation </a:t>
           </a:r>
+          <a:r>
+            <a:rPr lang="fr-FR" sz="1800" dirty="0" smtClean="0"/>
+            <a:t>des données</a:t>
+          </a:r>
+          <a:endParaRPr lang="fr-FR" sz="1800" dirty="0"/>
         </a:p>
       </dgm:t>
     </dgm:pt>
@@ -4584,7 +4593,15 @@
         <a:p>
           <a:r>
             <a:rPr lang="fr-FR" sz="2000" dirty="0"/>
-            <a:t> Traitement de la donnée et process</a:t>
+            <a:t> Traitement </a:t>
+          </a:r>
+          <a:r>
+            <a:rPr lang="fr-FR" sz="2000" dirty="0" smtClean="0"/>
+            <a:t>des données </a:t>
+          </a:r>
+          <a:r>
+            <a:rPr lang="fr-FR" sz="2000" dirty="0"/>
+            <a:t>et process</a:t>
           </a:r>
         </a:p>
       </dgm:t>
@@ -4620,8 +4637,13 @@
         <a:p>
           <a:r>
             <a:rPr lang="fr-FR" sz="2000" dirty="0"/>
-            <a:t>Telecom et réseaux: Circulation de la donnée</a:t>
+            <a:t>Telecom et réseaux: Circulation </a:t>
           </a:r>
+          <a:r>
+            <a:rPr lang="fr-FR" sz="2000" dirty="0" smtClean="0"/>
+            <a:t>des données</a:t>
+          </a:r>
+          <a:endParaRPr lang="fr-FR" sz="2000" dirty="0"/>
         </a:p>
       </dgm:t>
     </dgm:pt>
@@ -4659,8 +4681,12 @@
             <a:t>Objets </a:t>
           </a:r>
           <a:r>
+            <a:rPr lang="fr-FR" sz="2000" dirty="0" smtClean="0"/>
+            <a:t>connectés</a:t>
+          </a:r>
+          <a:r>
             <a:rPr lang="fr-FR" sz="2000" dirty="0"/>
-            <a:t>connectes:</a:t>
+            <a:t>:</a:t>
           </a:r>
         </a:p>
       </dgm:t>
@@ -4907,7 +4933,23 @@
         <a:p>
           <a:r>
             <a:rPr lang="fr-FR" sz="1800" dirty="0"/>
-            <a:t>En se &lt;&lt;connectant&gt;&gt;,un objet prend de la valeur du service rendu grâce a cette connexion peut dépasser la valeur de l’objet seul</a:t>
+            <a:t>En se &lt;&lt;connectant&gt;&gt;,un objet prend de la valeur du service rendu grâce </a:t>
+          </a:r>
+          <a:r>
+            <a:rPr lang="fr-FR" sz="1800" dirty="0" smtClean="0"/>
+            <a:t>à </a:t>
+          </a:r>
+          <a:r>
+            <a:rPr lang="fr-FR" sz="1800" dirty="0"/>
+            <a:t>cette connexion </a:t>
+          </a:r>
+          <a:r>
+            <a:rPr lang="fr-FR" sz="1800" dirty="0" smtClean="0"/>
+            <a:t>qui peut </a:t>
+          </a:r>
+          <a:r>
+            <a:rPr lang="fr-FR" sz="1800" dirty="0"/>
+            <a:t>dépasser la valeur de l’objet seul</a:t>
           </a:r>
         </a:p>
       </dgm:t>
@@ -4978,8 +5020,12 @@
         <a:lstStyle/>
         <a:p>
           <a:r>
+            <a:rPr lang="fr-FR" sz="2000" dirty="0" smtClean="0"/>
+            <a:t>Les </a:t>
+          </a:r>
+          <a:r>
             <a:rPr lang="fr-FR" sz="2000" dirty="0"/>
-            <a:t>La données est l’élément clef du monde économique des plateformes d’échange</a:t>
+            <a:t>données est l’élément clef du monde économique des plateformes d’échange</a:t>
           </a:r>
         </a:p>
       </dgm:t>
@@ -5180,9 +5226,10 @@
         <a:lstStyle/>
         <a:p>
           <a:r>
-            <a:rPr lang="fr-FR"/>
-            <a:t>authentifier</a:t>
+            <a:rPr lang="fr-FR" dirty="0" smtClean="0"/>
+            <a:t>S’authentifier</a:t>
           </a:r>
+          <a:endParaRPr lang="fr-FR" dirty="0"/>
         </a:p>
       </dgm:t>
     </dgm:pt>
@@ -5328,46 +5375,6 @@
         </a:p>
       </dgm:t>
     </dgm:pt>
-    <dgm:pt modelId="{3C330A5A-554A-48B4-AF10-75BE2AB9B943}">
-      <dgm:prSet phldrT="[Texte]"/>
-      <dgm:spPr/>
-      <dgm:t>
-        <a:bodyPr/>
-        <a:lstStyle/>
-        <a:p>
-          <a:pPr>
-            <a:buFont typeface="Symbol" panose="05050102010706020507" pitchFamily="18" charset="2"/>
-            <a:buChar char=""/>
-          </a:pPr>
-          <a:r>
-            <a:rPr lang="fr-FR" dirty="0"/>
-            <a:t>envoyer des ordres</a:t>
-          </a:r>
-        </a:p>
-      </dgm:t>
-    </dgm:pt>
-    <dgm:pt modelId="{4B287BC0-79C9-4059-B5B0-5D384C46CF8E}" type="parTrans" cxnId="{BE6B3B0A-8C25-43C6-9000-4AA1B0A269C8}">
-      <dgm:prSet/>
-      <dgm:spPr/>
-      <dgm:t>
-        <a:bodyPr/>
-        <a:lstStyle/>
-        <a:p>
-          <a:endParaRPr lang="fr-FR"/>
-        </a:p>
-      </dgm:t>
-    </dgm:pt>
-    <dgm:pt modelId="{58F5257C-0F92-44D7-BD77-67E95F0A03AE}" type="sibTrans" cxnId="{BE6B3B0A-8C25-43C6-9000-4AA1B0A269C8}">
-      <dgm:prSet/>
-      <dgm:spPr/>
-      <dgm:t>
-        <a:bodyPr/>
-        <a:lstStyle/>
-        <a:p>
-          <a:endParaRPr lang="fr-FR"/>
-        </a:p>
-      </dgm:t>
-    </dgm:pt>
     <dgm:pt modelId="{8FB30078-CCB5-48A1-B82B-FFEA05074D0B}">
       <dgm:prSet phldrT="[Texte]"/>
       <dgm:spPr/>
@@ -5426,7 +5433,7 @@
       </dgm:t>
     </dgm:pt>
     <dgm:pt modelId="{74CC9A6F-DC5B-4678-8744-589E608DAD4C}" type="pres">
-      <dgm:prSet presAssocID="{E3873C09-1928-4C37-8E1A-5A04BCA869E9}" presName="node" presStyleLbl="node1" presStyleIdx="0" presStyleCnt="6">
+      <dgm:prSet presAssocID="{E3873C09-1928-4C37-8E1A-5A04BCA869E9}" presName="node" presStyleLbl="node1" presStyleIdx="0" presStyleCnt="5">
         <dgm:presLayoutVars>
           <dgm:bulletEnabled val="1"/>
         </dgm:presLayoutVars>
@@ -5441,7 +5448,7 @@
       </dgm:t>
     </dgm:pt>
     <dgm:pt modelId="{6D24681E-5A6B-493A-9A18-852444F5B4D2}" type="pres">
-      <dgm:prSet presAssocID="{255F5A42-9FFE-4BF6-AFC8-BEA817047AA6}" presName="sibTrans" presStyleLbl="sibTrans2D1" presStyleIdx="0" presStyleCnt="6"/>
+      <dgm:prSet presAssocID="{255F5A42-9FFE-4BF6-AFC8-BEA817047AA6}" presName="sibTrans" presStyleLbl="sibTrans2D1" presStyleIdx="0" presStyleCnt="5"/>
       <dgm:spPr/>
       <dgm:t>
         <a:bodyPr/>
@@ -5452,7 +5459,7 @@
       </dgm:t>
     </dgm:pt>
     <dgm:pt modelId="{FE487D83-8628-465C-88DD-B978893F0CCC}" type="pres">
-      <dgm:prSet presAssocID="{255F5A42-9FFE-4BF6-AFC8-BEA817047AA6}" presName="connectorText" presStyleLbl="sibTrans2D1" presStyleIdx="0" presStyleCnt="6"/>
+      <dgm:prSet presAssocID="{255F5A42-9FFE-4BF6-AFC8-BEA817047AA6}" presName="connectorText" presStyleLbl="sibTrans2D1" presStyleIdx="0" presStyleCnt="5"/>
       <dgm:spPr/>
       <dgm:t>
         <a:bodyPr/>
@@ -5463,7 +5470,7 @@
       </dgm:t>
     </dgm:pt>
     <dgm:pt modelId="{E99ABE09-CFE3-4595-80DF-31A32E038C04}" type="pres">
-      <dgm:prSet presAssocID="{E7169D49-A5F5-4F86-A0F1-5226C9331955}" presName="node" presStyleLbl="node1" presStyleIdx="1" presStyleCnt="6">
+      <dgm:prSet presAssocID="{E7169D49-A5F5-4F86-A0F1-5226C9331955}" presName="node" presStyleLbl="node1" presStyleIdx="1" presStyleCnt="5">
         <dgm:presLayoutVars>
           <dgm:bulletEnabled val="1"/>
         </dgm:presLayoutVars>
@@ -5478,7 +5485,7 @@
       </dgm:t>
     </dgm:pt>
     <dgm:pt modelId="{7B0422D2-CE29-4E5D-8C32-42669D9805AA}" type="pres">
-      <dgm:prSet presAssocID="{93EFDF45-7F26-433B-86BB-C6796E12F9F2}" presName="sibTrans" presStyleLbl="sibTrans2D1" presStyleIdx="1" presStyleCnt="6"/>
+      <dgm:prSet presAssocID="{93EFDF45-7F26-433B-86BB-C6796E12F9F2}" presName="sibTrans" presStyleLbl="sibTrans2D1" presStyleIdx="1" presStyleCnt="5"/>
       <dgm:spPr/>
       <dgm:t>
         <a:bodyPr/>
@@ -5489,7 +5496,7 @@
       </dgm:t>
     </dgm:pt>
     <dgm:pt modelId="{47993EEA-A7EE-4FD5-8825-D588323F7EC8}" type="pres">
-      <dgm:prSet presAssocID="{93EFDF45-7F26-433B-86BB-C6796E12F9F2}" presName="connectorText" presStyleLbl="sibTrans2D1" presStyleIdx="1" presStyleCnt="6"/>
+      <dgm:prSet presAssocID="{93EFDF45-7F26-433B-86BB-C6796E12F9F2}" presName="connectorText" presStyleLbl="sibTrans2D1" presStyleIdx="1" presStyleCnt="5"/>
       <dgm:spPr/>
       <dgm:t>
         <a:bodyPr/>
@@ -5500,7 +5507,7 @@
       </dgm:t>
     </dgm:pt>
     <dgm:pt modelId="{DF02928E-BD1B-4C7C-B93E-35330A2CE52B}" type="pres">
-      <dgm:prSet presAssocID="{D4DBF440-C283-4F2D-BB49-6B8D9B93B529}" presName="node" presStyleLbl="node1" presStyleIdx="2" presStyleCnt="6">
+      <dgm:prSet presAssocID="{D4DBF440-C283-4F2D-BB49-6B8D9B93B529}" presName="node" presStyleLbl="node1" presStyleIdx="2" presStyleCnt="5">
         <dgm:presLayoutVars>
           <dgm:bulletEnabled val="1"/>
         </dgm:presLayoutVars>
@@ -5515,7 +5522,7 @@
       </dgm:t>
     </dgm:pt>
     <dgm:pt modelId="{379281F5-5BEC-4572-A6D0-21F2A0C0AB03}" type="pres">
-      <dgm:prSet presAssocID="{A227D690-3B8B-47E0-A4EB-EB3FF46BF0F4}" presName="sibTrans" presStyleLbl="sibTrans2D1" presStyleIdx="2" presStyleCnt="6"/>
+      <dgm:prSet presAssocID="{A227D690-3B8B-47E0-A4EB-EB3FF46BF0F4}" presName="sibTrans" presStyleLbl="sibTrans2D1" presStyleIdx="2" presStyleCnt="5"/>
       <dgm:spPr/>
       <dgm:t>
         <a:bodyPr/>
@@ -5526,7 +5533,7 @@
       </dgm:t>
     </dgm:pt>
     <dgm:pt modelId="{C3F1D7A7-0849-4697-A73B-A90EE665427C}" type="pres">
-      <dgm:prSet presAssocID="{A227D690-3B8B-47E0-A4EB-EB3FF46BF0F4}" presName="connectorText" presStyleLbl="sibTrans2D1" presStyleIdx="2" presStyleCnt="6"/>
+      <dgm:prSet presAssocID="{A227D690-3B8B-47E0-A4EB-EB3FF46BF0F4}" presName="connectorText" presStyleLbl="sibTrans2D1" presStyleIdx="2" presStyleCnt="5"/>
       <dgm:spPr/>
       <dgm:t>
         <a:bodyPr/>
@@ -5537,7 +5544,7 @@
       </dgm:t>
     </dgm:pt>
     <dgm:pt modelId="{71E4E755-1758-42C8-94AD-06C6DDA6E523}" type="pres">
-      <dgm:prSet presAssocID="{CDCF88D5-F4AE-44CE-BB2D-CC6B70178C07}" presName="node" presStyleLbl="node1" presStyleIdx="3" presStyleCnt="6">
+      <dgm:prSet presAssocID="{CDCF88D5-F4AE-44CE-BB2D-CC6B70178C07}" presName="node" presStyleLbl="node1" presStyleIdx="3" presStyleCnt="5">
         <dgm:presLayoutVars>
           <dgm:bulletEnabled val="1"/>
         </dgm:presLayoutVars>
@@ -5552,7 +5559,7 @@
       </dgm:t>
     </dgm:pt>
     <dgm:pt modelId="{BC66F32C-D101-4B7A-8EB5-831EAF1D9773}" type="pres">
-      <dgm:prSet presAssocID="{32CC6392-8EE6-4DF4-B8BD-12A1F83269F9}" presName="sibTrans" presStyleLbl="sibTrans2D1" presStyleIdx="3" presStyleCnt="6"/>
+      <dgm:prSet presAssocID="{32CC6392-8EE6-4DF4-B8BD-12A1F83269F9}" presName="sibTrans" presStyleLbl="sibTrans2D1" presStyleIdx="3" presStyleCnt="5"/>
       <dgm:spPr/>
       <dgm:t>
         <a:bodyPr/>
@@ -5563,44 +5570,7 @@
       </dgm:t>
     </dgm:pt>
     <dgm:pt modelId="{E3E21F92-87C2-4626-9001-0446B233AC81}" type="pres">
-      <dgm:prSet presAssocID="{32CC6392-8EE6-4DF4-B8BD-12A1F83269F9}" presName="connectorText" presStyleLbl="sibTrans2D1" presStyleIdx="3" presStyleCnt="6"/>
-      <dgm:spPr/>
-      <dgm:t>
-        <a:bodyPr/>
-        <a:lstStyle/>
-        <a:p>
-          <a:endParaRPr lang="fr-FR"/>
-        </a:p>
-      </dgm:t>
-    </dgm:pt>
-    <dgm:pt modelId="{5D754808-5795-4A41-B5DF-A37691767FCC}" type="pres">
-      <dgm:prSet presAssocID="{3C330A5A-554A-48B4-AF10-75BE2AB9B943}" presName="node" presStyleLbl="node1" presStyleIdx="4" presStyleCnt="6">
-        <dgm:presLayoutVars>
-          <dgm:bulletEnabled val="1"/>
-        </dgm:presLayoutVars>
-      </dgm:prSet>
-      <dgm:spPr/>
-      <dgm:t>
-        <a:bodyPr/>
-        <a:lstStyle/>
-        <a:p>
-          <a:endParaRPr lang="fr-FR"/>
-        </a:p>
-      </dgm:t>
-    </dgm:pt>
-    <dgm:pt modelId="{FB3B65CD-0D2D-40E5-A7CA-63C42B1505C6}" type="pres">
-      <dgm:prSet presAssocID="{58F5257C-0F92-44D7-BD77-67E95F0A03AE}" presName="sibTrans" presStyleLbl="sibTrans2D1" presStyleIdx="4" presStyleCnt="6"/>
-      <dgm:spPr/>
-      <dgm:t>
-        <a:bodyPr/>
-        <a:lstStyle/>
-        <a:p>
-          <a:endParaRPr lang="fr-FR"/>
-        </a:p>
-      </dgm:t>
-    </dgm:pt>
-    <dgm:pt modelId="{6EA9BA27-9AAD-44A0-A567-F064A5426C12}" type="pres">
-      <dgm:prSet presAssocID="{58F5257C-0F92-44D7-BD77-67E95F0A03AE}" presName="connectorText" presStyleLbl="sibTrans2D1" presStyleIdx="4" presStyleCnt="6"/>
+      <dgm:prSet presAssocID="{32CC6392-8EE6-4DF4-B8BD-12A1F83269F9}" presName="connectorText" presStyleLbl="sibTrans2D1" presStyleIdx="3" presStyleCnt="5"/>
       <dgm:spPr/>
       <dgm:t>
         <a:bodyPr/>
@@ -5611,7 +5581,7 @@
       </dgm:t>
     </dgm:pt>
     <dgm:pt modelId="{74AACC6F-BACB-46E4-96DD-602B2CFEBC7B}" type="pres">
-      <dgm:prSet presAssocID="{8FB30078-CCB5-48A1-B82B-FFEA05074D0B}" presName="node" presStyleLbl="node1" presStyleIdx="5" presStyleCnt="6">
+      <dgm:prSet presAssocID="{8FB30078-CCB5-48A1-B82B-FFEA05074D0B}" presName="node" presStyleLbl="node1" presStyleIdx="4" presStyleCnt="5">
         <dgm:presLayoutVars>
           <dgm:bulletEnabled val="1"/>
         </dgm:presLayoutVars>
@@ -5626,7 +5596,7 @@
       </dgm:t>
     </dgm:pt>
     <dgm:pt modelId="{D4FF153E-5DE1-4DF9-9400-A4ABD0848ED1}" type="pres">
-      <dgm:prSet presAssocID="{D3428157-C1E8-4FAF-BB69-8DB61EC3CF84}" presName="sibTrans" presStyleLbl="sibTrans2D1" presStyleIdx="5" presStyleCnt="6"/>
+      <dgm:prSet presAssocID="{D3428157-C1E8-4FAF-BB69-8DB61EC3CF84}" presName="sibTrans" presStyleLbl="sibTrans2D1" presStyleIdx="4" presStyleCnt="5"/>
       <dgm:spPr/>
       <dgm:t>
         <a:bodyPr/>
@@ -5637,7 +5607,7 @@
       </dgm:t>
     </dgm:pt>
     <dgm:pt modelId="{DBF7F58E-1A96-4DF1-8B6B-69238D94A8D0}" type="pres">
-      <dgm:prSet presAssocID="{D3428157-C1E8-4FAF-BB69-8DB61EC3CF84}" presName="connectorText" presStyleLbl="sibTrans2D1" presStyleIdx="5" presStyleCnt="6"/>
+      <dgm:prSet presAssocID="{D3428157-C1E8-4FAF-BB69-8DB61EC3CF84}" presName="connectorText" presStyleLbl="sibTrans2D1" presStyleIdx="4" presStyleCnt="5"/>
       <dgm:spPr/>
       <dgm:t>
         <a:bodyPr/>
@@ -5649,28 +5619,24 @@
     </dgm:pt>
   </dgm:ptLst>
   <dgm:cxnLst>
-    <dgm:cxn modelId="{4ACDCA98-3E0B-4B64-AE1B-A6107223C0A4}" type="presOf" srcId="{3C330A5A-554A-48B4-AF10-75BE2AB9B943}" destId="{5D754808-5795-4A41-B5DF-A37691767FCC}" srcOrd="0" destOrd="0" presId="urn:microsoft.com/office/officeart/2005/8/layout/cycle2"/>
     <dgm:cxn modelId="{06D1BB65-448B-4114-B09D-E3D46BDFB84C}" type="presOf" srcId="{8FB30078-CCB5-48A1-B82B-FFEA05074D0B}" destId="{74AACC6F-BACB-46E4-96DD-602B2CFEBC7B}" srcOrd="0" destOrd="0" presId="urn:microsoft.com/office/officeart/2005/8/layout/cycle2"/>
     <dgm:cxn modelId="{8628FE3F-6105-419F-9711-049FDC0325DF}" type="presOf" srcId="{D3428157-C1E8-4FAF-BB69-8DB61EC3CF84}" destId="{D4FF153E-5DE1-4DF9-9400-A4ABD0848ED1}" srcOrd="0" destOrd="0" presId="urn:microsoft.com/office/officeart/2005/8/layout/cycle2"/>
     <dgm:cxn modelId="{AF6D0305-4769-48F0-8E4E-F7503B67FDFF}" type="presOf" srcId="{255F5A42-9FFE-4BF6-AFC8-BEA817047AA6}" destId="{6D24681E-5A6B-493A-9A18-852444F5B4D2}" srcOrd="0" destOrd="0" presId="urn:microsoft.com/office/officeart/2005/8/layout/cycle2"/>
     <dgm:cxn modelId="{41F12B09-FB50-4A26-A97F-45F48507EB5A}" type="presOf" srcId="{A227D690-3B8B-47E0-A4EB-EB3FF46BF0F4}" destId="{C3F1D7A7-0849-4697-A73B-A90EE665427C}" srcOrd="1" destOrd="0" presId="urn:microsoft.com/office/officeart/2005/8/layout/cycle2"/>
-    <dgm:cxn modelId="{C2301316-639D-45F8-8DCF-D4AFF6831623}" type="presOf" srcId="{58F5257C-0F92-44D7-BD77-67E95F0A03AE}" destId="{6EA9BA27-9AAD-44A0-A567-F064A5426C12}" srcOrd="1" destOrd="0" presId="urn:microsoft.com/office/officeart/2005/8/layout/cycle2"/>
     <dgm:cxn modelId="{2E61549D-AAFC-4F39-8737-4B158D713F5D}" type="presOf" srcId="{CDCF88D5-F4AE-44CE-BB2D-CC6B70178C07}" destId="{71E4E755-1758-42C8-94AD-06C6DDA6E523}" srcOrd="0" destOrd="0" presId="urn:microsoft.com/office/officeart/2005/8/layout/cycle2"/>
     <dgm:cxn modelId="{A4C770CF-8426-488F-BD42-4246BEFC8C62}" type="presOf" srcId="{93EFDF45-7F26-433B-86BB-C6796E12F9F2}" destId="{7B0422D2-CE29-4E5D-8C32-42669D9805AA}" srcOrd="0" destOrd="0" presId="urn:microsoft.com/office/officeart/2005/8/layout/cycle2"/>
     <dgm:cxn modelId="{8B6202FB-8972-4F2A-BD48-15EB1998726A}" type="presOf" srcId="{32CC6392-8EE6-4DF4-B8BD-12A1F83269F9}" destId="{E3E21F92-87C2-4626-9001-0446B233AC81}" srcOrd="1" destOrd="0" presId="urn:microsoft.com/office/officeart/2005/8/layout/cycle2"/>
     <dgm:cxn modelId="{987941A5-705E-47E5-87B7-E410BEF01BA0}" type="presOf" srcId="{255F5A42-9FFE-4BF6-AFC8-BEA817047AA6}" destId="{FE487D83-8628-465C-88DD-B978893F0CCC}" srcOrd="1" destOrd="0" presId="urn:microsoft.com/office/officeart/2005/8/layout/cycle2"/>
     <dgm:cxn modelId="{444E3F70-B403-4C42-9498-EC84BF3FDD4A}" srcId="{DCDF1032-6A5F-4D68-84A6-2B9EBDA1EDDE}" destId="{E7169D49-A5F5-4F86-A0F1-5226C9331955}" srcOrd="1" destOrd="0" parTransId="{65C0E757-2F70-41D3-A34E-DE5801D49B93}" sibTransId="{93EFDF45-7F26-433B-86BB-C6796E12F9F2}"/>
-    <dgm:cxn modelId="{BE6B3B0A-8C25-43C6-9000-4AA1B0A269C8}" srcId="{DCDF1032-6A5F-4D68-84A6-2B9EBDA1EDDE}" destId="{3C330A5A-554A-48B4-AF10-75BE2AB9B943}" srcOrd="4" destOrd="0" parTransId="{4B287BC0-79C9-4059-B5B0-5D384C46CF8E}" sibTransId="{58F5257C-0F92-44D7-BD77-67E95F0A03AE}"/>
     <dgm:cxn modelId="{F12CED79-3F32-48AC-B34E-1E935BCC991D}" type="presOf" srcId="{D3428157-C1E8-4FAF-BB69-8DB61EC3CF84}" destId="{DBF7F58E-1A96-4DF1-8B6B-69238D94A8D0}" srcOrd="1" destOrd="0" presId="urn:microsoft.com/office/officeart/2005/8/layout/cycle2"/>
     <dgm:cxn modelId="{709F3533-5F05-426A-B92D-11D7F598A344}" type="presOf" srcId="{E7169D49-A5F5-4F86-A0F1-5226C9331955}" destId="{E99ABE09-CFE3-4595-80DF-31A32E038C04}" srcOrd="0" destOrd="0" presId="urn:microsoft.com/office/officeart/2005/8/layout/cycle2"/>
     <dgm:cxn modelId="{217E154B-6573-4B0D-8ABB-08AC115D8D14}" type="presOf" srcId="{D4DBF440-C283-4F2D-BB49-6B8D9B93B529}" destId="{DF02928E-BD1B-4C7C-B93E-35330A2CE52B}" srcOrd="0" destOrd="0" presId="urn:microsoft.com/office/officeart/2005/8/layout/cycle2"/>
     <dgm:cxn modelId="{784A4F4A-335D-4D41-9FF0-9B67BC76C00D}" type="presOf" srcId="{A227D690-3B8B-47E0-A4EB-EB3FF46BF0F4}" destId="{379281F5-5BEC-4572-A6D0-21F2A0C0AB03}" srcOrd="0" destOrd="0" presId="urn:microsoft.com/office/officeart/2005/8/layout/cycle2"/>
     <dgm:cxn modelId="{385864B5-23C7-4EA0-B99D-848068A6F679}" srcId="{DCDF1032-6A5F-4D68-84A6-2B9EBDA1EDDE}" destId="{E3873C09-1928-4C37-8E1A-5A04BCA869E9}" srcOrd="0" destOrd="0" parTransId="{27AE0F7D-BDD1-4947-90B1-30EF5E0E488F}" sibTransId="{255F5A42-9FFE-4BF6-AFC8-BEA817047AA6}"/>
     <dgm:cxn modelId="{C20D9D67-1698-47E2-A587-52643803930A}" type="presOf" srcId="{E3873C09-1928-4C37-8E1A-5A04BCA869E9}" destId="{74CC9A6F-DC5B-4678-8744-589E608DAD4C}" srcOrd="0" destOrd="0" presId="urn:microsoft.com/office/officeart/2005/8/layout/cycle2"/>
-    <dgm:cxn modelId="{E7A40722-EA65-42AA-A24D-2B24A54E41D7}" srcId="{DCDF1032-6A5F-4D68-84A6-2B9EBDA1EDDE}" destId="{8FB30078-CCB5-48A1-B82B-FFEA05074D0B}" srcOrd="5" destOrd="0" parTransId="{E5F2A607-7E63-4DAE-82C1-0A9A96AE44D7}" sibTransId="{D3428157-C1E8-4FAF-BB69-8DB61EC3CF84}"/>
+    <dgm:cxn modelId="{E7A40722-EA65-42AA-A24D-2B24A54E41D7}" srcId="{DCDF1032-6A5F-4D68-84A6-2B9EBDA1EDDE}" destId="{8FB30078-CCB5-48A1-B82B-FFEA05074D0B}" srcOrd="4" destOrd="0" parTransId="{E5F2A607-7E63-4DAE-82C1-0A9A96AE44D7}" sibTransId="{D3428157-C1E8-4FAF-BB69-8DB61EC3CF84}"/>
     <dgm:cxn modelId="{B69A3B60-8FB1-4510-B25F-D77C5E374ABF}" type="presOf" srcId="{93EFDF45-7F26-433B-86BB-C6796E12F9F2}" destId="{47993EEA-A7EE-4FD5-8825-D588323F7EC8}" srcOrd="1" destOrd="0" presId="urn:microsoft.com/office/officeart/2005/8/layout/cycle2"/>
     <dgm:cxn modelId="{68EEA6FB-0B79-440F-B7E2-D7C76FF61B1E}" srcId="{DCDF1032-6A5F-4D68-84A6-2B9EBDA1EDDE}" destId="{D4DBF440-C283-4F2D-BB49-6B8D9B93B529}" srcOrd="2" destOrd="0" parTransId="{5558BC3B-4992-4C41-96D6-D5953E211673}" sibTransId="{A227D690-3B8B-47E0-A4EB-EB3FF46BF0F4}"/>
-    <dgm:cxn modelId="{0C49CEE3-B0DC-4430-8734-D8352E0D7704}" type="presOf" srcId="{58F5257C-0F92-44D7-BD77-67E95F0A03AE}" destId="{FB3B65CD-0D2D-40E5-A7CA-63C42B1505C6}" srcOrd="0" destOrd="0" presId="urn:microsoft.com/office/officeart/2005/8/layout/cycle2"/>
     <dgm:cxn modelId="{317E3542-0FE6-453B-B40D-039D76DE7E58}" type="presOf" srcId="{DCDF1032-6A5F-4D68-84A6-2B9EBDA1EDDE}" destId="{4100E6FC-EFA8-4548-930A-344AB5EF5EFD}" srcOrd="0" destOrd="0" presId="urn:microsoft.com/office/officeart/2005/8/layout/cycle2"/>
     <dgm:cxn modelId="{86CFA7A2-5A6A-4313-8113-849A4AD3C7D6}" type="presOf" srcId="{32CC6392-8EE6-4DF4-B8BD-12A1F83269F9}" destId="{BC66F32C-D101-4B7A-8EB5-831EAF1D9773}" srcOrd="0" destOrd="0" presId="urn:microsoft.com/office/officeart/2005/8/layout/cycle2"/>
     <dgm:cxn modelId="{4EB9763C-80CB-462D-B404-82CD1A7E4728}" srcId="{DCDF1032-6A5F-4D68-84A6-2B9EBDA1EDDE}" destId="{CDCF88D5-F4AE-44CE-BB2D-CC6B70178C07}" srcOrd="3" destOrd="0" parTransId="{FF45C6CD-A002-454B-8570-C9FF6D70DEDA}" sibTransId="{32CC6392-8EE6-4DF4-B8BD-12A1F83269F9}"/>
@@ -5686,11 +5652,8 @@
     <dgm:cxn modelId="{D7C69E3E-33F7-459C-A3AE-39519389F487}" type="presParOf" srcId="{4100E6FC-EFA8-4548-930A-344AB5EF5EFD}" destId="{71E4E755-1758-42C8-94AD-06C6DDA6E523}" srcOrd="6" destOrd="0" presId="urn:microsoft.com/office/officeart/2005/8/layout/cycle2"/>
     <dgm:cxn modelId="{E0F875C7-E5EB-4F52-BC58-27CABD24D923}" type="presParOf" srcId="{4100E6FC-EFA8-4548-930A-344AB5EF5EFD}" destId="{BC66F32C-D101-4B7A-8EB5-831EAF1D9773}" srcOrd="7" destOrd="0" presId="urn:microsoft.com/office/officeart/2005/8/layout/cycle2"/>
     <dgm:cxn modelId="{077D300F-00F3-476C-98EE-4ED059138FCA}" type="presParOf" srcId="{BC66F32C-D101-4B7A-8EB5-831EAF1D9773}" destId="{E3E21F92-87C2-4626-9001-0446B233AC81}" srcOrd="0" destOrd="0" presId="urn:microsoft.com/office/officeart/2005/8/layout/cycle2"/>
-    <dgm:cxn modelId="{76A7800D-F7BC-4235-8064-EC414F1D4A3B}" type="presParOf" srcId="{4100E6FC-EFA8-4548-930A-344AB5EF5EFD}" destId="{5D754808-5795-4A41-B5DF-A37691767FCC}" srcOrd="8" destOrd="0" presId="urn:microsoft.com/office/officeart/2005/8/layout/cycle2"/>
-    <dgm:cxn modelId="{D2E386CC-D33E-4703-A9BC-819601DD2CFC}" type="presParOf" srcId="{4100E6FC-EFA8-4548-930A-344AB5EF5EFD}" destId="{FB3B65CD-0D2D-40E5-A7CA-63C42B1505C6}" srcOrd="9" destOrd="0" presId="urn:microsoft.com/office/officeart/2005/8/layout/cycle2"/>
-    <dgm:cxn modelId="{F5D57DBC-4692-4F6A-A442-C9FED6955DB4}" type="presParOf" srcId="{FB3B65CD-0D2D-40E5-A7CA-63C42B1505C6}" destId="{6EA9BA27-9AAD-44A0-A567-F064A5426C12}" srcOrd="0" destOrd="0" presId="urn:microsoft.com/office/officeart/2005/8/layout/cycle2"/>
-    <dgm:cxn modelId="{5D7CD07B-36F7-499F-B982-B4A49D59864F}" type="presParOf" srcId="{4100E6FC-EFA8-4548-930A-344AB5EF5EFD}" destId="{74AACC6F-BACB-46E4-96DD-602B2CFEBC7B}" srcOrd="10" destOrd="0" presId="urn:microsoft.com/office/officeart/2005/8/layout/cycle2"/>
-    <dgm:cxn modelId="{DB8CA442-0A7C-4B7E-ACC5-069D81989F09}" type="presParOf" srcId="{4100E6FC-EFA8-4548-930A-344AB5EF5EFD}" destId="{D4FF153E-5DE1-4DF9-9400-A4ABD0848ED1}" srcOrd="11" destOrd="0" presId="urn:microsoft.com/office/officeart/2005/8/layout/cycle2"/>
+    <dgm:cxn modelId="{5D7CD07B-36F7-499F-B982-B4A49D59864F}" type="presParOf" srcId="{4100E6FC-EFA8-4548-930A-344AB5EF5EFD}" destId="{74AACC6F-BACB-46E4-96DD-602B2CFEBC7B}" srcOrd="8" destOrd="0" presId="urn:microsoft.com/office/officeart/2005/8/layout/cycle2"/>
+    <dgm:cxn modelId="{DB8CA442-0A7C-4B7E-ACC5-069D81989F09}" type="presParOf" srcId="{4100E6FC-EFA8-4548-930A-344AB5EF5EFD}" destId="{D4FF153E-5DE1-4DF9-9400-A4ABD0848ED1}" srcOrd="9" destOrd="0" presId="urn:microsoft.com/office/officeart/2005/8/layout/cycle2"/>
     <dgm:cxn modelId="{259F6E99-E05E-4D2F-BB04-E90D136F6B56}" type="presParOf" srcId="{D4FF153E-5DE1-4DF9-9400-A4ABD0848ED1}" destId="{DBF7F58E-1A96-4DF1-8B6B-69238D94A8D0}" srcOrd="0" destOrd="0" presId="urn:microsoft.com/office/officeart/2005/8/layout/cycle2"/>
   </dgm:cxnLst>
   <dgm:bg/>
@@ -6319,7 +6282,11 @@
           </a:pPr>
           <a:r>
             <a:rPr lang="fr-FR" sz="1300" b="1" kern="1200" dirty="0"/>
-            <a:t>Choix méthodologique et technologique</a:t>
+            <a:t>Choix méthodologique et </a:t>
+          </a:r>
+          <a:r>
+            <a:rPr lang="fr-FR" sz="1300" b="1" kern="1200" dirty="0" smtClean="0"/>
+            <a:t>technologiques</a:t>
           </a:r>
           <a:endParaRPr lang="fr-FR" sz="1300" kern="1200" dirty="0"/>
         </a:p>
@@ -7003,8 +6970,13 @@
           </a:pPr>
           <a:r>
             <a:rPr lang="fr-FR" sz="1800" kern="1200" dirty="0"/>
-            <a:t>Business intelligence:  Analyse et utilisation de la donnée</a:t>
+            <a:t>Business intelligence:  Analyse et utilisation </a:t>
           </a:r>
+          <a:r>
+            <a:rPr lang="fr-FR" sz="1800" kern="1200" dirty="0" smtClean="0"/>
+            <a:t>des données</a:t>
+          </a:r>
+          <a:endParaRPr lang="fr-FR" sz="1800" kern="1200" dirty="0"/>
         </a:p>
       </dsp:txBody>
       <dsp:txXfrm>
@@ -7184,7 +7156,15 @@
           </a:pPr>
           <a:r>
             <a:rPr lang="fr-FR" sz="2000" kern="1200" dirty="0"/>
-            <a:t> Traitement de la donnée et process</a:t>
+            <a:t> Traitement </a:t>
+          </a:r>
+          <a:r>
+            <a:rPr lang="fr-FR" sz="2000" kern="1200" dirty="0" smtClean="0"/>
+            <a:t>des données </a:t>
+          </a:r>
+          <a:r>
+            <a:rPr lang="fr-FR" sz="2000" kern="1200" dirty="0"/>
+            <a:t>et process</a:t>
           </a:r>
         </a:p>
       </dsp:txBody>
@@ -7348,8 +7328,13 @@
           </a:pPr>
           <a:r>
             <a:rPr lang="fr-FR" sz="2000" kern="1200" dirty="0"/>
-            <a:t>Telecom et réseaux: Circulation de la donnée</a:t>
+            <a:t>Telecom et réseaux: Circulation </a:t>
           </a:r>
+          <a:r>
+            <a:rPr lang="fr-FR" sz="2000" kern="1200" dirty="0" smtClean="0"/>
+            <a:t>des données</a:t>
+          </a:r>
+          <a:endParaRPr lang="fr-FR" sz="2000" kern="1200" dirty="0"/>
         </a:p>
       </dsp:txBody>
       <dsp:txXfrm>
@@ -7515,8 +7500,12 @@
             <a:t>Objets </a:t>
           </a:r>
           <a:r>
+            <a:rPr lang="fr-FR" sz="2000" kern="1200" dirty="0" smtClean="0"/>
+            <a:t>connectés</a:t>
+          </a:r>
+          <a:r>
             <a:rPr lang="fr-FR" sz="2000" kern="1200" dirty="0"/>
-            <a:t>connectes:</a:t>
+            <a:t>:</a:t>
           </a:r>
         </a:p>
       </dsp:txBody>
@@ -7640,7 +7629,23 @@
           </a:pPr>
           <a:r>
             <a:rPr lang="fr-FR" sz="1800" kern="1200" dirty="0"/>
-            <a:t>En se &lt;&lt;connectant&gt;&gt;,un objet prend de la valeur du service rendu grâce a cette connexion peut dépasser la valeur de l’objet seul</a:t>
+            <a:t>En se &lt;&lt;connectant&gt;&gt;,un objet prend de la valeur du service rendu grâce </a:t>
+          </a:r>
+          <a:r>
+            <a:rPr lang="fr-FR" sz="1800" kern="1200" dirty="0" smtClean="0"/>
+            <a:t>à </a:t>
+          </a:r>
+          <a:r>
+            <a:rPr lang="fr-FR" sz="1800" kern="1200" dirty="0"/>
+            <a:t>cette connexion </a:t>
+          </a:r>
+          <a:r>
+            <a:rPr lang="fr-FR" sz="1800" kern="1200" dirty="0" smtClean="0"/>
+            <a:t>qui peut </a:t>
+          </a:r>
+          <a:r>
+            <a:rPr lang="fr-FR" sz="1800" kern="1200" dirty="0"/>
+            <a:t>dépasser la valeur de l’objet seul</a:t>
           </a:r>
         </a:p>
       </dsp:txBody>
@@ -7967,8 +7972,12 @@
             </a:spcAft>
           </a:pPr>
           <a:r>
+            <a:rPr lang="fr-FR" sz="2000" kern="1200" dirty="0" smtClean="0"/>
+            <a:t>Les </a:t>
+          </a:r>
+          <a:r>
             <a:rPr lang="fr-FR" sz="2000" kern="1200" dirty="0"/>
-            <a:t>La données est l’élément clef du monde économique des plateformes d’échange</a:t>
+            <a:t>données est l’élément clef du monde économique des plateformes d’échange</a:t>
           </a:r>
         </a:p>
       </dsp:txBody>
@@ -7996,8 +8005,8 @@
       </dsp:nvSpPr>
       <dsp:spPr>
         <a:xfrm>
-          <a:off x="4714819" y="1093"/>
-          <a:ext cx="1085961" cy="1085961"/>
+          <a:off x="4600575" y="231"/>
+          <a:ext cx="1314449" cy="1314449"/>
         </a:xfrm>
         <a:prstGeom prst="ellipse">
           <a:avLst/>
@@ -8039,12 +8048,12 @@
         </a:fontRef>
       </dsp:style>
       <dsp:txBody>
-        <a:bodyPr spcFirstLastPara="0" vert="horz" wrap="square" lIns="13970" tIns="13970" rIns="13970" bIns="13970" numCol="1" spcCol="1270" anchor="ctr" anchorCtr="0">
+        <a:bodyPr spcFirstLastPara="0" vert="horz" wrap="square" lIns="15240" tIns="15240" rIns="15240" bIns="15240" numCol="1" spcCol="1270" anchor="ctr" anchorCtr="0">
           <a:noAutofit/>
         </a:bodyPr>
         <a:lstStyle/>
         <a:p>
-          <a:pPr lvl="0" algn="ctr" defTabSz="488950">
+          <a:pPr lvl="0" algn="ctr" defTabSz="533400">
             <a:lnSpc>
               <a:spcPct val="90000"/>
             </a:lnSpc>
@@ -8056,14 +8065,15 @@
             </a:spcAft>
           </a:pPr>
           <a:r>
-            <a:rPr lang="fr-FR" sz="1100" kern="1200"/>
-            <a:t>authentifier</a:t>
+            <a:rPr lang="fr-FR" sz="1200" kern="1200" dirty="0" smtClean="0"/>
+            <a:t>S’authentifier</a:t>
           </a:r>
+          <a:endParaRPr lang="fr-FR" sz="1200" kern="1200" dirty="0"/>
         </a:p>
       </dsp:txBody>
       <dsp:txXfrm>
-        <a:off x="4873854" y="160128"/>
-        <a:ext cx="767891" cy="767891"/>
+        <a:off x="4793072" y="192728"/>
+        <a:ext cx="929455" cy="929455"/>
       </dsp:txXfrm>
     </dsp:sp>
     <dsp:sp modelId="{6D24681E-5A6B-493A-9A18-852444F5B4D2}">
@@ -8072,9 +8082,9 @@
         <dsp:cNvSpPr/>
       </dsp:nvSpPr>
       <dsp:spPr>
-        <a:xfrm rot="1800000">
-          <a:off x="5812620" y="764624"/>
-          <a:ext cx="289185" cy="366512"/>
+        <a:xfrm rot="2160000">
+          <a:off x="5873411" y="1009740"/>
+          <a:ext cx="349131" cy="443626"/>
         </a:xfrm>
         <a:prstGeom prst="rightArrow">
           <a:avLst>
@@ -8131,8 +8141,8 @@
         </a:p>
       </dsp:txBody>
       <dsp:txXfrm>
-        <a:off x="5818431" y="816237"/>
-        <a:ext cx="202430" cy="219908"/>
+        <a:off x="5883413" y="1067683"/>
+        <a:ext cx="244392" cy="266176"/>
       </dsp:txXfrm>
     </dsp:sp>
     <dsp:sp modelId="{E99ABE09-CFE3-4595-80DF-31A32E038C04}">
@@ -8142,8 +8152,8 @@
       </dsp:nvSpPr>
       <dsp:spPr>
         <a:xfrm>
-          <a:off x="6127821" y="816890"/>
-          <a:ext cx="1085961" cy="1085961"/>
+          <a:off x="6196918" y="1160042"/>
+          <a:ext cx="1314449" cy="1314449"/>
         </a:xfrm>
         <a:prstGeom prst="ellipse">
           <a:avLst/>
@@ -8185,12 +8195,12 @@
         </a:fontRef>
       </dsp:style>
       <dsp:txBody>
-        <a:bodyPr spcFirstLastPara="0" vert="horz" wrap="square" lIns="13970" tIns="13970" rIns="13970" bIns="13970" numCol="1" spcCol="1270" anchor="ctr" anchorCtr="0">
+        <a:bodyPr spcFirstLastPara="0" vert="horz" wrap="square" lIns="15240" tIns="15240" rIns="15240" bIns="15240" numCol="1" spcCol="1270" anchor="ctr" anchorCtr="0">
           <a:noAutofit/>
         </a:bodyPr>
         <a:lstStyle/>
         <a:p>
-          <a:pPr lvl="0" algn="ctr" defTabSz="488950">
+          <a:pPr lvl="0" algn="ctr" defTabSz="533400">
             <a:lnSpc>
               <a:spcPct val="90000"/>
             </a:lnSpc>
@@ -8204,14 +8214,14 @@
             <a:buChar char=""/>
           </a:pPr>
           <a:r>
-            <a:rPr lang="fr-FR" sz="1100" kern="1200" dirty="0"/>
+            <a:rPr lang="fr-FR" sz="1200" kern="1200" dirty="0"/>
             <a:t>Afficher une carte réelle</a:t>
           </a:r>
         </a:p>
       </dsp:txBody>
       <dsp:txXfrm>
-        <a:off x="6286856" y="975925"/>
-        <a:ext cx="767891" cy="767891"/>
+        <a:off x="6389415" y="1352539"/>
+        <a:ext cx="929455" cy="929455"/>
       </dsp:txXfrm>
     </dsp:sp>
     <dsp:sp modelId="{7B0422D2-CE29-4E5D-8C32-42669D9805AA}">
@@ -8220,9 +8230,454 @@
         <dsp:cNvSpPr/>
       </dsp:nvSpPr>
       <dsp:spPr>
-        <a:xfrm rot="5400000">
-          <a:off x="6526209" y="1984228"/>
-          <a:ext cx="289185" cy="366512"/>
+        <a:xfrm rot="6480000">
+          <a:off x="6377756" y="2524363"/>
+          <a:ext cx="349131" cy="443626"/>
+        </a:xfrm>
+        <a:prstGeom prst="rightArrow">
+          <a:avLst>
+            <a:gd name="adj1" fmla="val 60000"/>
+            <a:gd name="adj2" fmla="val 50000"/>
+          </a:avLst>
+        </a:prstGeom>
+        <a:solidFill>
+          <a:schemeClr val="accent1">
+            <a:tint val="60000"/>
+            <a:hueOff val="0"/>
+            <a:satOff val="0"/>
+            <a:lumOff val="0"/>
+            <a:alphaOff val="0"/>
+          </a:schemeClr>
+        </a:solidFill>
+        <a:ln>
+          <a:noFill/>
+        </a:ln>
+        <a:effectLst/>
+      </dsp:spPr>
+      <dsp:style>
+        <a:lnRef idx="0">
+          <a:scrgbClr r="0" g="0" b="0"/>
+        </a:lnRef>
+        <a:fillRef idx="1">
+          <a:scrgbClr r="0" g="0" b="0"/>
+        </a:fillRef>
+        <a:effectRef idx="0">
+          <a:scrgbClr r="0" g="0" b="0"/>
+        </a:effectRef>
+        <a:fontRef idx="minor">
+          <a:schemeClr val="lt1"/>
+        </a:fontRef>
+      </dsp:style>
+      <dsp:txBody>
+        <a:bodyPr spcFirstLastPara="0" vert="horz" wrap="square" lIns="0" tIns="0" rIns="0" bIns="0" numCol="1" spcCol="1270" anchor="ctr" anchorCtr="0">
+          <a:noAutofit/>
+        </a:bodyPr>
+        <a:lstStyle/>
+        <a:p>
+          <a:pPr lvl="0" algn="ctr" defTabSz="400050">
+            <a:lnSpc>
+              <a:spcPct val="90000"/>
+            </a:lnSpc>
+            <a:spcBef>
+              <a:spcPct val="0"/>
+            </a:spcBef>
+            <a:spcAft>
+              <a:spcPct val="35000"/>
+            </a:spcAft>
+          </a:pPr>
+          <a:endParaRPr lang="fr-FR" sz="900" kern="1200"/>
+        </a:p>
+      </dsp:txBody>
+      <dsp:txXfrm rot="10800000">
+        <a:off x="6446309" y="2563282"/>
+        <a:ext cx="244392" cy="266176"/>
+      </dsp:txXfrm>
+    </dsp:sp>
+    <dsp:sp modelId="{DF02928E-BD1B-4C7C-B93E-35330A2CE52B}">
+      <dsp:nvSpPr>
+        <dsp:cNvPr id="0" name=""/>
+        <dsp:cNvSpPr/>
+      </dsp:nvSpPr>
+      <dsp:spPr>
+        <a:xfrm>
+          <a:off x="5587169" y="3036656"/>
+          <a:ext cx="1314449" cy="1314449"/>
+        </a:xfrm>
+        <a:prstGeom prst="ellipse">
+          <a:avLst/>
+        </a:prstGeom>
+        <a:solidFill>
+          <a:schemeClr val="accent1">
+            <a:hueOff val="0"/>
+            <a:satOff val="0"/>
+            <a:lumOff val="0"/>
+            <a:alphaOff val="0"/>
+          </a:schemeClr>
+        </a:solidFill>
+        <a:ln w="12700" cap="flat" cmpd="sng" algn="ctr">
+          <a:solidFill>
+            <a:schemeClr val="lt1">
+              <a:hueOff val="0"/>
+              <a:satOff val="0"/>
+              <a:lumOff val="0"/>
+              <a:alphaOff val="0"/>
+            </a:schemeClr>
+          </a:solidFill>
+          <a:prstDash val="solid"/>
+          <a:miter lim="800000"/>
+        </a:ln>
+        <a:effectLst/>
+      </dsp:spPr>
+      <dsp:style>
+        <a:lnRef idx="2">
+          <a:scrgbClr r="0" g="0" b="0"/>
+        </a:lnRef>
+        <a:fillRef idx="1">
+          <a:scrgbClr r="0" g="0" b="0"/>
+        </a:fillRef>
+        <a:effectRef idx="0">
+          <a:scrgbClr r="0" g="0" b="0"/>
+        </a:effectRef>
+        <a:fontRef idx="minor">
+          <a:schemeClr val="lt1"/>
+        </a:fontRef>
+      </dsp:style>
+      <dsp:txBody>
+        <a:bodyPr spcFirstLastPara="0" vert="horz" wrap="square" lIns="15240" tIns="15240" rIns="15240" bIns="15240" numCol="1" spcCol="1270" anchor="ctr" anchorCtr="0">
+          <a:noAutofit/>
+        </a:bodyPr>
+        <a:lstStyle/>
+        <a:p>
+          <a:pPr lvl="0" algn="ctr" defTabSz="533400">
+            <a:lnSpc>
+              <a:spcPct val="90000"/>
+            </a:lnSpc>
+            <a:spcBef>
+              <a:spcPct val="0"/>
+            </a:spcBef>
+            <a:spcAft>
+              <a:spcPct val="35000"/>
+            </a:spcAft>
+            <a:buFont typeface="Symbol" panose="05050102010706020507" pitchFamily="18" charset="2"/>
+            <a:buChar char=""/>
+          </a:pPr>
+          <a:r>
+            <a:rPr lang="fr-FR" sz="1200" kern="1200" dirty="0"/>
+            <a:t>Afficher des statistiques</a:t>
+          </a:r>
+        </a:p>
+      </dsp:txBody>
+      <dsp:txXfrm>
+        <a:off x="5779666" y="3229153"/>
+        <a:ext cx="929455" cy="929455"/>
+      </dsp:txXfrm>
+    </dsp:sp>
+    <dsp:sp modelId="{379281F5-5BEC-4572-A6D0-21F2A0C0AB03}">
+      <dsp:nvSpPr>
+        <dsp:cNvPr id="0" name=""/>
+        <dsp:cNvSpPr/>
+      </dsp:nvSpPr>
+      <dsp:spPr>
+        <a:xfrm rot="10800000">
+          <a:off x="5093115" y="3472068"/>
+          <a:ext cx="349131" cy="443626"/>
+        </a:xfrm>
+        <a:prstGeom prst="rightArrow">
+          <a:avLst>
+            <a:gd name="adj1" fmla="val 60000"/>
+            <a:gd name="adj2" fmla="val 50000"/>
+          </a:avLst>
+        </a:prstGeom>
+        <a:solidFill>
+          <a:schemeClr val="accent1">
+            <a:tint val="60000"/>
+            <a:hueOff val="0"/>
+            <a:satOff val="0"/>
+            <a:lumOff val="0"/>
+            <a:alphaOff val="0"/>
+          </a:schemeClr>
+        </a:solidFill>
+        <a:ln>
+          <a:noFill/>
+        </a:ln>
+        <a:effectLst/>
+      </dsp:spPr>
+      <dsp:style>
+        <a:lnRef idx="0">
+          <a:scrgbClr r="0" g="0" b="0"/>
+        </a:lnRef>
+        <a:fillRef idx="1">
+          <a:scrgbClr r="0" g="0" b="0"/>
+        </a:fillRef>
+        <a:effectRef idx="0">
+          <a:scrgbClr r="0" g="0" b="0"/>
+        </a:effectRef>
+        <a:fontRef idx="minor">
+          <a:schemeClr val="lt1"/>
+        </a:fontRef>
+      </dsp:style>
+      <dsp:txBody>
+        <a:bodyPr spcFirstLastPara="0" vert="horz" wrap="square" lIns="0" tIns="0" rIns="0" bIns="0" numCol="1" spcCol="1270" anchor="ctr" anchorCtr="0">
+          <a:noAutofit/>
+        </a:bodyPr>
+        <a:lstStyle/>
+        <a:p>
+          <a:pPr lvl="0" algn="ctr" defTabSz="400050">
+            <a:lnSpc>
+              <a:spcPct val="90000"/>
+            </a:lnSpc>
+            <a:spcBef>
+              <a:spcPct val="0"/>
+            </a:spcBef>
+            <a:spcAft>
+              <a:spcPct val="35000"/>
+            </a:spcAft>
+          </a:pPr>
+          <a:endParaRPr lang="fr-FR" sz="900" kern="1200"/>
+        </a:p>
+      </dsp:txBody>
+      <dsp:txXfrm rot="10800000">
+        <a:off x="5197854" y="3560793"/>
+        <a:ext cx="244392" cy="266176"/>
+      </dsp:txXfrm>
+    </dsp:sp>
+    <dsp:sp modelId="{71E4E755-1758-42C8-94AD-06C6DDA6E523}">
+      <dsp:nvSpPr>
+        <dsp:cNvPr id="0" name=""/>
+        <dsp:cNvSpPr/>
+      </dsp:nvSpPr>
+      <dsp:spPr>
+        <a:xfrm>
+          <a:off x="3613980" y="3036656"/>
+          <a:ext cx="1314449" cy="1314449"/>
+        </a:xfrm>
+        <a:prstGeom prst="ellipse">
+          <a:avLst/>
+        </a:prstGeom>
+        <a:solidFill>
+          <a:schemeClr val="accent1">
+            <a:hueOff val="0"/>
+            <a:satOff val="0"/>
+            <a:lumOff val="0"/>
+            <a:alphaOff val="0"/>
+          </a:schemeClr>
+        </a:solidFill>
+        <a:ln w="12700" cap="flat" cmpd="sng" algn="ctr">
+          <a:solidFill>
+            <a:schemeClr val="lt1">
+              <a:hueOff val="0"/>
+              <a:satOff val="0"/>
+              <a:lumOff val="0"/>
+              <a:alphaOff val="0"/>
+            </a:schemeClr>
+          </a:solidFill>
+          <a:prstDash val="solid"/>
+          <a:miter lim="800000"/>
+        </a:ln>
+        <a:effectLst/>
+      </dsp:spPr>
+      <dsp:style>
+        <a:lnRef idx="2">
+          <a:scrgbClr r="0" g="0" b="0"/>
+        </a:lnRef>
+        <a:fillRef idx="1">
+          <a:scrgbClr r="0" g="0" b="0"/>
+        </a:fillRef>
+        <a:effectRef idx="0">
+          <a:scrgbClr r="0" g="0" b="0"/>
+        </a:effectRef>
+        <a:fontRef idx="minor">
+          <a:schemeClr val="lt1"/>
+        </a:fontRef>
+      </dsp:style>
+      <dsp:txBody>
+        <a:bodyPr spcFirstLastPara="0" vert="horz" wrap="square" lIns="15240" tIns="15240" rIns="15240" bIns="15240" numCol="1" spcCol="1270" anchor="ctr" anchorCtr="0">
+          <a:noAutofit/>
+        </a:bodyPr>
+        <a:lstStyle/>
+        <a:p>
+          <a:pPr lvl="0" algn="ctr" defTabSz="533400">
+            <a:lnSpc>
+              <a:spcPct val="90000"/>
+            </a:lnSpc>
+            <a:spcBef>
+              <a:spcPct val="0"/>
+            </a:spcBef>
+            <a:spcAft>
+              <a:spcPct val="35000"/>
+            </a:spcAft>
+            <a:buFont typeface="Symbol" panose="05050102010706020507" pitchFamily="18" charset="2"/>
+            <a:buChar char=""/>
+          </a:pPr>
+          <a:r>
+            <a:rPr lang="fr-FR" sz="1200" kern="1200" dirty="0"/>
+            <a:t>Gérer les notifications</a:t>
+          </a:r>
+        </a:p>
+      </dsp:txBody>
+      <dsp:txXfrm>
+        <a:off x="3806477" y="3229153"/>
+        <a:ext cx="929455" cy="929455"/>
+      </dsp:txXfrm>
+    </dsp:sp>
+    <dsp:sp modelId="{BC66F32C-D101-4B7A-8EB5-831EAF1D9773}">
+      <dsp:nvSpPr>
+        <dsp:cNvPr id="0" name=""/>
+        <dsp:cNvSpPr/>
+      </dsp:nvSpPr>
+      <dsp:spPr>
+        <a:xfrm rot="15120000">
+          <a:off x="3794818" y="2543158"/>
+          <a:ext cx="349131" cy="443626"/>
+        </a:xfrm>
+        <a:prstGeom prst="rightArrow">
+          <a:avLst>
+            <a:gd name="adj1" fmla="val 60000"/>
+            <a:gd name="adj2" fmla="val 50000"/>
+          </a:avLst>
+        </a:prstGeom>
+        <a:solidFill>
+          <a:schemeClr val="accent1">
+            <a:tint val="60000"/>
+            <a:hueOff val="0"/>
+            <a:satOff val="0"/>
+            <a:lumOff val="0"/>
+            <a:alphaOff val="0"/>
+          </a:schemeClr>
+        </a:solidFill>
+        <a:ln>
+          <a:noFill/>
+        </a:ln>
+        <a:effectLst/>
+      </dsp:spPr>
+      <dsp:style>
+        <a:lnRef idx="0">
+          <a:scrgbClr r="0" g="0" b="0"/>
+        </a:lnRef>
+        <a:fillRef idx="1">
+          <a:scrgbClr r="0" g="0" b="0"/>
+        </a:fillRef>
+        <a:effectRef idx="0">
+          <a:scrgbClr r="0" g="0" b="0"/>
+        </a:effectRef>
+        <a:fontRef idx="minor">
+          <a:schemeClr val="lt1"/>
+        </a:fontRef>
+      </dsp:style>
+      <dsp:txBody>
+        <a:bodyPr spcFirstLastPara="0" vert="horz" wrap="square" lIns="0" tIns="0" rIns="0" bIns="0" numCol="1" spcCol="1270" anchor="ctr" anchorCtr="0">
+          <a:noAutofit/>
+        </a:bodyPr>
+        <a:lstStyle/>
+        <a:p>
+          <a:pPr lvl="0" algn="ctr" defTabSz="400050">
+            <a:lnSpc>
+              <a:spcPct val="90000"/>
+            </a:lnSpc>
+            <a:spcBef>
+              <a:spcPct val="0"/>
+            </a:spcBef>
+            <a:spcAft>
+              <a:spcPct val="35000"/>
+            </a:spcAft>
+          </a:pPr>
+          <a:endParaRPr lang="fr-FR" sz="900" kern="1200"/>
+        </a:p>
+      </dsp:txBody>
+      <dsp:txXfrm rot="10800000">
+        <a:off x="3863371" y="2681689"/>
+        <a:ext cx="244392" cy="266176"/>
+      </dsp:txXfrm>
+    </dsp:sp>
+    <dsp:sp modelId="{74AACC6F-BACB-46E4-96DD-602B2CFEBC7B}">
+      <dsp:nvSpPr>
+        <dsp:cNvPr id="0" name=""/>
+        <dsp:cNvSpPr/>
+      </dsp:nvSpPr>
+      <dsp:spPr>
+        <a:xfrm>
+          <a:off x="3004231" y="1160042"/>
+          <a:ext cx="1314449" cy="1314449"/>
+        </a:xfrm>
+        <a:prstGeom prst="ellipse">
+          <a:avLst/>
+        </a:prstGeom>
+        <a:solidFill>
+          <a:schemeClr val="accent1">
+            <a:hueOff val="0"/>
+            <a:satOff val="0"/>
+            <a:lumOff val="0"/>
+            <a:alphaOff val="0"/>
+          </a:schemeClr>
+        </a:solidFill>
+        <a:ln w="12700" cap="flat" cmpd="sng" algn="ctr">
+          <a:solidFill>
+            <a:schemeClr val="lt1">
+              <a:hueOff val="0"/>
+              <a:satOff val="0"/>
+              <a:lumOff val="0"/>
+              <a:alphaOff val="0"/>
+            </a:schemeClr>
+          </a:solidFill>
+          <a:prstDash val="solid"/>
+          <a:miter lim="800000"/>
+        </a:ln>
+        <a:effectLst/>
+      </dsp:spPr>
+      <dsp:style>
+        <a:lnRef idx="2">
+          <a:scrgbClr r="0" g="0" b="0"/>
+        </a:lnRef>
+        <a:fillRef idx="1">
+          <a:scrgbClr r="0" g="0" b="0"/>
+        </a:fillRef>
+        <a:effectRef idx="0">
+          <a:scrgbClr r="0" g="0" b="0"/>
+        </a:effectRef>
+        <a:fontRef idx="minor">
+          <a:schemeClr val="lt1"/>
+        </a:fontRef>
+      </dsp:style>
+      <dsp:txBody>
+        <a:bodyPr spcFirstLastPara="0" vert="horz" wrap="square" lIns="15240" tIns="15240" rIns="15240" bIns="15240" numCol="1" spcCol="1270" anchor="ctr" anchorCtr="0">
+          <a:noAutofit/>
+        </a:bodyPr>
+        <a:lstStyle/>
+        <a:p>
+          <a:pPr lvl="0" algn="ctr" defTabSz="533400">
+            <a:lnSpc>
+              <a:spcPct val="90000"/>
+            </a:lnSpc>
+            <a:spcBef>
+              <a:spcPct val="0"/>
+            </a:spcBef>
+            <a:spcAft>
+              <a:spcPct val="35000"/>
+            </a:spcAft>
+            <a:buFont typeface="Symbol" panose="05050102010706020507" pitchFamily="18" charset="2"/>
+            <a:buChar char=""/>
+          </a:pPr>
+          <a:r>
+            <a:rPr lang="fr-FR" sz="1200" kern="1200"/>
+            <a:t>Gérer les utilisateurs</a:t>
+          </a:r>
+          <a:endParaRPr lang="fr-FR" sz="1200" kern="1200" dirty="0"/>
+        </a:p>
+      </dsp:txBody>
+      <dsp:txXfrm>
+        <a:off x="3196728" y="1352539"/>
+        <a:ext cx="929455" cy="929455"/>
+      </dsp:txXfrm>
+    </dsp:sp>
+    <dsp:sp modelId="{D4FF153E-5DE1-4DF9-9400-A4ABD0848ED1}">
+      <dsp:nvSpPr>
+        <dsp:cNvPr id="0" name=""/>
+        <dsp:cNvSpPr/>
+      </dsp:nvSpPr>
+      <dsp:spPr>
+        <a:xfrm rot="19440000">
+          <a:off x="4277068" y="1021356"/>
+          <a:ext cx="349131" cy="443626"/>
         </a:xfrm>
         <a:prstGeom prst="rightArrow">
           <a:avLst>
@@ -8279,601 +8734,8 @@
         </a:p>
       </dsp:txBody>
       <dsp:txXfrm>
-        <a:off x="6569587" y="2014153"/>
-        <a:ext cx="202430" cy="219908"/>
-      </dsp:txXfrm>
-    </dsp:sp>
-    <dsp:sp modelId="{DF02928E-BD1B-4C7C-B93E-35330A2CE52B}">
-      <dsp:nvSpPr>
-        <dsp:cNvPr id="0" name=""/>
-        <dsp:cNvSpPr/>
-      </dsp:nvSpPr>
-      <dsp:spPr>
-        <a:xfrm>
-          <a:off x="6127821" y="2448485"/>
-          <a:ext cx="1085961" cy="1085961"/>
-        </a:xfrm>
-        <a:prstGeom prst="ellipse">
-          <a:avLst/>
-        </a:prstGeom>
-        <a:solidFill>
-          <a:schemeClr val="accent1">
-            <a:hueOff val="0"/>
-            <a:satOff val="0"/>
-            <a:lumOff val="0"/>
-            <a:alphaOff val="0"/>
-          </a:schemeClr>
-        </a:solidFill>
-        <a:ln w="12700" cap="flat" cmpd="sng" algn="ctr">
-          <a:solidFill>
-            <a:schemeClr val="lt1">
-              <a:hueOff val="0"/>
-              <a:satOff val="0"/>
-              <a:lumOff val="0"/>
-              <a:alphaOff val="0"/>
-            </a:schemeClr>
-          </a:solidFill>
-          <a:prstDash val="solid"/>
-          <a:miter lim="800000"/>
-        </a:ln>
-        <a:effectLst/>
-      </dsp:spPr>
-      <dsp:style>
-        <a:lnRef idx="2">
-          <a:scrgbClr r="0" g="0" b="0"/>
-        </a:lnRef>
-        <a:fillRef idx="1">
-          <a:scrgbClr r="0" g="0" b="0"/>
-        </a:fillRef>
-        <a:effectRef idx="0">
-          <a:scrgbClr r="0" g="0" b="0"/>
-        </a:effectRef>
-        <a:fontRef idx="minor">
-          <a:schemeClr val="lt1"/>
-        </a:fontRef>
-      </dsp:style>
-      <dsp:txBody>
-        <a:bodyPr spcFirstLastPara="0" vert="horz" wrap="square" lIns="13970" tIns="13970" rIns="13970" bIns="13970" numCol="1" spcCol="1270" anchor="ctr" anchorCtr="0">
-          <a:noAutofit/>
-        </a:bodyPr>
-        <a:lstStyle/>
-        <a:p>
-          <a:pPr lvl="0" algn="ctr" defTabSz="488950">
-            <a:lnSpc>
-              <a:spcPct val="90000"/>
-            </a:lnSpc>
-            <a:spcBef>
-              <a:spcPct val="0"/>
-            </a:spcBef>
-            <a:spcAft>
-              <a:spcPct val="35000"/>
-            </a:spcAft>
-            <a:buFont typeface="Symbol" panose="05050102010706020507" pitchFamily="18" charset="2"/>
-            <a:buChar char=""/>
-          </a:pPr>
-          <a:r>
-            <a:rPr lang="fr-FR" sz="1100" kern="1200" dirty="0"/>
-            <a:t>Afficher des statistiques</a:t>
-          </a:r>
-        </a:p>
-      </dsp:txBody>
-      <dsp:txXfrm>
-        <a:off x="6286856" y="2607520"/>
-        <a:ext cx="767891" cy="767891"/>
-      </dsp:txXfrm>
-    </dsp:sp>
-    <dsp:sp modelId="{379281F5-5BEC-4572-A6D0-21F2A0C0AB03}">
-      <dsp:nvSpPr>
-        <dsp:cNvPr id="0" name=""/>
-        <dsp:cNvSpPr/>
-      </dsp:nvSpPr>
-      <dsp:spPr>
-        <a:xfrm rot="9000000">
-          <a:off x="5826796" y="3212016"/>
-          <a:ext cx="289185" cy="366512"/>
-        </a:xfrm>
-        <a:prstGeom prst="rightArrow">
-          <a:avLst>
-            <a:gd name="adj1" fmla="val 60000"/>
-            <a:gd name="adj2" fmla="val 50000"/>
-          </a:avLst>
-        </a:prstGeom>
-        <a:solidFill>
-          <a:schemeClr val="accent1">
-            <a:tint val="60000"/>
-            <a:hueOff val="0"/>
-            <a:satOff val="0"/>
-            <a:lumOff val="0"/>
-            <a:alphaOff val="0"/>
-          </a:schemeClr>
-        </a:solidFill>
-        <a:ln>
-          <a:noFill/>
-        </a:ln>
-        <a:effectLst/>
-      </dsp:spPr>
-      <dsp:style>
-        <a:lnRef idx="0">
-          <a:scrgbClr r="0" g="0" b="0"/>
-        </a:lnRef>
-        <a:fillRef idx="1">
-          <a:scrgbClr r="0" g="0" b="0"/>
-        </a:fillRef>
-        <a:effectRef idx="0">
-          <a:scrgbClr r="0" g="0" b="0"/>
-        </a:effectRef>
-        <a:fontRef idx="minor">
-          <a:schemeClr val="lt1"/>
-        </a:fontRef>
-      </dsp:style>
-      <dsp:txBody>
-        <a:bodyPr spcFirstLastPara="0" vert="horz" wrap="square" lIns="0" tIns="0" rIns="0" bIns="0" numCol="1" spcCol="1270" anchor="ctr" anchorCtr="0">
-          <a:noAutofit/>
-        </a:bodyPr>
-        <a:lstStyle/>
-        <a:p>
-          <a:pPr lvl="0" algn="ctr" defTabSz="400050">
-            <a:lnSpc>
-              <a:spcPct val="90000"/>
-            </a:lnSpc>
-            <a:spcBef>
-              <a:spcPct val="0"/>
-            </a:spcBef>
-            <a:spcAft>
-              <a:spcPct val="35000"/>
-            </a:spcAft>
-          </a:pPr>
-          <a:endParaRPr lang="fr-FR" sz="900" kern="1200"/>
-        </a:p>
-      </dsp:txBody>
-      <dsp:txXfrm rot="10800000">
-        <a:off x="5907740" y="3263629"/>
-        <a:ext cx="202430" cy="219908"/>
-      </dsp:txXfrm>
-    </dsp:sp>
-    <dsp:sp modelId="{71E4E755-1758-42C8-94AD-06C6DDA6E523}">
-      <dsp:nvSpPr>
-        <dsp:cNvPr id="0" name=""/>
-        <dsp:cNvSpPr/>
-      </dsp:nvSpPr>
-      <dsp:spPr>
-        <a:xfrm>
-          <a:off x="4714819" y="3264282"/>
-          <a:ext cx="1085961" cy="1085961"/>
-        </a:xfrm>
-        <a:prstGeom prst="ellipse">
-          <a:avLst/>
-        </a:prstGeom>
-        <a:solidFill>
-          <a:schemeClr val="accent1">
-            <a:hueOff val="0"/>
-            <a:satOff val="0"/>
-            <a:lumOff val="0"/>
-            <a:alphaOff val="0"/>
-          </a:schemeClr>
-        </a:solidFill>
-        <a:ln w="12700" cap="flat" cmpd="sng" algn="ctr">
-          <a:solidFill>
-            <a:schemeClr val="lt1">
-              <a:hueOff val="0"/>
-              <a:satOff val="0"/>
-              <a:lumOff val="0"/>
-              <a:alphaOff val="0"/>
-            </a:schemeClr>
-          </a:solidFill>
-          <a:prstDash val="solid"/>
-          <a:miter lim="800000"/>
-        </a:ln>
-        <a:effectLst/>
-      </dsp:spPr>
-      <dsp:style>
-        <a:lnRef idx="2">
-          <a:scrgbClr r="0" g="0" b="0"/>
-        </a:lnRef>
-        <a:fillRef idx="1">
-          <a:scrgbClr r="0" g="0" b="0"/>
-        </a:fillRef>
-        <a:effectRef idx="0">
-          <a:scrgbClr r="0" g="0" b="0"/>
-        </a:effectRef>
-        <a:fontRef idx="minor">
-          <a:schemeClr val="lt1"/>
-        </a:fontRef>
-      </dsp:style>
-      <dsp:txBody>
-        <a:bodyPr spcFirstLastPara="0" vert="horz" wrap="square" lIns="13970" tIns="13970" rIns="13970" bIns="13970" numCol="1" spcCol="1270" anchor="ctr" anchorCtr="0">
-          <a:noAutofit/>
-        </a:bodyPr>
-        <a:lstStyle/>
-        <a:p>
-          <a:pPr lvl="0" algn="ctr" defTabSz="488950">
-            <a:lnSpc>
-              <a:spcPct val="90000"/>
-            </a:lnSpc>
-            <a:spcBef>
-              <a:spcPct val="0"/>
-            </a:spcBef>
-            <a:spcAft>
-              <a:spcPct val="35000"/>
-            </a:spcAft>
-            <a:buFont typeface="Symbol" panose="05050102010706020507" pitchFamily="18" charset="2"/>
-            <a:buChar char=""/>
-          </a:pPr>
-          <a:r>
-            <a:rPr lang="fr-FR" sz="1100" kern="1200" dirty="0"/>
-            <a:t>Gérer les notifications</a:t>
-          </a:r>
-        </a:p>
-      </dsp:txBody>
-      <dsp:txXfrm>
-        <a:off x="4873854" y="3423317"/>
-        <a:ext cx="767891" cy="767891"/>
-      </dsp:txXfrm>
-    </dsp:sp>
-    <dsp:sp modelId="{BC66F32C-D101-4B7A-8EB5-831EAF1D9773}">
-      <dsp:nvSpPr>
-        <dsp:cNvPr id="0" name=""/>
-        <dsp:cNvSpPr/>
-      </dsp:nvSpPr>
-      <dsp:spPr>
-        <a:xfrm rot="12600000">
-          <a:off x="4413794" y="3220201"/>
-          <a:ext cx="289185" cy="366512"/>
-        </a:xfrm>
-        <a:prstGeom prst="rightArrow">
-          <a:avLst>
-            <a:gd name="adj1" fmla="val 60000"/>
-            <a:gd name="adj2" fmla="val 50000"/>
-          </a:avLst>
-        </a:prstGeom>
-        <a:solidFill>
-          <a:schemeClr val="accent1">
-            <a:tint val="60000"/>
-            <a:hueOff val="0"/>
-            <a:satOff val="0"/>
-            <a:lumOff val="0"/>
-            <a:alphaOff val="0"/>
-          </a:schemeClr>
-        </a:solidFill>
-        <a:ln>
-          <a:noFill/>
-        </a:ln>
-        <a:effectLst/>
-      </dsp:spPr>
-      <dsp:style>
-        <a:lnRef idx="0">
-          <a:scrgbClr r="0" g="0" b="0"/>
-        </a:lnRef>
-        <a:fillRef idx="1">
-          <a:scrgbClr r="0" g="0" b="0"/>
-        </a:fillRef>
-        <a:effectRef idx="0">
-          <a:scrgbClr r="0" g="0" b="0"/>
-        </a:effectRef>
-        <a:fontRef idx="minor">
-          <a:schemeClr val="lt1"/>
-        </a:fontRef>
-      </dsp:style>
-      <dsp:txBody>
-        <a:bodyPr spcFirstLastPara="0" vert="horz" wrap="square" lIns="0" tIns="0" rIns="0" bIns="0" numCol="1" spcCol="1270" anchor="ctr" anchorCtr="0">
-          <a:noAutofit/>
-        </a:bodyPr>
-        <a:lstStyle/>
-        <a:p>
-          <a:pPr lvl="0" algn="ctr" defTabSz="400050">
-            <a:lnSpc>
-              <a:spcPct val="90000"/>
-            </a:lnSpc>
-            <a:spcBef>
-              <a:spcPct val="0"/>
-            </a:spcBef>
-            <a:spcAft>
-              <a:spcPct val="35000"/>
-            </a:spcAft>
-          </a:pPr>
-          <a:endParaRPr lang="fr-FR" sz="900" kern="1200"/>
-        </a:p>
-      </dsp:txBody>
-      <dsp:txXfrm rot="10800000">
-        <a:off x="4494738" y="3315192"/>
-        <a:ext cx="202430" cy="219908"/>
-      </dsp:txXfrm>
-    </dsp:sp>
-    <dsp:sp modelId="{5D754808-5795-4A41-B5DF-A37691767FCC}">
-      <dsp:nvSpPr>
-        <dsp:cNvPr id="0" name=""/>
-        <dsp:cNvSpPr/>
-      </dsp:nvSpPr>
-      <dsp:spPr>
-        <a:xfrm>
-          <a:off x="3301816" y="2448485"/>
-          <a:ext cx="1085961" cy="1085961"/>
-        </a:xfrm>
-        <a:prstGeom prst="ellipse">
-          <a:avLst/>
-        </a:prstGeom>
-        <a:solidFill>
-          <a:schemeClr val="accent1">
-            <a:hueOff val="0"/>
-            <a:satOff val="0"/>
-            <a:lumOff val="0"/>
-            <a:alphaOff val="0"/>
-          </a:schemeClr>
-        </a:solidFill>
-        <a:ln w="12700" cap="flat" cmpd="sng" algn="ctr">
-          <a:solidFill>
-            <a:schemeClr val="lt1">
-              <a:hueOff val="0"/>
-              <a:satOff val="0"/>
-              <a:lumOff val="0"/>
-              <a:alphaOff val="0"/>
-            </a:schemeClr>
-          </a:solidFill>
-          <a:prstDash val="solid"/>
-          <a:miter lim="800000"/>
-        </a:ln>
-        <a:effectLst/>
-      </dsp:spPr>
-      <dsp:style>
-        <a:lnRef idx="2">
-          <a:scrgbClr r="0" g="0" b="0"/>
-        </a:lnRef>
-        <a:fillRef idx="1">
-          <a:scrgbClr r="0" g="0" b="0"/>
-        </a:fillRef>
-        <a:effectRef idx="0">
-          <a:scrgbClr r="0" g="0" b="0"/>
-        </a:effectRef>
-        <a:fontRef idx="minor">
-          <a:schemeClr val="lt1"/>
-        </a:fontRef>
-      </dsp:style>
-      <dsp:txBody>
-        <a:bodyPr spcFirstLastPara="0" vert="horz" wrap="square" lIns="13970" tIns="13970" rIns="13970" bIns="13970" numCol="1" spcCol="1270" anchor="ctr" anchorCtr="0">
-          <a:noAutofit/>
-        </a:bodyPr>
-        <a:lstStyle/>
-        <a:p>
-          <a:pPr lvl="0" algn="ctr" defTabSz="488950">
-            <a:lnSpc>
-              <a:spcPct val="90000"/>
-            </a:lnSpc>
-            <a:spcBef>
-              <a:spcPct val="0"/>
-            </a:spcBef>
-            <a:spcAft>
-              <a:spcPct val="35000"/>
-            </a:spcAft>
-            <a:buFont typeface="Symbol" panose="05050102010706020507" pitchFamily="18" charset="2"/>
-            <a:buChar char=""/>
-          </a:pPr>
-          <a:r>
-            <a:rPr lang="fr-FR" sz="1100" kern="1200" dirty="0"/>
-            <a:t>envoyer des ordres</a:t>
-          </a:r>
-        </a:p>
-      </dsp:txBody>
-      <dsp:txXfrm>
-        <a:off x="3460851" y="2607520"/>
-        <a:ext cx="767891" cy="767891"/>
-      </dsp:txXfrm>
-    </dsp:sp>
-    <dsp:sp modelId="{FB3B65CD-0D2D-40E5-A7CA-63C42B1505C6}">
-      <dsp:nvSpPr>
-        <dsp:cNvPr id="0" name=""/>
-        <dsp:cNvSpPr/>
-      </dsp:nvSpPr>
-      <dsp:spPr>
-        <a:xfrm rot="16200000">
-          <a:off x="3700204" y="2000597"/>
-          <a:ext cx="289185" cy="366512"/>
-        </a:xfrm>
-        <a:prstGeom prst="rightArrow">
-          <a:avLst>
-            <a:gd name="adj1" fmla="val 60000"/>
-            <a:gd name="adj2" fmla="val 50000"/>
-          </a:avLst>
-        </a:prstGeom>
-        <a:solidFill>
-          <a:schemeClr val="accent1">
-            <a:tint val="60000"/>
-            <a:hueOff val="0"/>
-            <a:satOff val="0"/>
-            <a:lumOff val="0"/>
-            <a:alphaOff val="0"/>
-          </a:schemeClr>
-        </a:solidFill>
-        <a:ln>
-          <a:noFill/>
-        </a:ln>
-        <a:effectLst/>
-      </dsp:spPr>
-      <dsp:style>
-        <a:lnRef idx="0">
-          <a:scrgbClr r="0" g="0" b="0"/>
-        </a:lnRef>
-        <a:fillRef idx="1">
-          <a:scrgbClr r="0" g="0" b="0"/>
-        </a:fillRef>
-        <a:effectRef idx="0">
-          <a:scrgbClr r="0" g="0" b="0"/>
-        </a:effectRef>
-        <a:fontRef idx="minor">
-          <a:schemeClr val="lt1"/>
-        </a:fontRef>
-      </dsp:style>
-      <dsp:txBody>
-        <a:bodyPr spcFirstLastPara="0" vert="horz" wrap="square" lIns="0" tIns="0" rIns="0" bIns="0" numCol="1" spcCol="1270" anchor="ctr" anchorCtr="0">
-          <a:noAutofit/>
-        </a:bodyPr>
-        <a:lstStyle/>
-        <a:p>
-          <a:pPr lvl="0" algn="ctr" defTabSz="400050">
-            <a:lnSpc>
-              <a:spcPct val="90000"/>
-            </a:lnSpc>
-            <a:spcBef>
-              <a:spcPct val="0"/>
-            </a:spcBef>
-            <a:spcAft>
-              <a:spcPct val="35000"/>
-            </a:spcAft>
-          </a:pPr>
-          <a:endParaRPr lang="fr-FR" sz="900" kern="1200"/>
-        </a:p>
-      </dsp:txBody>
-      <dsp:txXfrm>
-        <a:off x="3743582" y="2117277"/>
-        <a:ext cx="202430" cy="219908"/>
-      </dsp:txXfrm>
-    </dsp:sp>
-    <dsp:sp modelId="{74AACC6F-BACB-46E4-96DD-602B2CFEBC7B}">
-      <dsp:nvSpPr>
-        <dsp:cNvPr id="0" name=""/>
-        <dsp:cNvSpPr/>
-      </dsp:nvSpPr>
-      <dsp:spPr>
-        <a:xfrm>
-          <a:off x="3301816" y="816890"/>
-          <a:ext cx="1085961" cy="1085961"/>
-        </a:xfrm>
-        <a:prstGeom prst="ellipse">
-          <a:avLst/>
-        </a:prstGeom>
-        <a:solidFill>
-          <a:schemeClr val="accent1">
-            <a:hueOff val="0"/>
-            <a:satOff val="0"/>
-            <a:lumOff val="0"/>
-            <a:alphaOff val="0"/>
-          </a:schemeClr>
-        </a:solidFill>
-        <a:ln w="12700" cap="flat" cmpd="sng" algn="ctr">
-          <a:solidFill>
-            <a:schemeClr val="lt1">
-              <a:hueOff val="0"/>
-              <a:satOff val="0"/>
-              <a:lumOff val="0"/>
-              <a:alphaOff val="0"/>
-            </a:schemeClr>
-          </a:solidFill>
-          <a:prstDash val="solid"/>
-          <a:miter lim="800000"/>
-        </a:ln>
-        <a:effectLst/>
-      </dsp:spPr>
-      <dsp:style>
-        <a:lnRef idx="2">
-          <a:scrgbClr r="0" g="0" b="0"/>
-        </a:lnRef>
-        <a:fillRef idx="1">
-          <a:scrgbClr r="0" g="0" b="0"/>
-        </a:fillRef>
-        <a:effectRef idx="0">
-          <a:scrgbClr r="0" g="0" b="0"/>
-        </a:effectRef>
-        <a:fontRef idx="minor">
-          <a:schemeClr val="lt1"/>
-        </a:fontRef>
-      </dsp:style>
-      <dsp:txBody>
-        <a:bodyPr spcFirstLastPara="0" vert="horz" wrap="square" lIns="13970" tIns="13970" rIns="13970" bIns="13970" numCol="1" spcCol="1270" anchor="ctr" anchorCtr="0">
-          <a:noAutofit/>
-        </a:bodyPr>
-        <a:lstStyle/>
-        <a:p>
-          <a:pPr lvl="0" algn="ctr" defTabSz="488950">
-            <a:lnSpc>
-              <a:spcPct val="90000"/>
-            </a:lnSpc>
-            <a:spcBef>
-              <a:spcPct val="0"/>
-            </a:spcBef>
-            <a:spcAft>
-              <a:spcPct val="35000"/>
-            </a:spcAft>
-            <a:buFont typeface="Symbol" panose="05050102010706020507" pitchFamily="18" charset="2"/>
-            <a:buChar char=""/>
-          </a:pPr>
-          <a:r>
-            <a:rPr lang="fr-FR" sz="1100" kern="1200"/>
-            <a:t>Gérer les utilisateurs</a:t>
-          </a:r>
-          <a:endParaRPr lang="fr-FR" sz="1100" kern="1200" dirty="0"/>
-        </a:p>
-      </dsp:txBody>
-      <dsp:txXfrm>
-        <a:off x="3460851" y="975925"/>
-        <a:ext cx="767891" cy="767891"/>
-      </dsp:txXfrm>
-    </dsp:sp>
-    <dsp:sp modelId="{D4FF153E-5DE1-4DF9-9400-A4ABD0848ED1}">
-      <dsp:nvSpPr>
-        <dsp:cNvPr id="0" name=""/>
-        <dsp:cNvSpPr/>
-      </dsp:nvSpPr>
-      <dsp:spPr>
-        <a:xfrm rot="19800000">
-          <a:off x="4399618" y="772809"/>
-          <a:ext cx="289185" cy="366512"/>
-        </a:xfrm>
-        <a:prstGeom prst="rightArrow">
-          <a:avLst>
-            <a:gd name="adj1" fmla="val 60000"/>
-            <a:gd name="adj2" fmla="val 50000"/>
-          </a:avLst>
-        </a:prstGeom>
-        <a:solidFill>
-          <a:schemeClr val="accent1">
-            <a:tint val="60000"/>
-            <a:hueOff val="0"/>
-            <a:satOff val="0"/>
-            <a:lumOff val="0"/>
-            <a:alphaOff val="0"/>
-          </a:schemeClr>
-        </a:solidFill>
-        <a:ln>
-          <a:noFill/>
-        </a:ln>
-        <a:effectLst/>
-      </dsp:spPr>
-      <dsp:style>
-        <a:lnRef idx="0">
-          <a:scrgbClr r="0" g="0" b="0"/>
-        </a:lnRef>
-        <a:fillRef idx="1">
-          <a:scrgbClr r="0" g="0" b="0"/>
-        </a:fillRef>
-        <a:effectRef idx="0">
-          <a:scrgbClr r="0" g="0" b="0"/>
-        </a:effectRef>
-        <a:fontRef idx="minor">
-          <a:schemeClr val="lt1"/>
-        </a:fontRef>
-      </dsp:style>
-      <dsp:txBody>
-        <a:bodyPr spcFirstLastPara="0" vert="horz" wrap="square" lIns="0" tIns="0" rIns="0" bIns="0" numCol="1" spcCol="1270" anchor="ctr" anchorCtr="0">
-          <a:noAutofit/>
-        </a:bodyPr>
-        <a:lstStyle/>
-        <a:p>
-          <a:pPr lvl="0" algn="ctr" defTabSz="400050">
-            <a:lnSpc>
-              <a:spcPct val="90000"/>
-            </a:lnSpc>
-            <a:spcBef>
-              <a:spcPct val="0"/>
-            </a:spcBef>
-            <a:spcAft>
-              <a:spcPct val="35000"/>
-            </a:spcAft>
-          </a:pPr>
-          <a:endParaRPr lang="fr-FR" sz="900" kern="1200"/>
-        </a:p>
-      </dsp:txBody>
-      <dsp:txXfrm>
-        <a:off x="4405429" y="867800"/>
-        <a:ext cx="202430" cy="219908"/>
+        <a:off x="4287070" y="1140863"/>
+        <a:ext cx="244392" cy="266176"/>
       </dsp:txXfrm>
     </dsp:sp>
   </dsp:spTree>
@@ -17626,7 +17488,7 @@
           <a:bodyPr/>
           <a:lstStyle/>
           <a:p>
-            <a:fld id="{279CA367-D099-4423-A3C9-7254ACED0FD5}" type="datetimeFigureOut">
+            <a:fld id="{81A4132D-4F3B-4797-BD93-AF9E3F6A5341}" type="datetime1">
               <a:rPr lang="fr-FR" smtClean="0"/>
               <a:t>23/05/2019</a:t>
             </a:fld>
@@ -17824,7 +17686,7 @@
           <a:bodyPr/>
           <a:lstStyle/>
           <a:p>
-            <a:fld id="{279CA367-D099-4423-A3C9-7254ACED0FD5}" type="datetimeFigureOut">
+            <a:fld id="{F288E37D-D9B9-48B9-BC57-7D0F678AEC7D}" type="datetime1">
               <a:rPr lang="fr-FR" smtClean="0"/>
               <a:t>23/05/2019</a:t>
             </a:fld>
@@ -18032,7 +17894,7 @@
           <a:bodyPr/>
           <a:lstStyle/>
           <a:p>
-            <a:fld id="{279CA367-D099-4423-A3C9-7254ACED0FD5}" type="datetimeFigureOut">
+            <a:fld id="{FD627AE4-E535-40EA-A24E-4A936E492074}" type="datetime1">
               <a:rPr lang="fr-FR" smtClean="0"/>
               <a:t>23/05/2019</a:t>
             </a:fld>
@@ -18230,7 +18092,7 @@
           <a:bodyPr/>
           <a:lstStyle/>
           <a:p>
-            <a:fld id="{279CA367-D099-4423-A3C9-7254ACED0FD5}" type="datetimeFigureOut">
+            <a:fld id="{750B1BC4-88DF-476F-BC30-077DEABBA8CC}" type="datetime1">
               <a:rPr lang="fr-FR" smtClean="0"/>
               <a:t>23/05/2019</a:t>
             </a:fld>
@@ -18505,7 +18367,7 @@
           <a:bodyPr/>
           <a:lstStyle/>
           <a:p>
-            <a:fld id="{279CA367-D099-4423-A3C9-7254ACED0FD5}" type="datetimeFigureOut">
+            <a:fld id="{7E254065-B61A-4E47-95E8-3D52A3C91A1A}" type="datetime1">
               <a:rPr lang="fr-FR" smtClean="0"/>
               <a:t>23/05/2019</a:t>
             </a:fld>
@@ -18770,7 +18632,7 @@
           <a:bodyPr/>
           <a:lstStyle/>
           <a:p>
-            <a:fld id="{279CA367-D099-4423-A3C9-7254ACED0FD5}" type="datetimeFigureOut">
+            <a:fld id="{BB496F68-4544-42C9-9889-49DC18DF36C7}" type="datetime1">
               <a:rPr lang="fr-FR" smtClean="0"/>
               <a:t>23/05/2019</a:t>
             </a:fld>
@@ -19182,7 +19044,7 @@
           <a:bodyPr/>
           <a:lstStyle/>
           <a:p>
-            <a:fld id="{279CA367-D099-4423-A3C9-7254ACED0FD5}" type="datetimeFigureOut">
+            <a:fld id="{BF47FF97-2738-4363-AA34-7CA0FD3E80AD}" type="datetime1">
               <a:rPr lang="fr-FR" smtClean="0"/>
               <a:t>23/05/2019</a:t>
             </a:fld>
@@ -19323,7 +19185,7 @@
           <a:bodyPr/>
           <a:lstStyle/>
           <a:p>
-            <a:fld id="{279CA367-D099-4423-A3C9-7254ACED0FD5}" type="datetimeFigureOut">
+            <a:fld id="{885C5F5D-F89A-4ADB-A8C2-1DB4EFAF5049}" type="datetime1">
               <a:rPr lang="fr-FR" smtClean="0"/>
               <a:t>23/05/2019</a:t>
             </a:fld>
@@ -19436,7 +19298,7 @@
           <a:bodyPr/>
           <a:lstStyle/>
           <a:p>
-            <a:fld id="{279CA367-D099-4423-A3C9-7254ACED0FD5}" type="datetimeFigureOut">
+            <a:fld id="{A9598006-074C-44ED-AFDB-DECDDFA8D27D}" type="datetime1">
               <a:rPr lang="fr-FR" smtClean="0"/>
               <a:t>23/05/2019</a:t>
             </a:fld>
@@ -19747,7 +19609,7 @@
           <a:bodyPr/>
           <a:lstStyle/>
           <a:p>
-            <a:fld id="{279CA367-D099-4423-A3C9-7254ACED0FD5}" type="datetimeFigureOut">
+            <a:fld id="{D4D46561-E83C-443D-963A-D1EBD1A9A172}" type="datetime1">
               <a:rPr lang="fr-FR" smtClean="0"/>
               <a:t>23/05/2019</a:t>
             </a:fld>
@@ -20035,7 +19897,7 @@
           <a:bodyPr/>
           <a:lstStyle/>
           <a:p>
-            <a:fld id="{279CA367-D099-4423-A3C9-7254ACED0FD5}" type="datetimeFigureOut">
+            <a:fld id="{413AFC1A-331C-45BD-8A43-7733937081BE}" type="datetime1">
               <a:rPr lang="fr-FR" smtClean="0"/>
               <a:t>23/05/2019</a:t>
             </a:fld>
@@ -20276,7 +20138,7 @@
             </a:lvl1pPr>
           </a:lstStyle>
           <a:p>
-            <a:fld id="{279CA367-D099-4423-A3C9-7254ACED0FD5}" type="datetimeFigureOut">
+            <a:fld id="{3292FD06-8B60-488C-AD9C-9F796AEEC609}" type="datetime1">
               <a:rPr lang="fr-FR" smtClean="0"/>
               <a:t>23/05/2019</a:t>
             </a:fld>
@@ -20395,6 +20257,7 @@
     <p:sldLayoutId id="2147483658" r:id="rId10"/>
     <p:sldLayoutId id="2147483659" r:id="rId11"/>
   </p:sldLayoutIdLst>
+  <p:hf hdr="0" ftr="0" dt="0"/>
   <p:txStyles>
     <p:titleStyle>
       <a:lvl1pPr algn="l" defTabSz="914400" rtl="0" eaLnBrk="1" latinLnBrk="0" hangingPunct="1">
@@ -20725,7 +20588,33 @@
           <a:p>
             <a:r>
               <a:rPr lang="fr-FR" sz="3500" b="1" dirty="0" smtClean="0"/>
-              <a:t>Réalisé par :</a:t>
+              <a:t>Réalisé par </a:t>
+            </a:r>
+            <a:r>
+              <a:rPr lang="fr-FR" sz="3500" b="1" dirty="0" smtClean="0"/>
+              <a:t>:</a:t>
+            </a:r>
+            <a:r>
+              <a:rPr lang="fr-FR" sz="3500" dirty="0" smtClean="0"/>
+              <a:t/>
+            </a:r>
+            <a:br>
+              <a:rPr lang="fr-FR" sz="3500" dirty="0" smtClean="0"/>
+            </a:br>
+            <a:r>
+              <a:rPr lang="fr-FR" sz="3500" dirty="0"/>
+              <a:t>Habib AROUA</a:t>
+            </a:r>
+            <a:br>
+              <a:rPr lang="fr-FR" sz="3500" dirty="0"/>
+            </a:br>
+            <a:r>
+              <a:rPr lang="fr-FR" sz="3500" dirty="0"/>
+              <a:t>Anas </a:t>
+            </a:r>
+            <a:r>
+              <a:rPr lang="fr-FR" sz="3500" dirty="0" smtClean="0"/>
+              <a:t>NAJJAR</a:t>
             </a:r>
             <a:r>
               <a:rPr lang="fr-FR" sz="3500" dirty="0" smtClean="0"/>
@@ -20736,37 +20625,15 @@
             </a:br>
             <a:r>
               <a:rPr lang="fr-FR" sz="3500" dirty="0" err="1" smtClean="0"/>
-              <a:t>Najjar</a:t>
+              <a:t>Imen</a:t>
+            </a:r>
+            <a:r>
+              <a:rPr lang="fr-FR" sz="3500" dirty="0"/>
+              <a:t> </a:t>
             </a:r>
             <a:r>
               <a:rPr lang="fr-FR" sz="3500" dirty="0" smtClean="0"/>
-              <a:t> Anas</a:t>
-            </a:r>
-            <a:br>
-              <a:rPr lang="fr-FR" sz="3500" dirty="0" smtClean="0"/>
-            </a:br>
-            <a:r>
-              <a:rPr lang="fr-FR" sz="3500" dirty="0" err="1" smtClean="0"/>
-              <a:t>Aroua</a:t>
-            </a:r>
-            <a:r>
-              <a:rPr lang="fr-FR" sz="3500" dirty="0" smtClean="0"/>
-              <a:t> Habib</a:t>
-            </a:r>
-            <a:br>
-              <a:rPr lang="fr-FR" sz="3500" dirty="0" smtClean="0"/>
-            </a:br>
-            <a:r>
-              <a:rPr lang="fr-FR" sz="3500" dirty="0" err="1" smtClean="0"/>
-              <a:t>Trabelsi</a:t>
-            </a:r>
-            <a:r>
-              <a:rPr lang="fr-FR" sz="3500" dirty="0" smtClean="0"/>
-              <a:t> </a:t>
-            </a:r>
-            <a:r>
-              <a:rPr lang="fr-FR" sz="3500" dirty="0" err="1" smtClean="0"/>
-              <a:t>Imen</a:t>
+              <a:t>TRABELSI</a:t>
             </a:r>
             <a:r>
               <a:rPr lang="fr-FR" sz="3500" dirty="0" smtClean="0"/>
@@ -20795,15 +20662,11 @@
             </a:br>
             <a:r>
               <a:rPr lang="fr-FR" sz="3500" dirty="0" smtClean="0"/>
-              <a:t>Dr </a:t>
-            </a:r>
-            <a:r>
-              <a:rPr lang="fr-FR" sz="3500" dirty="0" err="1" smtClean="0"/>
-              <a:t>Somaa</a:t>
+              <a:t>Mme</a:t>
             </a:r>
             <a:r>
               <a:rPr lang="fr-FR" sz="3500" dirty="0" smtClean="0"/>
-              <a:t> Fatma</a:t>
+              <a:t> Fatma SOMAA</a:t>
             </a:r>
             <a:endParaRPr lang="fr-FR" sz="3500" dirty="0"/>
           </a:p>
@@ -20832,37 +20695,51 @@
           </a:xfrm>
         </p:spPr>
         <p:txBody>
-          <a:bodyPr/>
+          <a:bodyPr>
+            <a:normAutofit/>
+          </a:bodyPr>
           <a:lstStyle/>
           <a:p>
             <a:r>
-              <a:rPr lang="fr-FR" b="1" dirty="0" smtClean="0">
+              <a:rPr lang="fr-FR" sz="3600" b="1" dirty="0" smtClean="0">
                 <a:hlinkClick r:id="rId2"/>
               </a:rPr>
-              <a:t>Conception, la-mise en place et </a:t>
+              <a:t>Conception, </a:t>
             </a:r>
             <a:r>
-              <a:rPr lang="fr-FR" b="1" dirty="0" err="1" smtClean="0">
+              <a:rPr lang="fr-FR" sz="3600" b="1" dirty="0" smtClean="0">
+                <a:hlinkClick r:id="rId2"/>
+              </a:rPr>
+              <a:t>mise </a:t>
+            </a:r>
+            <a:r>
+              <a:rPr lang="fr-FR" sz="3600" b="1" dirty="0" smtClean="0">
+                <a:hlinkClick r:id="rId2"/>
+              </a:rPr>
+              <a:t>en place et </a:t>
+            </a:r>
+            <a:r>
+              <a:rPr lang="fr-FR" sz="3600" b="1" dirty="0" err="1" smtClean="0">
                 <a:hlinkClick r:id="rId2"/>
               </a:rPr>
               <a:t>test-d’une</a:t>
             </a:r>
             <a:r>
-              <a:rPr lang="fr-FR" b="1" dirty="0" smtClean="0">
+              <a:rPr lang="fr-FR" sz="3600" b="1" dirty="0" smtClean="0">
                 <a:hlinkClick r:id="rId2"/>
               </a:rPr>
               <a:t> application d’Internet of Mobile </a:t>
             </a:r>
             <a:r>
-              <a:rPr lang="fr-FR" b="1" dirty="0" err="1" smtClean="0">
+              <a:rPr lang="fr-FR" sz="3600" b="1" dirty="0" err="1" smtClean="0">
                 <a:hlinkClick r:id="rId2"/>
               </a:rPr>
               <a:t>Things</a:t>
             </a:r>
-            <a:endParaRPr lang="fr-FR" dirty="0"/>
+            <a:endParaRPr lang="fr-FR" sz="3600" dirty="0"/>
           </a:p>
           <a:p>
-            <a:endParaRPr lang="fr-FR" dirty="0"/>
+            <a:endParaRPr lang="fr-FR" sz="3600" dirty="0"/>
           </a:p>
         </p:txBody>
       </p:sp>
@@ -20907,6 +20784,29 @@
           </a:extLst>
         </p:spPr>
       </p:pic>
+      <p:sp>
+        <p:nvSpPr>
+          <p:cNvPr id="4" name="Espace réservé du numéro de diapositive 3"/>
+          <p:cNvSpPr>
+            <a:spLocks noGrp="1"/>
+          </p:cNvSpPr>
+          <p:nvPr>
+            <p:ph type="sldNum" sz="quarter" idx="12"/>
+          </p:nvPr>
+        </p:nvSpPr>
+        <p:spPr/>
+        <p:txBody>
+          <a:bodyPr/>
+          <a:lstStyle/>
+          <a:p>
+            <a:fld id="{A0E02E04-F7F4-441F-816F-EA2248B6A216}" type="slidenum">
+              <a:rPr lang="fr-FR" smtClean="0"/>
+              <a:t>1</a:t>
+            </a:fld>
+            <a:endParaRPr lang="fr-FR" dirty="0"/>
+          </a:p>
+        </p:txBody>
+      </p:sp>
     </p:spTree>
     <p:extLst>
       <p:ext uri="{BB962C8B-B14F-4D97-AF65-F5344CB8AC3E}">
@@ -20978,7 +20878,15 @@
                   <a:srgbClr val="7030A0"/>
                 </a:solidFill>
               </a:rPr>
-              <a:t>Choix technologique</a:t>
+              <a:t>Choix </a:t>
+            </a:r>
+            <a:r>
+              <a:rPr lang="fr-FR" sz="2200" b="1" dirty="0" smtClean="0">
+                <a:solidFill>
+                  <a:srgbClr val="7030A0"/>
+                </a:solidFill>
+              </a:rPr>
+              <a:t>technologiques</a:t>
             </a:r>
             <a:r>
               <a:rPr lang="fr-FR" dirty="0"/>
@@ -21021,8 +20929,21 @@
           <a:p>
             <a:r>
               <a:rPr lang="fr-FR" sz="2000" dirty="0"/>
-              <a:t>L’environnement de développement est un terme qui désigne l’ensemble d’outils et de langage utilisé pour l’implémentation d’une solution informatique</a:t>
+              <a:t>L’environnement de développement est un terme qui désigne l’ensemble d’outils et de langage </a:t>
             </a:r>
+            <a:r>
+              <a:rPr lang="fr-FR" sz="2000" dirty="0" smtClean="0"/>
+              <a:t>utilisés </a:t>
+            </a:r>
+            <a:r>
+              <a:rPr lang="fr-FR" sz="2000" dirty="0"/>
+              <a:t>pour l’implémentation d’une solution </a:t>
+            </a:r>
+            <a:r>
+              <a:rPr lang="fr-FR" sz="2000" dirty="0" smtClean="0"/>
+              <a:t>informatique.</a:t>
+            </a:r>
+            <a:endParaRPr lang="fr-FR" sz="2000" dirty="0"/>
           </a:p>
           <a:p>
             <a:pPr marL="0" indent="0">
@@ -21312,6 +21233,29 @@
           </a:ln>
         </p:spPr>
       </p:pic>
+      <p:sp>
+        <p:nvSpPr>
+          <p:cNvPr id="5" name="Espace réservé du numéro de diapositive 4"/>
+          <p:cNvSpPr>
+            <a:spLocks noGrp="1"/>
+          </p:cNvSpPr>
+          <p:nvPr>
+            <p:ph type="sldNum" sz="quarter" idx="12"/>
+          </p:nvPr>
+        </p:nvSpPr>
+        <p:spPr/>
+        <p:txBody>
+          <a:bodyPr/>
+          <a:lstStyle/>
+          <a:p>
+            <a:fld id="{A0E02E04-F7F4-441F-816F-EA2248B6A216}" type="slidenum">
+              <a:rPr lang="fr-FR" smtClean="0"/>
+              <a:t>10</a:t>
+            </a:fld>
+            <a:endParaRPr lang="fr-FR" dirty="0"/>
+          </a:p>
+        </p:txBody>
+      </p:sp>
     </p:spTree>
     <p:extLst>
       <p:ext uri="{BB962C8B-B14F-4D97-AF65-F5344CB8AC3E}">
@@ -21454,7 +21398,19 @@
             </a:pPr>
             <a:r>
               <a:rPr lang="fr-FR" sz="2000" dirty="0"/>
-              <a:t>Les besoins dégagés ont été répartis en deux groupes fonctionnels et non fonctionnels.</a:t>
+              <a:t>Les besoins dégagés ont été répartis en </a:t>
+            </a:r>
+            <a:r>
+              <a:rPr lang="fr-FR" sz="2000" dirty="0" smtClean="0"/>
+              <a:t>besoins</a:t>
+            </a:r>
+            <a:r>
+              <a:rPr lang="fr-FR" sz="2000" dirty="0" smtClean="0"/>
+              <a:t> </a:t>
+            </a:r>
+            <a:r>
+              <a:rPr lang="fr-FR" sz="2000" dirty="0"/>
+              <a:t>fonctionnels et non fonctionnels.</a:t>
             </a:r>
           </a:p>
           <a:p>
@@ -21478,9 +21434,22 @@
               <a:buNone/>
             </a:pPr>
             <a:r>
+              <a:rPr lang="fr-FR" sz="1800" dirty="0" smtClean="0"/>
+              <a:t>Nous avons </a:t>
+            </a:r>
+            <a:r>
+              <a:rPr lang="fr-FR" sz="1800" dirty="0" smtClean="0"/>
+              <a:t>deux </a:t>
+            </a:r>
+            <a:r>
               <a:rPr lang="fr-FR" sz="1800" dirty="0"/>
-              <a:t>On a deux acteurs dans ce projet qui sont l’admin et l’utilisateur </a:t>
+              <a:t>acteurs dans ce projet qui sont l’admin et l’utilisateur </a:t>
             </a:r>
+            <a:r>
+              <a:rPr lang="fr-FR" sz="1800" dirty="0"/>
+              <a:t>.</a:t>
+            </a:r>
+            <a:endParaRPr lang="fr-FR" sz="1800" dirty="0"/>
           </a:p>
           <a:p>
             <a:pPr marL="342900" indent="-342900">
@@ -21661,6 +21630,29 @@
           </a:ln>
         </p:spPr>
       </p:pic>
+      <p:sp>
+        <p:nvSpPr>
+          <p:cNvPr id="6" name="Espace réservé du numéro de diapositive 5"/>
+          <p:cNvSpPr>
+            <a:spLocks noGrp="1"/>
+          </p:cNvSpPr>
+          <p:nvPr>
+            <p:ph type="sldNum" sz="quarter" idx="12"/>
+          </p:nvPr>
+        </p:nvSpPr>
+        <p:spPr/>
+        <p:txBody>
+          <a:bodyPr/>
+          <a:lstStyle/>
+          <a:p>
+            <a:fld id="{A0E02E04-F7F4-441F-816F-EA2248B6A216}" type="slidenum">
+              <a:rPr lang="fr-FR" smtClean="0"/>
+              <a:t>11</a:t>
+            </a:fld>
+            <a:endParaRPr lang="fr-FR" dirty="0"/>
+          </a:p>
+        </p:txBody>
+      </p:sp>
     </p:spTree>
     <p:extLst>
       <p:ext uri="{BB962C8B-B14F-4D97-AF65-F5344CB8AC3E}">
@@ -21722,13 +21714,18 @@
           <a:lstStyle/>
           <a:p>
             <a:r>
-              <a:rPr lang="fr-FR" sz="2000" b="1" dirty="0">
+              <a:rPr lang="fr-FR" sz="2000" b="1" dirty="0" smtClean="0">
                 <a:solidFill>
                   <a:srgbClr val="7030A0"/>
                 </a:solidFill>
               </a:rPr>
-              <a:t>Besoin fonctionnel </a:t>
+              <a:t>Besoins fonctionnels </a:t>
             </a:r>
+            <a:endParaRPr lang="fr-FR" sz="2000" b="1" dirty="0">
+              <a:solidFill>
+                <a:srgbClr val="7030A0"/>
+              </a:solidFill>
+            </a:endParaRPr>
           </a:p>
         </p:txBody>
       </p:sp>
@@ -21748,7 +21745,7 @@
             <p:ph idx="1"/>
             <p:extLst>
               <p:ext uri="{D42A27DB-BD31-4B8C-83A1-F6EECF244321}">
-                <p14:modId xmlns:p14="http://schemas.microsoft.com/office/powerpoint/2010/main" val="1276674457"/>
+                <p14:modId xmlns:p14="http://schemas.microsoft.com/office/powerpoint/2010/main" val="1853169698"/>
               </p:ext>
             </p:extLst>
           </p:nvPr>
@@ -21763,6 +21760,29 @@
           </a:graphicData>
         </a:graphic>
       </p:graphicFrame>
+      <p:sp>
+        <p:nvSpPr>
+          <p:cNvPr id="3" name="Espace réservé du numéro de diapositive 2"/>
+          <p:cNvSpPr>
+            <a:spLocks noGrp="1"/>
+          </p:cNvSpPr>
+          <p:nvPr>
+            <p:ph type="sldNum" sz="quarter" idx="12"/>
+          </p:nvPr>
+        </p:nvSpPr>
+        <p:spPr/>
+        <p:txBody>
+          <a:bodyPr/>
+          <a:lstStyle/>
+          <a:p>
+            <a:fld id="{A0E02E04-F7F4-441F-816F-EA2248B6A216}" type="slidenum">
+              <a:rPr lang="fr-FR" smtClean="0"/>
+              <a:t>12</a:t>
+            </a:fld>
+            <a:endParaRPr lang="fr-FR" dirty="0"/>
+          </a:p>
+        </p:txBody>
+      </p:sp>
     </p:spTree>
     <p:extLst>
       <p:ext uri="{BB962C8B-B14F-4D97-AF65-F5344CB8AC3E}">
@@ -21829,13 +21849,34 @@
           <a:lstStyle/>
           <a:p>
             <a:r>
+              <a:rPr lang="fr-FR" sz="2000" b="1" dirty="0" smtClean="0">
+                <a:solidFill>
+                  <a:srgbClr val="7030A0"/>
+                </a:solidFill>
+              </a:rPr>
+              <a:t>Besoins </a:t>
+            </a:r>
+            <a:r>
               <a:rPr lang="fr-FR" sz="2000" b="1" dirty="0">
                 <a:solidFill>
                   <a:srgbClr val="7030A0"/>
                 </a:solidFill>
               </a:rPr>
-              <a:t>Besoin non fonctionnel</a:t>
+              <a:t>non </a:t>
             </a:r>
+            <a:r>
+              <a:rPr lang="fr-FR" sz="2000" b="1" dirty="0" smtClean="0">
+                <a:solidFill>
+                  <a:srgbClr val="7030A0"/>
+                </a:solidFill>
+              </a:rPr>
+              <a:t>fonctionnels</a:t>
+            </a:r>
+            <a:endParaRPr lang="fr-FR" sz="2000" b="1" dirty="0">
+              <a:solidFill>
+                <a:srgbClr val="7030A0"/>
+              </a:solidFill>
+            </a:endParaRPr>
           </a:p>
         </p:txBody>
       </p:sp>
@@ -21870,6 +21911,29 @@
           </a:graphicData>
         </a:graphic>
       </p:graphicFrame>
+      <p:sp>
+        <p:nvSpPr>
+          <p:cNvPr id="3" name="Espace réservé du numéro de diapositive 2"/>
+          <p:cNvSpPr>
+            <a:spLocks noGrp="1"/>
+          </p:cNvSpPr>
+          <p:nvPr>
+            <p:ph type="sldNum" sz="quarter" idx="12"/>
+          </p:nvPr>
+        </p:nvSpPr>
+        <p:spPr/>
+        <p:txBody>
+          <a:bodyPr/>
+          <a:lstStyle/>
+          <a:p>
+            <a:fld id="{A0E02E04-F7F4-441F-816F-EA2248B6A216}" type="slidenum">
+              <a:rPr lang="fr-FR" smtClean="0"/>
+              <a:t>13</a:t>
+            </a:fld>
+            <a:endParaRPr lang="fr-FR" dirty="0"/>
+          </a:p>
+        </p:txBody>
+      </p:sp>
     </p:spTree>
     <p:extLst>
       <p:ext uri="{BB962C8B-B14F-4D97-AF65-F5344CB8AC3E}">
@@ -21974,7 +22038,15 @@
           <a:p>
             <a:r>
               <a:rPr lang="fr-FR" sz="2000" dirty="0"/>
-              <a:t>Dans notre application nous avons réparti les cas d’utilisation selon les acteurs cités précédemment.</a:t>
+              <a:t>Dans notre </a:t>
+            </a:r>
+            <a:r>
+              <a:rPr lang="fr-FR" sz="2000" dirty="0" smtClean="0"/>
+              <a:t>application, </a:t>
+            </a:r>
+            <a:r>
+              <a:rPr lang="fr-FR" sz="2000" dirty="0"/>
+              <a:t>nous avons réparti les cas d’utilisation selon les acteurs cités précédemment.</a:t>
             </a:r>
           </a:p>
           <a:p>
@@ -22023,6 +22095,29 @@
           </a:ln>
         </p:spPr>
       </p:pic>
+      <p:sp>
+        <p:nvSpPr>
+          <p:cNvPr id="4" name="Espace réservé du numéro de diapositive 3"/>
+          <p:cNvSpPr>
+            <a:spLocks noGrp="1"/>
+          </p:cNvSpPr>
+          <p:nvPr>
+            <p:ph type="sldNum" sz="quarter" idx="12"/>
+          </p:nvPr>
+        </p:nvSpPr>
+        <p:spPr/>
+        <p:txBody>
+          <a:bodyPr/>
+          <a:lstStyle/>
+          <a:p>
+            <a:fld id="{A0E02E04-F7F4-441F-816F-EA2248B6A216}" type="slidenum">
+              <a:rPr lang="fr-FR" smtClean="0"/>
+              <a:t>14</a:t>
+            </a:fld>
+            <a:endParaRPr lang="fr-FR" dirty="0"/>
+          </a:p>
+        </p:txBody>
+      </p:sp>
     </p:spTree>
     <p:extLst>
       <p:ext uri="{BB962C8B-B14F-4D97-AF65-F5344CB8AC3E}">
@@ -22267,7 +22362,7 @@
             <p:ph idx="1"/>
             <p:extLst>
               <p:ext uri="{D42A27DB-BD31-4B8C-83A1-F6EECF244321}">
-                <p14:modId xmlns:p14="http://schemas.microsoft.com/office/powerpoint/2010/main" val="2926160950"/>
+                <p14:modId xmlns:p14="http://schemas.microsoft.com/office/powerpoint/2010/main" val="2950359410"/>
               </p:ext>
             </p:extLst>
           </p:nvPr>
@@ -22455,12 +22550,18 @@
                         </a:spcAft>
                       </a:pPr>
                       <a:r>
-                        <a:rPr lang="fr-FR" sz="1200">
+                        <a:rPr lang="fr-FR" sz="1200" dirty="0">
                           <a:effectLst/>
                         </a:rPr>
-                        <a:t>En tant qu’administrateur je peux authentifier</a:t>
+                        <a:t>En tant qu’administrateur je peux </a:t>
                       </a:r>
-                      <a:endParaRPr lang="fr-FR" sz="1100">
+                      <a:r>
+                        <a:rPr lang="fr-FR" sz="1200" dirty="0" smtClean="0">
+                          <a:effectLst/>
+                        </a:rPr>
+                        <a:t>m’authentifier</a:t>
+                      </a:r>
+                      <a:endParaRPr lang="fr-FR" sz="1100" dirty="0">
                         <a:solidFill>
                           <a:srgbClr val="000000"/>
                         </a:solidFill>
@@ -23279,12 +23380,24 @@
                         </a:spcAft>
                       </a:pPr>
                       <a:r>
-                        <a:rPr lang="fr-FR" sz="1200">
+                        <a:rPr lang="fr-FR" sz="1200" dirty="0">
                           <a:effectLst/>
                         </a:rPr>
-                        <a:t>En tant qu’administrateur ou utilisateur je peux consulter le nombre des objets connecté en temps réel</a:t>
+                        <a:t>En tant qu’administrateur ou utilisateur je peux consulter le nombre des objets </a:t>
                       </a:r>
-                      <a:endParaRPr lang="fr-FR" sz="1100">
+                      <a:r>
+                        <a:rPr lang="fr-FR" sz="1200" dirty="0" smtClean="0">
+                          <a:effectLst/>
+                        </a:rPr>
+                        <a:t>connectés </a:t>
+                      </a:r>
+                      <a:r>
+                        <a:rPr lang="fr-FR" sz="1200" dirty="0">
+                          <a:effectLst/>
+                        </a:rPr>
+                        <a:t>en temps réel</a:t>
+                      </a:r>
+                      <a:endParaRPr lang="fr-FR" sz="1100" dirty="0">
                         <a:solidFill>
                           <a:srgbClr val="000000"/>
                         </a:solidFill>
@@ -23485,12 +23598,24 @@
                         </a:spcAft>
                       </a:pPr>
                       <a:r>
-                        <a:rPr lang="fr-FR" sz="1200">
+                        <a:rPr lang="fr-FR" sz="1200" dirty="0">
                           <a:effectLst/>
                         </a:rPr>
-                        <a:t>En tant qu’administrateur ou utilisateur je peux télécharger les chart graphiques</a:t>
+                        <a:t>En tant qu’administrateur ou utilisateur je peux télécharger les </a:t>
                       </a:r>
-                      <a:endParaRPr lang="fr-FR" sz="1100">
+                      <a:r>
+                        <a:rPr lang="fr-FR" sz="1200" dirty="0" smtClean="0">
+                          <a:effectLst/>
+                        </a:rPr>
+                        <a:t>charts </a:t>
+                      </a:r>
+                      <a:r>
+                        <a:rPr lang="fr-FR" sz="1200" dirty="0">
+                          <a:effectLst/>
+                        </a:rPr>
+                        <a:t>graphiques</a:t>
+                      </a:r>
+                      <a:endParaRPr lang="fr-FR" sz="1100" dirty="0">
                         <a:solidFill>
                           <a:srgbClr val="000000"/>
                         </a:solidFill>
@@ -23751,6 +23876,29 @@
           </a:graphicData>
         </a:graphic>
       </p:graphicFrame>
+      <p:sp>
+        <p:nvSpPr>
+          <p:cNvPr id="3" name="Espace réservé du numéro de diapositive 2"/>
+          <p:cNvSpPr>
+            <a:spLocks noGrp="1"/>
+          </p:cNvSpPr>
+          <p:nvPr>
+            <p:ph type="sldNum" sz="quarter" idx="12"/>
+          </p:nvPr>
+        </p:nvSpPr>
+        <p:spPr/>
+        <p:txBody>
+          <a:bodyPr/>
+          <a:lstStyle/>
+          <a:p>
+            <a:fld id="{A0E02E04-F7F4-441F-816F-EA2248B6A216}" type="slidenum">
+              <a:rPr lang="fr-FR" smtClean="0"/>
+              <a:t>15</a:t>
+            </a:fld>
+            <a:endParaRPr lang="fr-FR" dirty="0"/>
+          </a:p>
+        </p:txBody>
+      </p:sp>
     </p:spTree>
     <p:extLst>
       <p:ext uri="{BB962C8B-B14F-4D97-AF65-F5344CB8AC3E}">
@@ -23932,7 +24080,7 @@
           <p:nvPr>
             <p:extLst>
               <p:ext uri="{D42A27DB-BD31-4B8C-83A1-F6EECF244321}">
-                <p14:modId xmlns:p14="http://schemas.microsoft.com/office/powerpoint/2010/main" val="1169955047"/>
+                <p14:modId xmlns:p14="http://schemas.microsoft.com/office/powerpoint/2010/main" val="1855495129"/>
               </p:ext>
             </p:extLst>
           </p:nvPr>
@@ -24120,12 +24268,18 @@
                         </a:spcAft>
                       </a:pPr>
                       <a:r>
-                        <a:rPr lang="fr-FR" sz="1200">
+                        <a:rPr lang="fr-FR" sz="1200" dirty="0">
                           <a:effectLst/>
                         </a:rPr>
-                        <a:t>En tant qu’administrateur je peux authentifier</a:t>
+                        <a:t>En tant qu’administrateur je peux </a:t>
                       </a:r>
-                      <a:endParaRPr lang="fr-FR" sz="1100">
+                      <a:r>
+                        <a:rPr lang="fr-FR" sz="1200" dirty="0" smtClean="0">
+                          <a:effectLst/>
+                        </a:rPr>
+                        <a:t>m’authentifier</a:t>
+                      </a:r>
+                      <a:endParaRPr lang="fr-FR" sz="1100" dirty="0">
                         <a:solidFill>
                           <a:srgbClr val="000000"/>
                         </a:solidFill>
@@ -24725,6 +24879,29 @@
           </a:prstGeom>
         </p:spPr>
       </p:pic>
+      <p:sp>
+        <p:nvSpPr>
+          <p:cNvPr id="5" name="Espace réservé du numéro de diapositive 4"/>
+          <p:cNvSpPr>
+            <a:spLocks noGrp="1"/>
+          </p:cNvSpPr>
+          <p:nvPr>
+            <p:ph type="sldNum" sz="quarter" idx="12"/>
+          </p:nvPr>
+        </p:nvSpPr>
+        <p:spPr/>
+        <p:txBody>
+          <a:bodyPr/>
+          <a:lstStyle/>
+          <a:p>
+            <a:fld id="{A0E02E04-F7F4-441F-816F-EA2248B6A216}" type="slidenum">
+              <a:rPr lang="fr-FR" smtClean="0"/>
+              <a:t>16</a:t>
+            </a:fld>
+            <a:endParaRPr lang="fr-FR" dirty="0"/>
+          </a:p>
+        </p:txBody>
+      </p:sp>
     </p:spTree>
     <p:extLst>
       <p:ext uri="{BB962C8B-B14F-4D97-AF65-F5344CB8AC3E}">
@@ -24846,6 +25023,29 @@
           </a:prstGeom>
         </p:spPr>
       </p:pic>
+      <p:sp>
+        <p:nvSpPr>
+          <p:cNvPr id="3" name="Espace réservé du numéro de diapositive 2"/>
+          <p:cNvSpPr>
+            <a:spLocks noGrp="1"/>
+          </p:cNvSpPr>
+          <p:nvPr>
+            <p:ph type="sldNum" sz="quarter" idx="12"/>
+          </p:nvPr>
+        </p:nvSpPr>
+        <p:spPr/>
+        <p:txBody>
+          <a:bodyPr/>
+          <a:lstStyle/>
+          <a:p>
+            <a:fld id="{A0E02E04-F7F4-441F-816F-EA2248B6A216}" type="slidenum">
+              <a:rPr lang="fr-FR" smtClean="0"/>
+              <a:t>17</a:t>
+            </a:fld>
+            <a:endParaRPr lang="fr-FR" dirty="0"/>
+          </a:p>
+        </p:txBody>
+      </p:sp>
     </p:spTree>
     <p:extLst>
       <p:ext uri="{BB962C8B-B14F-4D97-AF65-F5344CB8AC3E}">
@@ -24954,6 +25154,29 @@
           </a:prstGeom>
         </p:spPr>
       </p:pic>
+      <p:sp>
+        <p:nvSpPr>
+          <p:cNvPr id="3" name="Espace réservé du numéro de diapositive 2"/>
+          <p:cNvSpPr>
+            <a:spLocks noGrp="1"/>
+          </p:cNvSpPr>
+          <p:nvPr>
+            <p:ph type="sldNum" sz="quarter" idx="12"/>
+          </p:nvPr>
+        </p:nvSpPr>
+        <p:spPr/>
+        <p:txBody>
+          <a:bodyPr/>
+          <a:lstStyle/>
+          <a:p>
+            <a:fld id="{A0E02E04-F7F4-441F-816F-EA2248B6A216}" type="slidenum">
+              <a:rPr lang="fr-FR" smtClean="0"/>
+              <a:t>18</a:t>
+            </a:fld>
+            <a:endParaRPr lang="fr-FR" dirty="0"/>
+          </a:p>
+        </p:txBody>
+      </p:sp>
     </p:spTree>
     <p:extLst>
       <p:ext uri="{BB962C8B-B14F-4D97-AF65-F5344CB8AC3E}">
@@ -25107,7 +25330,7 @@
         <p:spPr>
           <a:xfrm>
             <a:off x="725101" y="1061707"/>
-            <a:ext cx="4719690" cy="369332"/>
+            <a:ext cx="4782207" cy="369332"/>
           </a:xfrm>
           <a:prstGeom prst="rect">
             <a:avLst/>
@@ -25121,7 +25344,15 @@
           <a:p>
             <a:r>
               <a:rPr lang="fr-FR" dirty="0"/>
-              <a:t>Diagramme cas d'utilisation gérer les utilisateurs</a:t>
+              <a:t>Diagramme cas </a:t>
+            </a:r>
+            <a:r>
+              <a:rPr lang="fr-FR" dirty="0" smtClean="0"/>
+              <a:t>d'utilisation: </a:t>
+            </a:r>
+            <a:r>
+              <a:rPr lang="fr-FR" dirty="0"/>
+              <a:t>gérer les utilisateurs</a:t>
             </a:r>
           </a:p>
         </p:txBody>
@@ -25141,7 +25372,7 @@
         <p:spPr>
           <a:xfrm>
             <a:off x="6378544" y="1100731"/>
-            <a:ext cx="4644220" cy="369332"/>
+            <a:ext cx="4706738" cy="369332"/>
           </a:xfrm>
           <a:prstGeom prst="rect">
             <a:avLst/>
@@ -25155,8 +25386,39 @@
           <a:p>
             <a:r>
               <a:rPr lang="fr-FR" dirty="0"/>
-              <a:t>Diagramme cas d'utilisation consulter les objets</a:t>
+              <a:t>Diagramme cas </a:t>
             </a:r>
+            <a:r>
+              <a:rPr lang="fr-FR" dirty="0" smtClean="0"/>
+              <a:t>d'utilisation: </a:t>
+            </a:r>
+            <a:r>
+              <a:rPr lang="fr-FR" dirty="0"/>
+              <a:t>consulter les objets</a:t>
+            </a:r>
+          </a:p>
+        </p:txBody>
+      </p:sp>
+      <p:sp>
+        <p:nvSpPr>
+          <p:cNvPr id="5" name="Espace réservé du numéro de diapositive 4"/>
+          <p:cNvSpPr>
+            <a:spLocks noGrp="1"/>
+          </p:cNvSpPr>
+          <p:nvPr>
+            <p:ph type="sldNum" sz="quarter" idx="12"/>
+          </p:nvPr>
+        </p:nvSpPr>
+        <p:spPr/>
+        <p:txBody>
+          <a:bodyPr/>
+          <a:lstStyle/>
+          <a:p>
+            <a:fld id="{A0E02E04-F7F4-441F-816F-EA2248B6A216}" type="slidenum">
+              <a:rPr lang="fr-FR" smtClean="0"/>
+              <a:t>19</a:t>
+            </a:fld>
+            <a:endParaRPr lang="fr-FR" dirty="0"/>
           </a:p>
         </p:txBody>
       </p:sp>
@@ -25254,7 +25516,7 @@
             <p:ph idx="1"/>
             <p:extLst>
               <p:ext uri="{D42A27DB-BD31-4B8C-83A1-F6EECF244321}">
-                <p14:modId xmlns:p14="http://schemas.microsoft.com/office/powerpoint/2010/main" val="3564296812"/>
+                <p14:modId xmlns:p14="http://schemas.microsoft.com/office/powerpoint/2010/main" val="2472648356"/>
               </p:ext>
             </p:extLst>
           </p:nvPr>
@@ -25269,6 +25531,29 @@
           </a:graphicData>
         </a:graphic>
       </p:graphicFrame>
+      <p:sp>
+        <p:nvSpPr>
+          <p:cNvPr id="3" name="Espace réservé du numéro de diapositive 2"/>
+          <p:cNvSpPr>
+            <a:spLocks noGrp="1"/>
+          </p:cNvSpPr>
+          <p:nvPr>
+            <p:ph type="sldNum" sz="quarter" idx="12"/>
+          </p:nvPr>
+        </p:nvSpPr>
+        <p:spPr/>
+        <p:txBody>
+          <a:bodyPr/>
+          <a:lstStyle/>
+          <a:p>
+            <a:fld id="{A0E02E04-F7F4-441F-816F-EA2248B6A216}" type="slidenum">
+              <a:rPr lang="fr-FR" smtClean="0"/>
+              <a:t>2</a:t>
+            </a:fld>
+            <a:endParaRPr lang="fr-FR" dirty="0"/>
+          </a:p>
+        </p:txBody>
+      </p:sp>
     </p:spTree>
     <p:extLst>
       <p:ext uri="{BB962C8B-B14F-4D97-AF65-F5344CB8AC3E}">
@@ -25336,7 +25621,15 @@
           <a:p>
             <a:r>
               <a:rPr lang="fr-FR" sz="2000" b="1" dirty="0"/>
-              <a:t>Diagramme cas d'utilisation consulter une carte réelle</a:t>
+              <a:t>Diagramme cas </a:t>
+            </a:r>
+            <a:r>
+              <a:rPr lang="fr-FR" sz="2000" b="1" dirty="0" smtClean="0"/>
+              <a:t>d'utilisation: </a:t>
+            </a:r>
+            <a:r>
+              <a:rPr lang="fr-FR" sz="2000" b="1" dirty="0"/>
+              <a:t>consulter une carte réelle</a:t>
             </a:r>
           </a:p>
         </p:txBody>
@@ -25373,6 +25666,29 @@
           </a:prstGeom>
         </p:spPr>
       </p:pic>
+      <p:sp>
+        <p:nvSpPr>
+          <p:cNvPr id="3" name="Espace réservé du numéro de diapositive 2"/>
+          <p:cNvSpPr>
+            <a:spLocks noGrp="1"/>
+          </p:cNvSpPr>
+          <p:nvPr>
+            <p:ph type="sldNum" sz="quarter" idx="12"/>
+          </p:nvPr>
+        </p:nvSpPr>
+        <p:spPr/>
+        <p:txBody>
+          <a:bodyPr/>
+          <a:lstStyle/>
+          <a:p>
+            <a:fld id="{A0E02E04-F7F4-441F-816F-EA2248B6A216}" type="slidenum">
+              <a:rPr lang="fr-FR" smtClean="0"/>
+              <a:t>20</a:t>
+            </a:fld>
+            <a:endParaRPr lang="fr-FR" dirty="0"/>
+          </a:p>
+        </p:txBody>
+      </p:sp>
     </p:spTree>
     <p:extLst>
       <p:ext uri="{BB962C8B-B14F-4D97-AF65-F5344CB8AC3E}">
@@ -25552,6 +25868,29 @@
           </a:prstGeom>
         </p:spPr>
       </p:pic>
+      <p:sp>
+        <p:nvSpPr>
+          <p:cNvPr id="6" name="Espace réservé du numéro de diapositive 5"/>
+          <p:cNvSpPr>
+            <a:spLocks noGrp="1"/>
+          </p:cNvSpPr>
+          <p:nvPr>
+            <p:ph type="sldNum" sz="quarter" idx="12"/>
+          </p:nvPr>
+        </p:nvSpPr>
+        <p:spPr/>
+        <p:txBody>
+          <a:bodyPr/>
+          <a:lstStyle/>
+          <a:p>
+            <a:fld id="{A0E02E04-F7F4-441F-816F-EA2248B6A216}" type="slidenum">
+              <a:rPr lang="fr-FR" smtClean="0"/>
+              <a:t>21</a:t>
+            </a:fld>
+            <a:endParaRPr lang="fr-FR" dirty="0"/>
+          </a:p>
+        </p:txBody>
+      </p:sp>
     </p:spTree>
     <p:extLst>
       <p:ext uri="{BB962C8B-B14F-4D97-AF65-F5344CB8AC3E}">
@@ -25731,6 +26070,29 @@
           </a:prstGeom>
         </p:spPr>
       </p:pic>
+      <p:sp>
+        <p:nvSpPr>
+          <p:cNvPr id="6" name="Espace réservé du numéro de diapositive 5"/>
+          <p:cNvSpPr>
+            <a:spLocks noGrp="1"/>
+          </p:cNvSpPr>
+          <p:nvPr>
+            <p:ph type="sldNum" sz="quarter" idx="12"/>
+          </p:nvPr>
+        </p:nvSpPr>
+        <p:spPr/>
+        <p:txBody>
+          <a:bodyPr/>
+          <a:lstStyle/>
+          <a:p>
+            <a:fld id="{A0E02E04-F7F4-441F-816F-EA2248B6A216}" type="slidenum">
+              <a:rPr lang="fr-FR" smtClean="0"/>
+              <a:t>22</a:t>
+            </a:fld>
+            <a:endParaRPr lang="fr-FR" dirty="0"/>
+          </a:p>
+        </p:txBody>
+      </p:sp>
     </p:spTree>
     <p:extLst>
       <p:ext uri="{BB962C8B-B14F-4D97-AF65-F5344CB8AC3E}">
@@ -25741,6 +26103,13 @@
   <p:clrMapOvr>
     <a:masterClrMapping/>
   </p:clrMapOvr>
+  <p:timing>
+    <p:tnLst>
+      <p:par>
+        <p:cTn id="1" dur="indefinite" restart="never" nodeType="tmRoot"/>
+      </p:par>
+    </p:tnLst>
+  </p:timing>
 </p:sld>
 </file>
 
@@ -25853,6 +26222,29 @@
           </a:prstGeom>
         </p:spPr>
       </p:pic>
+      <p:sp>
+        <p:nvSpPr>
+          <p:cNvPr id="3" name="Espace réservé du numéro de diapositive 2"/>
+          <p:cNvSpPr>
+            <a:spLocks noGrp="1"/>
+          </p:cNvSpPr>
+          <p:nvPr>
+            <p:ph type="sldNum" sz="quarter" idx="12"/>
+          </p:nvPr>
+        </p:nvSpPr>
+        <p:spPr/>
+        <p:txBody>
+          <a:bodyPr/>
+          <a:lstStyle/>
+          <a:p>
+            <a:fld id="{A0E02E04-F7F4-441F-816F-EA2248B6A216}" type="slidenum">
+              <a:rPr lang="fr-FR" smtClean="0"/>
+              <a:t>23</a:t>
+            </a:fld>
+            <a:endParaRPr lang="fr-FR" dirty="0"/>
+          </a:p>
+        </p:txBody>
+      </p:sp>
     </p:spTree>
     <p:extLst>
       <p:ext uri="{BB962C8B-B14F-4D97-AF65-F5344CB8AC3E}">
@@ -25863,6 +26255,13 @@
   <p:clrMapOvr>
     <a:masterClrMapping/>
   </p:clrMapOvr>
+  <p:timing>
+    <p:tnLst>
+      <p:par>
+        <p:cTn id="1" dur="indefinite" restart="never" nodeType="tmRoot"/>
+      </p:par>
+    </p:tnLst>
+  </p:timing>
 </p:sld>
 </file>
 
@@ -25950,6 +26349,29 @@
           </a:prstGeom>
         </p:spPr>
       </p:pic>
+      <p:sp>
+        <p:nvSpPr>
+          <p:cNvPr id="3" name="Espace réservé du numéro de diapositive 2"/>
+          <p:cNvSpPr>
+            <a:spLocks noGrp="1"/>
+          </p:cNvSpPr>
+          <p:nvPr>
+            <p:ph type="sldNum" sz="quarter" idx="12"/>
+          </p:nvPr>
+        </p:nvSpPr>
+        <p:spPr/>
+        <p:txBody>
+          <a:bodyPr/>
+          <a:lstStyle/>
+          <a:p>
+            <a:fld id="{A0E02E04-F7F4-441F-816F-EA2248B6A216}" type="slidenum">
+              <a:rPr lang="fr-FR" smtClean="0"/>
+              <a:t>24</a:t>
+            </a:fld>
+            <a:endParaRPr lang="fr-FR" dirty="0"/>
+          </a:p>
+        </p:txBody>
+      </p:sp>
     </p:spTree>
     <p:extLst>
       <p:ext uri="{BB962C8B-B14F-4D97-AF65-F5344CB8AC3E}">
@@ -25960,6 +26382,13 @@
   <p:clrMapOvr>
     <a:masterClrMapping/>
   </p:clrMapOvr>
+  <p:timing>
+    <p:tnLst>
+      <p:par>
+        <p:cTn id="1" dur="indefinite" restart="never" nodeType="tmRoot"/>
+      </p:par>
+    </p:tnLst>
+  </p:timing>
 </p:sld>
 </file>
 
@@ -26005,7 +26434,15 @@
           <a:p>
             <a:r>
               <a:rPr lang="fr-FR" sz="2000" b="1" dirty="0"/>
-              <a:t>Consulter les information de chaque objet</a:t>
+              <a:t>Consulter les </a:t>
+            </a:r>
+            <a:r>
+              <a:rPr lang="fr-FR" sz="2000" b="1" dirty="0" smtClean="0"/>
+              <a:t>informations </a:t>
+            </a:r>
+            <a:r>
+              <a:rPr lang="fr-FR" sz="2000" b="1" dirty="0"/>
+              <a:t>de chaque objet</a:t>
             </a:r>
           </a:p>
         </p:txBody>
@@ -26042,6 +26479,29 @@
           </a:prstGeom>
         </p:spPr>
       </p:pic>
+      <p:sp>
+        <p:nvSpPr>
+          <p:cNvPr id="3" name="Espace réservé du numéro de diapositive 2"/>
+          <p:cNvSpPr>
+            <a:spLocks noGrp="1"/>
+          </p:cNvSpPr>
+          <p:nvPr>
+            <p:ph type="sldNum" sz="quarter" idx="12"/>
+          </p:nvPr>
+        </p:nvSpPr>
+        <p:spPr/>
+        <p:txBody>
+          <a:bodyPr/>
+          <a:lstStyle/>
+          <a:p>
+            <a:fld id="{A0E02E04-F7F4-441F-816F-EA2248B6A216}" type="slidenum">
+              <a:rPr lang="fr-FR" smtClean="0"/>
+              <a:t>25</a:t>
+            </a:fld>
+            <a:endParaRPr lang="fr-FR" dirty="0"/>
+          </a:p>
+        </p:txBody>
+      </p:sp>
     </p:spTree>
     <p:extLst>
       <p:ext uri="{BB962C8B-B14F-4D97-AF65-F5344CB8AC3E}">
@@ -26052,6 +26512,13 @@
   <p:clrMapOvr>
     <a:masterClrMapping/>
   </p:clrMapOvr>
+  <p:timing>
+    <p:tnLst>
+      <p:par>
+        <p:cTn id="1" dur="indefinite" restart="never" nodeType="tmRoot"/>
+      </p:par>
+    </p:tnLst>
+  </p:timing>
 </p:sld>
 </file>
 
@@ -26183,6 +26650,29 @@
           </a:prstGeom>
         </p:spPr>
       </p:pic>
+      <p:sp>
+        <p:nvSpPr>
+          <p:cNvPr id="4" name="Espace réservé du numéro de diapositive 3"/>
+          <p:cNvSpPr>
+            <a:spLocks noGrp="1"/>
+          </p:cNvSpPr>
+          <p:nvPr>
+            <p:ph type="sldNum" sz="quarter" idx="12"/>
+          </p:nvPr>
+        </p:nvSpPr>
+        <p:spPr/>
+        <p:txBody>
+          <a:bodyPr/>
+          <a:lstStyle/>
+          <a:p>
+            <a:fld id="{A0E02E04-F7F4-441F-816F-EA2248B6A216}" type="slidenum">
+              <a:rPr lang="fr-FR" smtClean="0"/>
+              <a:t>26</a:t>
+            </a:fld>
+            <a:endParaRPr lang="fr-FR" dirty="0"/>
+          </a:p>
+        </p:txBody>
+      </p:sp>
     </p:spTree>
     <p:extLst>
       <p:ext uri="{BB962C8B-B14F-4D97-AF65-F5344CB8AC3E}">
@@ -26193,6 +26683,13 @@
   <p:clrMapOvr>
     <a:masterClrMapping/>
   </p:clrMapOvr>
+  <p:timing>
+    <p:tnLst>
+      <p:par>
+        <p:cTn id="1" dur="indefinite" restart="never" nodeType="tmRoot"/>
+      </p:par>
+    </p:tnLst>
+  </p:timing>
 </p:sld>
 </file>
 
@@ -26295,7 +26792,7 @@
         <p:spPr>
           <a:xfrm>
             <a:off x="551708" y="1533163"/>
-            <a:ext cx="4092980" cy="369332"/>
+            <a:ext cx="4155497" cy="369332"/>
           </a:xfrm>
           <a:prstGeom prst="rect">
             <a:avLst/>
@@ -26309,8 +26806,39 @@
           <a:p>
             <a:r>
               <a:rPr lang="fr-FR" dirty="0"/>
-              <a:t>Diagramme cas d'utilisation gérer le profil</a:t>
+              <a:t>Diagramme cas </a:t>
             </a:r>
+            <a:r>
+              <a:rPr lang="fr-FR" dirty="0" smtClean="0"/>
+              <a:t>d'utilisation: </a:t>
+            </a:r>
+            <a:r>
+              <a:rPr lang="fr-FR" dirty="0"/>
+              <a:t>gérer le profil</a:t>
+            </a:r>
+          </a:p>
+        </p:txBody>
+      </p:sp>
+      <p:sp>
+        <p:nvSpPr>
+          <p:cNvPr id="3" name="Espace réservé du numéro de diapositive 2"/>
+          <p:cNvSpPr>
+            <a:spLocks noGrp="1"/>
+          </p:cNvSpPr>
+          <p:nvPr>
+            <p:ph type="sldNum" sz="quarter" idx="12"/>
+          </p:nvPr>
+        </p:nvSpPr>
+        <p:spPr/>
+        <p:txBody>
+          <a:bodyPr/>
+          <a:lstStyle/>
+          <a:p>
+            <a:fld id="{A0E02E04-F7F4-441F-816F-EA2248B6A216}" type="slidenum">
+              <a:rPr lang="fr-FR" smtClean="0"/>
+              <a:t>27</a:t>
+            </a:fld>
+            <a:endParaRPr lang="fr-FR" dirty="0"/>
           </a:p>
         </p:txBody>
       </p:sp>
@@ -26417,6 +26945,29 @@
           </a:prstGeom>
         </p:spPr>
       </p:pic>
+      <p:sp>
+        <p:nvSpPr>
+          <p:cNvPr id="3" name="Espace réservé du numéro de diapositive 2"/>
+          <p:cNvSpPr>
+            <a:spLocks noGrp="1"/>
+          </p:cNvSpPr>
+          <p:nvPr>
+            <p:ph type="sldNum" sz="quarter" idx="12"/>
+          </p:nvPr>
+        </p:nvSpPr>
+        <p:spPr/>
+        <p:txBody>
+          <a:bodyPr/>
+          <a:lstStyle/>
+          <a:p>
+            <a:fld id="{A0E02E04-F7F4-441F-816F-EA2248B6A216}" type="slidenum">
+              <a:rPr lang="fr-FR" smtClean="0"/>
+              <a:t>28</a:t>
+            </a:fld>
+            <a:endParaRPr lang="fr-FR" dirty="0"/>
+          </a:p>
+        </p:txBody>
+      </p:sp>
     </p:spTree>
     <p:extLst>
       <p:ext uri="{BB962C8B-B14F-4D97-AF65-F5344CB8AC3E}">
@@ -26525,6 +27076,29 @@
           </a:prstGeom>
         </p:spPr>
       </p:pic>
+      <p:sp>
+        <p:nvSpPr>
+          <p:cNvPr id="3" name="Espace réservé du numéro de diapositive 2"/>
+          <p:cNvSpPr>
+            <a:spLocks noGrp="1"/>
+          </p:cNvSpPr>
+          <p:nvPr>
+            <p:ph type="sldNum" sz="quarter" idx="12"/>
+          </p:nvPr>
+        </p:nvSpPr>
+        <p:spPr/>
+        <p:txBody>
+          <a:bodyPr/>
+          <a:lstStyle/>
+          <a:p>
+            <a:fld id="{A0E02E04-F7F4-441F-816F-EA2248B6A216}" type="slidenum">
+              <a:rPr lang="fr-FR" smtClean="0"/>
+              <a:t>29</a:t>
+            </a:fld>
+            <a:endParaRPr lang="fr-FR" dirty="0"/>
+          </a:p>
+        </p:txBody>
+      </p:sp>
     </p:spTree>
     <p:extLst>
       <p:ext uri="{BB962C8B-B14F-4D97-AF65-F5344CB8AC3E}">
@@ -26710,7 +27284,7 @@
           <p:nvPr>
             <p:extLst>
               <p:ext uri="{D42A27DB-BD31-4B8C-83A1-F6EECF244321}">
-                <p14:modId xmlns:p14="http://schemas.microsoft.com/office/powerpoint/2010/main" val="2154650509"/>
+                <p14:modId xmlns:p14="http://schemas.microsoft.com/office/powerpoint/2010/main" val="4225708716"/>
               </p:ext>
             </p:extLst>
           </p:nvPr>
@@ -26845,6 +27419,29 @@
           </a:prstGeom>
         </p:spPr>
       </p:pic>
+      <p:sp>
+        <p:nvSpPr>
+          <p:cNvPr id="4" name="Espace réservé du numéro de diapositive 3"/>
+          <p:cNvSpPr>
+            <a:spLocks noGrp="1"/>
+          </p:cNvSpPr>
+          <p:nvPr>
+            <p:ph type="sldNum" sz="quarter" idx="12"/>
+          </p:nvPr>
+        </p:nvSpPr>
+        <p:spPr/>
+        <p:txBody>
+          <a:bodyPr/>
+          <a:lstStyle/>
+          <a:p>
+            <a:fld id="{A0E02E04-F7F4-441F-816F-EA2248B6A216}" type="slidenum">
+              <a:rPr lang="fr-FR" smtClean="0"/>
+              <a:t>3</a:t>
+            </a:fld>
+            <a:endParaRPr lang="fr-FR" dirty="0"/>
+          </a:p>
+        </p:txBody>
+      </p:sp>
     </p:spTree>
     <p:extLst>
       <p:ext uri="{BB962C8B-B14F-4D97-AF65-F5344CB8AC3E}">
@@ -26947,7 +27544,15 @@
           <a:p>
             <a:r>
               <a:rPr lang="fr-FR" sz="2000" b="1" dirty="0"/>
-              <a:t>Modifier mot de passe</a:t>
+              <a:t>Modifier </a:t>
+            </a:r>
+            <a:r>
+              <a:rPr lang="fr-FR" sz="2000" b="1" dirty="0" smtClean="0"/>
+              <a:t>le mot </a:t>
+            </a:r>
+            <a:r>
+              <a:rPr lang="fr-FR" sz="2000" b="1" dirty="0"/>
+              <a:t>de passe</a:t>
             </a:r>
           </a:p>
         </p:txBody>
@@ -26982,6 +27587,29 @@
           </a:prstGeom>
         </p:spPr>
       </p:pic>
+      <p:sp>
+        <p:nvSpPr>
+          <p:cNvPr id="5" name="Espace réservé du numéro de diapositive 4"/>
+          <p:cNvSpPr>
+            <a:spLocks noGrp="1"/>
+          </p:cNvSpPr>
+          <p:nvPr>
+            <p:ph type="sldNum" sz="quarter" idx="12"/>
+          </p:nvPr>
+        </p:nvSpPr>
+        <p:spPr/>
+        <p:txBody>
+          <a:bodyPr/>
+          <a:lstStyle/>
+          <a:p>
+            <a:fld id="{A0E02E04-F7F4-441F-816F-EA2248B6A216}" type="slidenum">
+              <a:rPr lang="fr-FR" smtClean="0"/>
+              <a:t>30</a:t>
+            </a:fld>
+            <a:endParaRPr lang="fr-FR" dirty="0"/>
+          </a:p>
+        </p:txBody>
+      </p:sp>
     </p:spTree>
     <p:extLst>
       <p:ext uri="{BB962C8B-B14F-4D97-AF65-F5344CB8AC3E}">
@@ -27087,8 +27715,12 @@
           <a:lstStyle/>
           <a:p>
             <a:r>
+              <a:rPr lang="fr-FR" sz="1800" b="1" dirty="0" smtClean="0"/>
+              <a:t>Page: consulter </a:t>
+            </a:r>
+            <a:r>
               <a:rPr lang="fr-FR" sz="1800" b="1" dirty="0"/>
-              <a:t>Page consulter le profil                                                               Interface pour modifier les informations</a:t>
+              <a:t>le profil                                                               Interface pour modifier les informations</a:t>
             </a:r>
           </a:p>
         </p:txBody>
@@ -27153,6 +27785,29 @@
           </a:prstGeom>
         </p:spPr>
       </p:pic>
+      <p:sp>
+        <p:nvSpPr>
+          <p:cNvPr id="6" name="Espace réservé du numéro de diapositive 5"/>
+          <p:cNvSpPr>
+            <a:spLocks noGrp="1"/>
+          </p:cNvSpPr>
+          <p:nvPr>
+            <p:ph type="sldNum" sz="quarter" idx="12"/>
+          </p:nvPr>
+        </p:nvSpPr>
+        <p:spPr/>
+        <p:txBody>
+          <a:bodyPr/>
+          <a:lstStyle/>
+          <a:p>
+            <a:fld id="{A0E02E04-F7F4-441F-816F-EA2248B6A216}" type="slidenum">
+              <a:rPr lang="fr-FR" smtClean="0"/>
+              <a:t>31</a:t>
+            </a:fld>
+            <a:endParaRPr lang="fr-FR" dirty="0"/>
+          </a:p>
+        </p:txBody>
+      </p:sp>
     </p:spTree>
     <p:extLst>
       <p:ext uri="{BB962C8B-B14F-4D97-AF65-F5344CB8AC3E}">
@@ -27163,6 +27818,13 @@
   <p:clrMapOvr>
     <a:masterClrMapping/>
   </p:clrMapOvr>
+  <p:timing>
+    <p:tnLst>
+      <p:par>
+        <p:cTn id="1" dur="indefinite" restart="never" nodeType="tmRoot"/>
+      </p:par>
+    </p:tnLst>
+  </p:timing>
 </p:sld>
 </file>
 
@@ -27289,8 +27951,8 @@
         </p:nvSpPr>
         <p:spPr>
           <a:xfrm>
-            <a:off x="-382370" y="3795684"/>
-            <a:ext cx="4662944" cy="369332"/>
+            <a:off x="-590760" y="3795684"/>
+            <a:ext cx="4871334" cy="369332"/>
           </a:xfrm>
           <a:prstGeom prst="rect">
             <a:avLst/>
@@ -27305,8 +27967,43 @@
             <a:pPr lvl="3" algn="r"/>
             <a:r>
               <a:rPr lang="fr-FR" dirty="0"/>
-              <a:t>Page de consulter les statistiques</a:t>
+              <a:t>Page </a:t>
             </a:r>
+            <a:r>
+              <a:rPr lang="fr-FR" dirty="0" smtClean="0"/>
+              <a:t>pour</a:t>
+            </a:r>
+            <a:r>
+              <a:rPr lang="fr-FR" dirty="0" smtClean="0"/>
+              <a:t> </a:t>
+            </a:r>
+            <a:r>
+              <a:rPr lang="fr-FR" dirty="0"/>
+              <a:t>consulter les statistiques</a:t>
+            </a:r>
+          </a:p>
+        </p:txBody>
+      </p:sp>
+      <p:sp>
+        <p:nvSpPr>
+          <p:cNvPr id="3" name="Espace réservé du numéro de diapositive 2"/>
+          <p:cNvSpPr>
+            <a:spLocks noGrp="1"/>
+          </p:cNvSpPr>
+          <p:nvPr>
+            <p:ph type="sldNum" sz="quarter" idx="12"/>
+          </p:nvPr>
+        </p:nvSpPr>
+        <p:spPr/>
+        <p:txBody>
+          <a:bodyPr/>
+          <a:lstStyle/>
+          <a:p>
+            <a:fld id="{A0E02E04-F7F4-441F-816F-EA2248B6A216}" type="slidenum">
+              <a:rPr lang="fr-FR" smtClean="0"/>
+              <a:t>32</a:t>
+            </a:fld>
+            <a:endParaRPr lang="fr-FR" dirty="0"/>
           </a:p>
         </p:txBody>
       </p:sp>
@@ -27320,6 +28017,13 @@
   <p:clrMapOvr>
     <a:masterClrMapping/>
   </p:clrMapOvr>
+  <p:timing>
+    <p:tnLst>
+      <p:par>
+        <p:cTn id="1" dur="indefinite" restart="never" nodeType="tmRoot"/>
+      </p:par>
+    </p:tnLst>
+  </p:timing>
 </p:sld>
 </file>
 
@@ -27406,6 +28110,29 @@
           </a:prstGeom>
         </p:spPr>
       </p:pic>
+      <p:sp>
+        <p:nvSpPr>
+          <p:cNvPr id="3" name="Espace réservé du numéro de diapositive 2"/>
+          <p:cNvSpPr>
+            <a:spLocks noGrp="1"/>
+          </p:cNvSpPr>
+          <p:nvPr>
+            <p:ph type="sldNum" sz="quarter" idx="12"/>
+          </p:nvPr>
+        </p:nvSpPr>
+        <p:spPr/>
+        <p:txBody>
+          <a:bodyPr/>
+          <a:lstStyle/>
+          <a:p>
+            <a:fld id="{A0E02E04-F7F4-441F-816F-EA2248B6A216}" type="slidenum">
+              <a:rPr lang="fr-FR" smtClean="0"/>
+              <a:t>33</a:t>
+            </a:fld>
+            <a:endParaRPr lang="fr-FR" dirty="0"/>
+          </a:p>
+        </p:txBody>
+      </p:sp>
     </p:spTree>
     <p:extLst>
       <p:ext uri="{BB962C8B-B14F-4D97-AF65-F5344CB8AC3E}">
@@ -27416,6 +28143,13 @@
   <p:clrMapOvr>
     <a:masterClrMapping/>
   </p:clrMapOvr>
+  <p:timing>
+    <p:tnLst>
+      <p:par>
+        <p:cTn id="1" dur="indefinite" restart="never" nodeType="tmRoot"/>
+      </p:par>
+    </p:tnLst>
+  </p:timing>
 </p:sld>
 </file>
 
@@ -27502,18 +28236,27 @@
           <a:p>
             <a:r>
               <a:rPr lang="fr-FR" dirty="0" smtClean="0"/>
-              <a:t>On a développé une application de supervision des objets mobiles.</a:t>
+              <a:t>Nous avons</a:t>
+            </a:r>
+            <a:r>
+              <a:rPr lang="fr-FR" dirty="0" smtClean="0"/>
+              <a:t> </a:t>
+            </a:r>
+            <a:r>
+              <a:rPr lang="fr-FR" dirty="0" smtClean="0"/>
+              <a:t>développé une application de supervision des objets mobiles.</a:t>
             </a:r>
           </a:p>
           <a:p>
             <a:r>
               <a:rPr lang="fr-FR" dirty="0" smtClean="0"/>
-              <a:t>Les localiser , recevoir </a:t>
+              <a:t>Les localiser , recevoir leur notification et générer des statistiques et des alertes pour les </a:t>
             </a:r>
             <a:r>
               <a:rPr lang="fr-FR" dirty="0" smtClean="0"/>
-              <a:t>leur notification et générer des statistiques et des alertes pour les utilisations connecté </a:t>
+              <a:t>utilisateurs concernés. </a:t>
             </a:r>
+            <a:endParaRPr lang="fr-FR" dirty="0" smtClean="0"/>
           </a:p>
           <a:p>
             <a:endParaRPr lang="fr-FR" dirty="0" smtClean="0"/>
@@ -27547,6 +28290,29 @@
           </a:prstGeom>
         </p:spPr>
       </p:pic>
+      <p:sp>
+        <p:nvSpPr>
+          <p:cNvPr id="5" name="Espace réservé du numéro de diapositive 4"/>
+          <p:cNvSpPr>
+            <a:spLocks noGrp="1"/>
+          </p:cNvSpPr>
+          <p:nvPr>
+            <p:ph type="sldNum" sz="quarter" idx="12"/>
+          </p:nvPr>
+        </p:nvSpPr>
+        <p:spPr/>
+        <p:txBody>
+          <a:bodyPr/>
+          <a:lstStyle/>
+          <a:p>
+            <a:fld id="{A0E02E04-F7F4-441F-816F-EA2248B6A216}" type="slidenum">
+              <a:rPr lang="fr-FR" smtClean="0"/>
+              <a:t>34</a:t>
+            </a:fld>
+            <a:endParaRPr lang="fr-FR" dirty="0"/>
+          </a:p>
+        </p:txBody>
+      </p:sp>
     </p:spTree>
     <p:extLst>
       <p:ext uri="{BB962C8B-B14F-4D97-AF65-F5344CB8AC3E}">
@@ -27557,6 +28323,13 @@
   <p:clrMapOvr>
     <a:masterClrMapping/>
   </p:clrMapOvr>
+  <p:timing>
+    <p:tnLst>
+      <p:par>
+        <p:cTn id="1" dur="indefinite" restart="never" nodeType="tmRoot"/>
+      </p:par>
+    </p:tnLst>
+  </p:timing>
 </p:sld>
 </file>
 
@@ -27635,8 +28408,13 @@
           <a:p>
             <a:r>
               <a:rPr lang="fr-FR" dirty="0" smtClean="0"/>
-              <a:t>Générer des ordres en fonction des notifications et alerte reçu</a:t>
+              <a:t>Générer des ordres en fonction des notifications et </a:t>
             </a:r>
+            <a:r>
+              <a:rPr lang="fr-FR" dirty="0" smtClean="0"/>
+              <a:t>alertes reçues</a:t>
+            </a:r>
+            <a:endParaRPr lang="fr-FR" dirty="0" smtClean="0"/>
           </a:p>
           <a:p>
             <a:pPr lvl="1">
@@ -27645,8 +28423,9 @@
             </a:pPr>
             <a:r>
               <a:rPr lang="fr-FR" dirty="0" smtClean="0"/>
-              <a:t>Vocal</a:t>
+              <a:t>Vocales</a:t>
             </a:r>
+            <a:endParaRPr lang="fr-FR" dirty="0" smtClean="0"/>
           </a:p>
           <a:p>
             <a:pPr lvl="1">
@@ -27655,14 +28434,38 @@
             </a:pPr>
             <a:r>
               <a:rPr lang="fr-FR" dirty="0" smtClean="0"/>
-              <a:t>Textuel</a:t>
+              <a:t>Textuelles</a:t>
             </a:r>
+            <a:endParaRPr lang="fr-FR" dirty="0" smtClean="0"/>
           </a:p>
           <a:p>
             <a:r>
               <a:rPr lang="fr-FR" dirty="0" smtClean="0"/>
               <a:t>Développer une application mobile (Android ou IOS)</a:t>
             </a:r>
+            <a:endParaRPr lang="fr-FR" dirty="0"/>
+          </a:p>
+        </p:txBody>
+      </p:sp>
+      <p:sp>
+        <p:nvSpPr>
+          <p:cNvPr id="4" name="Espace réservé du numéro de diapositive 3"/>
+          <p:cNvSpPr>
+            <a:spLocks noGrp="1"/>
+          </p:cNvSpPr>
+          <p:nvPr>
+            <p:ph type="sldNum" sz="quarter" idx="12"/>
+          </p:nvPr>
+        </p:nvSpPr>
+        <p:spPr/>
+        <p:txBody>
+          <a:bodyPr/>
+          <a:lstStyle/>
+          <a:p>
+            <a:fld id="{A0E02E04-F7F4-441F-816F-EA2248B6A216}" type="slidenum">
+              <a:rPr lang="fr-FR" smtClean="0"/>
+              <a:t>35</a:t>
+            </a:fld>
             <a:endParaRPr lang="fr-FR" dirty="0"/>
           </a:p>
         </p:txBody>
@@ -27755,6 +28558,29 @@
           </a:prstGeom>
         </p:spPr>
       </p:pic>
+      <p:sp>
+        <p:nvSpPr>
+          <p:cNvPr id="3" name="Espace réservé du numéro de diapositive 2"/>
+          <p:cNvSpPr>
+            <a:spLocks noGrp="1"/>
+          </p:cNvSpPr>
+          <p:nvPr>
+            <p:ph type="sldNum" sz="quarter" idx="12"/>
+          </p:nvPr>
+        </p:nvSpPr>
+        <p:spPr/>
+        <p:txBody>
+          <a:bodyPr/>
+          <a:lstStyle/>
+          <a:p>
+            <a:fld id="{A0E02E04-F7F4-441F-816F-EA2248B6A216}" type="slidenum">
+              <a:rPr lang="fr-FR" smtClean="0"/>
+              <a:t>36</a:t>
+            </a:fld>
+            <a:endParaRPr lang="fr-FR" dirty="0"/>
+          </a:p>
+        </p:txBody>
+      </p:sp>
     </p:spTree>
     <p:extLst>
       <p:ext uri="{BB962C8B-B14F-4D97-AF65-F5344CB8AC3E}">
@@ -27821,7 +28647,31 @@
                   <a:srgbClr val="7030A0"/>
                 </a:solidFill>
               </a:rPr>
-              <a:t>3 clés de iot:</a:t>
+              <a:t>3 clés de </a:t>
+            </a:r>
+            <a:r>
+              <a:rPr lang="fr-FR" sz="2800" b="1" dirty="0" err="1" smtClean="0">
+                <a:solidFill>
+                  <a:srgbClr val="7030A0"/>
+                </a:solidFill>
+              </a:rPr>
+              <a:t>IoT</a:t>
+            </a:r>
+            <a:r>
+              <a:rPr lang="fr-FR" sz="2800" b="1" dirty="0" smtClean="0">
+                <a:solidFill>
+                  <a:srgbClr val="7030A0"/>
+                </a:solidFill>
+              </a:rPr>
+              <a:t>:</a:t>
+            </a:r>
+            <a:r>
+              <a:rPr lang="fr-FR" sz="2800" b="1" dirty="0">
+                <a:solidFill>
+                  <a:srgbClr val="7030A0"/>
+                </a:solidFill>
+              </a:rPr>
+              <a:t/>
             </a:r>
             <a:br>
               <a:rPr lang="fr-FR" sz="2800" b="1" dirty="0">
@@ -27857,7 +28707,7 @@
             <p:ph idx="1"/>
             <p:extLst>
               <p:ext uri="{D42A27DB-BD31-4B8C-83A1-F6EECF244321}">
-                <p14:modId xmlns:p14="http://schemas.microsoft.com/office/powerpoint/2010/main" val="4207321246"/>
+                <p14:modId xmlns:p14="http://schemas.microsoft.com/office/powerpoint/2010/main" val="102851575"/>
               </p:ext>
             </p:extLst>
           </p:nvPr>
@@ -27980,6 +28830,29 @@
           </a:prstGeom>
         </p:spPr>
       </p:pic>
+      <p:sp>
+        <p:nvSpPr>
+          <p:cNvPr id="3" name="Espace réservé du numéro de diapositive 2"/>
+          <p:cNvSpPr>
+            <a:spLocks noGrp="1"/>
+          </p:cNvSpPr>
+          <p:nvPr>
+            <p:ph type="sldNum" sz="quarter" idx="12"/>
+          </p:nvPr>
+        </p:nvSpPr>
+        <p:spPr/>
+        <p:txBody>
+          <a:bodyPr/>
+          <a:lstStyle/>
+          <a:p>
+            <a:fld id="{A0E02E04-F7F4-441F-816F-EA2248B6A216}" type="slidenum">
+              <a:rPr lang="fr-FR" smtClean="0"/>
+              <a:t>4</a:t>
+            </a:fld>
+            <a:endParaRPr lang="fr-FR" dirty="0"/>
+          </a:p>
+        </p:txBody>
+      </p:sp>
     </p:spTree>
     <p:extLst>
       <p:ext uri="{BB962C8B-B14F-4D97-AF65-F5344CB8AC3E}">
@@ -28146,6 +29019,29 @@
           </a:p>
         </p:txBody>
       </p:sp>
+      <p:sp>
+        <p:nvSpPr>
+          <p:cNvPr id="4" name="Espace réservé du numéro de diapositive 3"/>
+          <p:cNvSpPr>
+            <a:spLocks noGrp="1"/>
+          </p:cNvSpPr>
+          <p:nvPr>
+            <p:ph type="sldNum" sz="quarter" idx="12"/>
+          </p:nvPr>
+        </p:nvSpPr>
+        <p:spPr/>
+        <p:txBody>
+          <a:bodyPr/>
+          <a:lstStyle/>
+          <a:p>
+            <a:fld id="{A0E02E04-F7F4-441F-816F-EA2248B6A216}" type="slidenum">
+              <a:rPr lang="fr-FR" smtClean="0"/>
+              <a:t>5</a:t>
+            </a:fld>
+            <a:endParaRPr lang="fr-FR" dirty="0"/>
+          </a:p>
+        </p:txBody>
+      </p:sp>
     </p:spTree>
     <p:extLst>
       <p:ext uri="{BB962C8B-B14F-4D97-AF65-F5344CB8AC3E}">
@@ -28225,34 +29121,167 @@
       </p:sp>
       <p:sp>
         <p:nvSpPr>
-          <p:cNvPr id="3" name="Espace réservé du contenu 2">
-            <a:extLst>
-              <a:ext uri="{FF2B5EF4-FFF2-40B4-BE49-F238E27FC236}">
-                <a16:creationId xmlns:a16="http://schemas.microsoft.com/office/drawing/2014/main" id="{F6BA9276-62ED-4EF7-BE3D-CBF0B8EB01A6}"/>
-              </a:ext>
-            </a:extLst>
-          </p:cNvPr>
+          <p:cNvPr id="4" name="Espace réservé du numéro de diapositive 3"/>
           <p:cNvSpPr>
             <a:spLocks noGrp="1"/>
           </p:cNvSpPr>
           <p:nvPr>
-            <p:ph idx="1"/>
+            <p:ph type="sldNum" sz="quarter" idx="12"/>
           </p:nvPr>
         </p:nvSpPr>
-        <p:spPr>
-          <a:xfrm>
-            <a:off x="838200" y="1100831"/>
-            <a:ext cx="10515600" cy="5076132"/>
-          </a:xfrm>
-        </p:spPr>
+        <p:spPr/>
         <p:txBody>
           <a:bodyPr/>
           <a:lstStyle/>
           <a:p>
+            <a:fld id="{A0E02E04-F7F4-441F-816F-EA2248B6A216}" type="slidenum">
+              <a:rPr lang="fr-FR" smtClean="0"/>
+              <a:t>6</a:t>
+            </a:fld>
             <a:endParaRPr lang="fr-FR" dirty="0"/>
           </a:p>
         </p:txBody>
       </p:sp>
+      <p:pic>
+        <p:nvPicPr>
+          <p:cNvPr id="1026" name="Picture 2" descr="https://scontent.ftun12-1.fna.fbcdn.net/v/t1.15752-9/61068561_2379890458999935_9019875833535266816_n.jpg?_nc_cat=110&amp;_nc_ht=scontent.ftun12-1.fna&amp;oh=e70074232f692830cd157fc74c244fa6&amp;oe=5D62DEA1"/>
+          <p:cNvPicPr>
+            <a:picLocks noGrp="1" noChangeAspect="1" noChangeArrowheads="1"/>
+          </p:cNvPicPr>
+          <p:nvPr>
+            <p:ph idx="1"/>
+          </p:nvPr>
+        </p:nvPicPr>
+        <p:blipFill>
+          <a:blip r:embed="rId2">
+            <a:extLst>
+              <a:ext uri="{28A0092B-C50C-407E-A947-70E740481C1C}">
+                <a14:useLocalDpi xmlns:a14="http://schemas.microsoft.com/office/drawing/2010/main" val="0"/>
+              </a:ext>
+            </a:extLst>
+          </a:blip>
+          <a:srcRect/>
+          <a:stretch>
+            <a:fillRect/>
+          </a:stretch>
+        </p:blipFill>
+        <p:spPr bwMode="auto">
+          <a:xfrm>
+            <a:off x="574008" y="1027906"/>
+            <a:ext cx="3155782" cy="2144629"/>
+          </a:xfrm>
+          <a:prstGeom prst="rect">
+            <a:avLst/>
+          </a:prstGeom>
+          <a:noFill/>
+          <a:ln>
+            <a:solidFill>
+              <a:schemeClr val="tx1"/>
+            </a:solidFill>
+          </a:ln>
+          <a:extLst>
+            <a:ext uri="{909E8E84-426E-40DD-AFC4-6F175D3DCCD1}">
+              <a14:hiddenFill xmlns:a14="http://schemas.microsoft.com/office/drawing/2010/main">
+                <a:solidFill>
+                  <a:srgbClr val="FFFFFF"/>
+                </a:solidFill>
+              </a14:hiddenFill>
+            </a:ext>
+          </a:extLst>
+        </p:spPr>
+      </p:pic>
+      <p:pic>
+        <p:nvPicPr>
+          <p:cNvPr id="1028" name="Picture 4" descr="https://scontent.ftun12-1.fna.fbcdn.net/v/t1.15752-9/61122303_1140453972825169_1069698516017741824_n.jpg?_nc_cat=106&amp;_nc_ht=scontent.ftun12-1.fna&amp;oh=1be420a49d55a84b0ebd50c090e9bbd1&amp;oe=5D5F28D3"/>
+          <p:cNvPicPr>
+            <a:picLocks noChangeAspect="1" noChangeArrowheads="1"/>
+          </p:cNvPicPr>
+          <p:nvPr/>
+        </p:nvPicPr>
+        <p:blipFill>
+          <a:blip r:embed="rId3">
+            <a:extLst>
+              <a:ext uri="{28A0092B-C50C-407E-A947-70E740481C1C}">
+                <a14:useLocalDpi xmlns:a14="http://schemas.microsoft.com/office/drawing/2010/main" val="0"/>
+              </a:ext>
+            </a:extLst>
+          </a:blip>
+          <a:srcRect/>
+          <a:stretch>
+            <a:fillRect/>
+          </a:stretch>
+        </p:blipFill>
+        <p:spPr bwMode="auto">
+          <a:xfrm>
+            <a:off x="4390690" y="1027906"/>
+            <a:ext cx="2960605" cy="2144629"/>
+          </a:xfrm>
+          <a:prstGeom prst="rect">
+            <a:avLst/>
+          </a:prstGeom>
+          <a:noFill/>
+          <a:ln>
+            <a:solidFill>
+              <a:schemeClr val="tx1"/>
+            </a:solidFill>
+          </a:ln>
+          <a:extLst>
+            <a:ext uri="{909E8E84-426E-40DD-AFC4-6F175D3DCCD1}">
+              <a14:hiddenFill xmlns:a14="http://schemas.microsoft.com/office/drawing/2010/main">
+                <a:solidFill>
+                  <a:srgbClr val="FFFFFF"/>
+                </a:solidFill>
+              </a14:hiddenFill>
+            </a:ext>
+          </a:extLst>
+        </p:spPr>
+      </p:pic>
+      <p:pic>
+        <p:nvPicPr>
+          <p:cNvPr id="1030" name="Picture 6" descr="https://scontent.ftun12-1.fna.fbcdn.net/v/t1.15752-9/60945293_1060003307529126_7348184724101136384_n.png?_nc_cat=108&amp;_nc_ht=scontent.ftun12-1.fna&amp;oh=70fc10b690d48b8b6e27043120f9de0d&amp;oe=5D61CB18"/>
+          <p:cNvPicPr>
+            <a:picLocks noChangeAspect="1" noChangeArrowheads="1"/>
+          </p:cNvPicPr>
+          <p:nvPr/>
+        </p:nvPicPr>
+        <p:blipFill>
+          <a:blip r:embed="rId4">
+            <a:extLst>
+              <a:ext uri="{28A0092B-C50C-407E-A947-70E740481C1C}">
+                <a14:useLocalDpi xmlns:a14="http://schemas.microsoft.com/office/drawing/2010/main" val="0"/>
+              </a:ext>
+            </a:extLst>
+          </a:blip>
+          <a:srcRect/>
+          <a:stretch>
+            <a:fillRect/>
+          </a:stretch>
+        </p:blipFill>
+        <p:spPr bwMode="auto">
+          <a:xfrm>
+            <a:off x="7668544" y="1027906"/>
+            <a:ext cx="4086309" cy="2144629"/>
+          </a:xfrm>
+          <a:prstGeom prst="rect">
+            <a:avLst/>
+          </a:prstGeom>
+          <a:noFill/>
+          <a:ln>
+            <a:solidFill>
+              <a:schemeClr val="tx1"/>
+            </a:solidFill>
+          </a:ln>
+          <a:extLst>
+            <a:ext uri="{909E8E84-426E-40DD-AFC4-6F175D3DCCD1}">
+              <a14:hiddenFill xmlns:a14="http://schemas.microsoft.com/office/drawing/2010/main">
+                <a:solidFill>
+                  <a:srgbClr val="FFFFFF"/>
+                </a:solidFill>
+              </a14:hiddenFill>
+            </a:ext>
+          </a:extLst>
+        </p:spPr>
+      </p:pic>
     </p:spTree>
     <p:extLst>
       <p:ext uri="{BB962C8B-B14F-4D97-AF65-F5344CB8AC3E}">
@@ -28382,8 +29411,9 @@
             </a:r>
             <a:r>
               <a:rPr lang="fr-FR" sz="2000" dirty="0" smtClean="0"/>
-              <a:t>qualité</a:t>
+              <a:t>qualité.</a:t>
             </a:r>
+            <a:endParaRPr lang="fr-FR" sz="2000" dirty="0" smtClean="0"/>
           </a:p>
           <a:p>
             <a:pPr marL="0" indent="0">
@@ -28406,9 +29436,22 @@
               <a:buNone/>
             </a:pPr>
             <a:r>
+              <a:rPr lang="fr-FR" sz="2000" dirty="0" smtClean="0"/>
+              <a:t>Nous avons choisi</a:t>
+            </a:r>
+            <a:r>
+              <a:rPr lang="fr-FR" sz="2000" dirty="0" smtClean="0"/>
+              <a:t> </a:t>
+            </a:r>
+            <a:r>
               <a:rPr lang="fr-FR" sz="2000" dirty="0"/>
-              <a:t>Le choix de Scrum comme une méthodologie de pilotage pour notre projet de ce dernier. Il se résumé comme suit :</a:t>
+              <a:t>Scrum comme une méthodologie de pilotage pour notre </a:t>
             </a:r>
+            <a:r>
+              <a:rPr lang="fr-FR" sz="2000" dirty="0" smtClean="0"/>
+              <a:t>projet, qui se caractérise par:</a:t>
+            </a:r>
+            <a:endParaRPr lang="fr-FR" sz="2000" dirty="0"/>
           </a:p>
           <a:p>
             <a:pPr lvl="1"/>
@@ -28448,7 +29491,15 @@
             </a:pPr>
             <a:r>
               <a:rPr lang="fr-FR" sz="2000" dirty="0"/>
-              <a:t>Et la chose plus importante, c’est que Scrum rassemble les deux cotés théorique et pratique et se rapproche beaucoup de la réalité.</a:t>
+              <a:t>Et </a:t>
+            </a:r>
+            <a:r>
+              <a:rPr lang="fr-FR" sz="2000" dirty="0" smtClean="0"/>
+              <a:t>le </a:t>
+            </a:r>
+            <a:r>
+              <a:rPr lang="fr-FR" sz="2000" dirty="0"/>
+              <a:t>plus importante, c’est que Scrum rassemble les deux cotés théorique et pratique et se rapproche beaucoup de la réalité.</a:t>
             </a:r>
           </a:p>
           <a:p>
@@ -28593,6 +29644,29 @@
           </a:p>
         </p:txBody>
       </p:sp>
+      <p:sp>
+        <p:nvSpPr>
+          <p:cNvPr id="4" name="Espace réservé du numéro de diapositive 3"/>
+          <p:cNvSpPr>
+            <a:spLocks noGrp="1"/>
+          </p:cNvSpPr>
+          <p:nvPr>
+            <p:ph type="sldNum" sz="quarter" idx="12"/>
+          </p:nvPr>
+        </p:nvSpPr>
+        <p:spPr/>
+        <p:txBody>
+          <a:bodyPr/>
+          <a:lstStyle/>
+          <a:p>
+            <a:fld id="{A0E02E04-F7F4-441F-816F-EA2248B6A216}" type="slidenum">
+              <a:rPr lang="fr-FR" smtClean="0"/>
+              <a:t>7</a:t>
+            </a:fld>
+            <a:endParaRPr lang="fr-FR" dirty="0"/>
+          </a:p>
+        </p:txBody>
+      </p:sp>
     </p:spTree>
     <p:extLst>
       <p:ext uri="{BB962C8B-B14F-4D97-AF65-F5344CB8AC3E}">
@@ -28694,8 +29768,12 @@
               <a:buNone/>
             </a:pPr>
             <a:r>
+              <a:rPr lang="fr-FR" sz="1800" dirty="0" smtClean="0"/>
+              <a:t>À partir </a:t>
+            </a:r>
+            <a:r>
               <a:rPr lang="fr-FR" sz="1800" dirty="0"/>
-              <a:t>Dans SCRUM l'équipe choisit, à partir du </a:t>
+              <a:t>du </a:t>
             </a:r>
             <a:r>
               <a:rPr lang="fr-FR" sz="1800" dirty="0" err="1"/>
@@ -28703,15 +29781,43 @@
             </a:r>
             <a:r>
               <a:rPr lang="fr-FR" sz="1800" dirty="0"/>
-              <a:t> de produit, les éléments qu'elle s'engage à finir Une fois le </a:t>
+              <a:t> de </a:t>
             </a:r>
             <a:r>
-              <a:rPr lang="fr-FR" sz="1800" dirty="0" err="1"/>
-              <a:t>Backlog</a:t>
+              <a:rPr lang="fr-FR" sz="1800" dirty="0" smtClean="0"/>
+              <a:t>produit, </a:t>
+            </a:r>
+            <a:r>
+              <a:rPr lang="fr-FR" sz="1800" dirty="0" smtClean="0"/>
+              <a:t> </a:t>
             </a:r>
             <a:r>
               <a:rPr lang="fr-FR" sz="1800" dirty="0"/>
-              <a:t> de Sprint est créé, les tâches sont identifiées et estimées (1-16 heures).</a:t>
+              <a:t>l'équipe </a:t>
+            </a:r>
+            <a:r>
+              <a:rPr lang="fr-FR" sz="1800" dirty="0" err="1" smtClean="0"/>
+              <a:t>scrum</a:t>
+            </a:r>
+            <a:r>
+              <a:rPr lang="fr-FR" sz="1800" dirty="0" smtClean="0"/>
+              <a:t> est choisie</a:t>
+            </a:r>
+            <a:r>
+              <a:rPr lang="fr-FR" sz="1800" dirty="0"/>
+              <a:t> </a:t>
+            </a:r>
+            <a:r>
+              <a:rPr lang="fr-FR" sz="1800" dirty="0" smtClean="0"/>
+              <a:t>et les </a:t>
+            </a:r>
+            <a:r>
+              <a:rPr lang="fr-FR" sz="1800" dirty="0" smtClean="0"/>
+              <a:t> éléments sont définis. Ensuite, </a:t>
+            </a:r>
+            <a:r>
+              <a:rPr lang="fr-FR" sz="1800" dirty="0"/>
+              <a:t>les tâches sont identifiées et estimées (1-16 heures).</a:t>
             </a:r>
           </a:p>
           <a:p>
@@ -28720,12 +29826,21 @@
             </a:pPr>
             <a:r>
               <a:rPr lang="fr-FR" sz="1800" dirty="0"/>
-              <a:t>             Finalement on peut alors lancer le Sprint</a:t>
+              <a:t>             </a:t>
             </a:r>
             <a:r>
-              <a:rPr lang="fr-FR" sz="1500" dirty="0"/>
+              <a:rPr lang="fr-FR" sz="1800" dirty="0" smtClean="0"/>
+              <a:t>Maintenant, n</a:t>
+            </a:r>
+            <a:r>
+              <a:rPr lang="fr-FR" sz="1800" dirty="0" smtClean="0"/>
+              <a:t>ous pouvons lancer les Sprints</a:t>
+            </a:r>
+            <a:r>
+              <a:rPr lang="fr-FR" sz="1500" dirty="0" smtClean="0"/>
               <a:t>.</a:t>
             </a:r>
+            <a:endParaRPr lang="fr-FR" sz="1500" dirty="0"/>
           </a:p>
           <a:p>
             <a:pPr marL="342900" indent="-342900">
@@ -29103,6 +30218,29 @@
           </a:p>
         </p:txBody>
       </p:sp>
+      <p:sp>
+        <p:nvSpPr>
+          <p:cNvPr id="4" name="Espace réservé du numéro de diapositive 3"/>
+          <p:cNvSpPr>
+            <a:spLocks noGrp="1"/>
+          </p:cNvSpPr>
+          <p:nvPr>
+            <p:ph type="sldNum" sz="quarter" idx="12"/>
+          </p:nvPr>
+        </p:nvSpPr>
+        <p:spPr/>
+        <p:txBody>
+          <a:bodyPr/>
+          <a:lstStyle/>
+          <a:p>
+            <a:fld id="{A0E02E04-F7F4-441F-816F-EA2248B6A216}" type="slidenum">
+              <a:rPr lang="fr-FR" smtClean="0"/>
+              <a:t>8</a:t>
+            </a:fld>
+            <a:endParaRPr lang="fr-FR" dirty="0"/>
+          </a:p>
+        </p:txBody>
+      </p:sp>
     </p:spTree>
     <p:extLst>
       <p:ext uri="{BB962C8B-B14F-4D97-AF65-F5344CB8AC3E}">
@@ -29340,6 +30478,29 @@
           </a:prstGeom>
         </p:spPr>
       </p:pic>
+      <p:sp>
+        <p:nvSpPr>
+          <p:cNvPr id="4" name="Espace réservé du numéro de diapositive 3"/>
+          <p:cNvSpPr>
+            <a:spLocks noGrp="1"/>
+          </p:cNvSpPr>
+          <p:nvPr>
+            <p:ph type="sldNum" sz="quarter" idx="12"/>
+          </p:nvPr>
+        </p:nvSpPr>
+        <p:spPr/>
+        <p:txBody>
+          <a:bodyPr/>
+          <a:lstStyle/>
+          <a:p>
+            <a:fld id="{A0E02E04-F7F4-441F-816F-EA2248B6A216}" type="slidenum">
+              <a:rPr lang="fr-FR" smtClean="0"/>
+              <a:t>9</a:t>
+            </a:fld>
+            <a:endParaRPr lang="fr-FR" dirty="0"/>
+          </a:p>
+        </p:txBody>
+      </p:sp>
     </p:spTree>
     <p:extLst>
       <p:ext uri="{BB962C8B-B14F-4D97-AF65-F5344CB8AC3E}">
